--- a/src/assets/Geopsy template.pptx
+++ b/src/assets/Geopsy template.pptx
@@ -6,7 +6,7 @@
     <p:sldMasterId id="2147483661" r:id="rId2"/>
   </p:sldMasterIdLst>
   <p:notesMasterIdLst>
-    <p:notesMasterId r:id="rId13"/>
+    <p:notesMasterId r:id="rId9"/>
   </p:notesMasterIdLst>
   <p:sldIdLst>
     <p:sldId id="256" r:id="rId3"/>
@@ -14,30 +14,26 @@
     <p:sldId id="301" r:id="rId5"/>
     <p:sldId id="303" r:id="rId6"/>
     <p:sldId id="304" r:id="rId7"/>
-    <p:sldId id="305" r:id="rId8"/>
-    <p:sldId id="306" r:id="rId9"/>
-    <p:sldId id="308" r:id="rId10"/>
-    <p:sldId id="307" r:id="rId11"/>
-    <p:sldId id="300" r:id="rId12"/>
+    <p:sldId id="300" r:id="rId8"/>
   </p:sldIdLst>
   <p:sldSz cx="9144000" cy="5143500" type="screen16x9"/>
   <p:notesSz cx="6858000" cy="9144000"/>
   <p:embeddedFontLst>
     <p:embeddedFont>
-      <p:font typeface="Calibri" panose="020F0502020204030204" pitchFamily="34" charset="0"/>
-      <p:regular r:id="rId14"/>
-      <p:bold r:id="rId15"/>
-      <p:italic r:id="rId16"/>
-      <p:boldItalic r:id="rId17"/>
+      <p:font typeface="Pontano Sans" panose="020B0604020202020204" charset="0"/>
+      <p:regular r:id="rId10"/>
     </p:embeddedFont>
     <p:embeddedFont>
       <p:font typeface="Dosis ExtraLight" charset="0"/>
-      <p:regular r:id="rId18"/>
-      <p:bold r:id="rId19"/>
+      <p:regular r:id="rId11"/>
+      <p:bold r:id="rId12"/>
     </p:embeddedFont>
     <p:embeddedFont>
-      <p:font typeface="Pontano Sans" panose="020B0604020202020204" charset="0"/>
-      <p:regular r:id="rId20"/>
+      <p:font typeface="Calibri" panose="020F0502020204030204" pitchFamily="34" charset="0"/>
+      <p:regular r:id="rId13"/>
+      <p:bold r:id="rId14"/>
+      <p:italic r:id="rId15"/>
+      <p:boldItalic r:id="rId16"/>
     </p:embeddedFont>
   </p:embeddedFontLst>
   <p:defaultTextStyle>
@@ -275,6 +271,5779 @@
     </p:ext>
   </p:extLst>
 </p:presentation>
+</file>
+
+<file path=ppt/diagrams/colors1.xml><?xml version="1.0" encoding="utf-8"?>
+<dgm:colorsDef xmlns:dgm="http://schemas.openxmlformats.org/drawingml/2006/diagram" xmlns:a="http://schemas.openxmlformats.org/drawingml/2006/main" uniqueId="urn:microsoft.com/office/officeart/2005/8/colors/accent1_2">
+  <dgm:title val=""/>
+  <dgm:desc val=""/>
+  <dgm:catLst>
+    <dgm:cat type="accent1" pri="11200"/>
+  </dgm:catLst>
+  <dgm:styleLbl name="node0">
+    <dgm:fillClrLst meth="repeat">
+      <a:schemeClr val="accent1"/>
+    </dgm:fillClrLst>
+    <dgm:linClrLst meth="repeat">
+      <a:schemeClr val="lt1"/>
+    </dgm:linClrLst>
+    <dgm:effectClrLst/>
+    <dgm:txLinClrLst/>
+    <dgm:txFillClrLst/>
+    <dgm:txEffectClrLst/>
+  </dgm:styleLbl>
+  <dgm:styleLbl name="alignNode1">
+    <dgm:fillClrLst meth="repeat">
+      <a:schemeClr val="accent1"/>
+    </dgm:fillClrLst>
+    <dgm:linClrLst meth="repeat">
+      <a:schemeClr val="accent1"/>
+    </dgm:linClrLst>
+    <dgm:effectClrLst/>
+    <dgm:txLinClrLst/>
+    <dgm:txFillClrLst/>
+    <dgm:txEffectClrLst/>
+  </dgm:styleLbl>
+  <dgm:styleLbl name="node1">
+    <dgm:fillClrLst meth="repeat">
+      <a:schemeClr val="accent1"/>
+    </dgm:fillClrLst>
+    <dgm:linClrLst meth="repeat">
+      <a:schemeClr val="lt1"/>
+    </dgm:linClrLst>
+    <dgm:effectClrLst/>
+    <dgm:txLinClrLst/>
+    <dgm:txFillClrLst/>
+    <dgm:txEffectClrLst/>
+  </dgm:styleLbl>
+  <dgm:styleLbl name="lnNode1">
+    <dgm:fillClrLst meth="repeat">
+      <a:schemeClr val="accent1"/>
+    </dgm:fillClrLst>
+    <dgm:linClrLst meth="repeat">
+      <a:schemeClr val="lt1"/>
+    </dgm:linClrLst>
+    <dgm:effectClrLst/>
+    <dgm:txLinClrLst/>
+    <dgm:txFillClrLst/>
+    <dgm:txEffectClrLst/>
+  </dgm:styleLbl>
+  <dgm:styleLbl name="vennNode1">
+    <dgm:fillClrLst meth="repeat">
+      <a:schemeClr val="accent1">
+        <a:alpha val="50000"/>
+      </a:schemeClr>
+    </dgm:fillClrLst>
+    <dgm:linClrLst meth="repeat">
+      <a:schemeClr val="lt1"/>
+    </dgm:linClrLst>
+    <dgm:effectClrLst/>
+    <dgm:txLinClrLst/>
+    <dgm:txFillClrLst/>
+    <dgm:txEffectClrLst/>
+  </dgm:styleLbl>
+  <dgm:styleLbl name="node2">
+    <dgm:fillClrLst meth="repeat">
+      <a:schemeClr val="accent1"/>
+    </dgm:fillClrLst>
+    <dgm:linClrLst meth="repeat">
+      <a:schemeClr val="lt1"/>
+    </dgm:linClrLst>
+    <dgm:effectClrLst/>
+    <dgm:txLinClrLst/>
+    <dgm:txFillClrLst/>
+    <dgm:txEffectClrLst/>
+  </dgm:styleLbl>
+  <dgm:styleLbl name="node3">
+    <dgm:fillClrLst meth="repeat">
+      <a:schemeClr val="accent1"/>
+    </dgm:fillClrLst>
+    <dgm:linClrLst meth="repeat">
+      <a:schemeClr val="lt1"/>
+    </dgm:linClrLst>
+    <dgm:effectClrLst/>
+    <dgm:txLinClrLst/>
+    <dgm:txFillClrLst/>
+    <dgm:txEffectClrLst/>
+  </dgm:styleLbl>
+  <dgm:styleLbl name="node4">
+    <dgm:fillClrLst meth="repeat">
+      <a:schemeClr val="accent1"/>
+    </dgm:fillClrLst>
+    <dgm:linClrLst meth="repeat">
+      <a:schemeClr val="lt1"/>
+    </dgm:linClrLst>
+    <dgm:effectClrLst/>
+    <dgm:txLinClrLst/>
+    <dgm:txFillClrLst/>
+    <dgm:txEffectClrLst/>
+  </dgm:styleLbl>
+  <dgm:styleLbl name="fgImgPlace1">
+    <dgm:fillClrLst meth="repeat">
+      <a:schemeClr val="accent1">
+        <a:tint val="50000"/>
+      </a:schemeClr>
+    </dgm:fillClrLst>
+    <dgm:linClrLst meth="repeat">
+      <a:schemeClr val="lt1"/>
+    </dgm:linClrLst>
+    <dgm:effectClrLst/>
+    <dgm:txLinClrLst/>
+    <dgm:txFillClrLst meth="repeat">
+      <a:schemeClr val="lt1"/>
+    </dgm:txFillClrLst>
+    <dgm:txEffectClrLst/>
+  </dgm:styleLbl>
+  <dgm:styleLbl name="alignImgPlace1">
+    <dgm:fillClrLst meth="repeat">
+      <a:schemeClr val="accent1">
+        <a:tint val="50000"/>
+      </a:schemeClr>
+    </dgm:fillClrLst>
+    <dgm:linClrLst meth="repeat">
+      <a:schemeClr val="lt1"/>
+    </dgm:linClrLst>
+    <dgm:effectClrLst/>
+    <dgm:txLinClrLst/>
+    <dgm:txFillClrLst meth="repeat">
+      <a:schemeClr val="lt1"/>
+    </dgm:txFillClrLst>
+    <dgm:txEffectClrLst/>
+  </dgm:styleLbl>
+  <dgm:styleLbl name="bgImgPlace1">
+    <dgm:fillClrLst meth="repeat">
+      <a:schemeClr val="accent1">
+        <a:tint val="50000"/>
+      </a:schemeClr>
+    </dgm:fillClrLst>
+    <dgm:linClrLst meth="repeat">
+      <a:schemeClr val="lt1"/>
+    </dgm:linClrLst>
+    <dgm:effectClrLst/>
+    <dgm:txLinClrLst/>
+    <dgm:txFillClrLst meth="repeat">
+      <a:schemeClr val="lt1"/>
+    </dgm:txFillClrLst>
+    <dgm:txEffectClrLst/>
+  </dgm:styleLbl>
+  <dgm:styleLbl name="sibTrans2D1">
+    <dgm:fillClrLst meth="repeat">
+      <a:schemeClr val="accent1">
+        <a:tint val="60000"/>
+      </a:schemeClr>
+    </dgm:fillClrLst>
+    <dgm:linClrLst meth="repeat">
+      <a:schemeClr val="accent1">
+        <a:tint val="60000"/>
+      </a:schemeClr>
+    </dgm:linClrLst>
+    <dgm:effectClrLst/>
+    <dgm:txLinClrLst/>
+    <dgm:txFillClrLst/>
+    <dgm:txEffectClrLst/>
+  </dgm:styleLbl>
+  <dgm:styleLbl name="fgSibTrans2D1">
+    <dgm:fillClrLst meth="repeat">
+      <a:schemeClr val="accent1">
+        <a:tint val="60000"/>
+      </a:schemeClr>
+    </dgm:fillClrLst>
+    <dgm:linClrLst meth="repeat">
+      <a:schemeClr val="accent1">
+        <a:tint val="60000"/>
+      </a:schemeClr>
+    </dgm:linClrLst>
+    <dgm:effectClrLst/>
+    <dgm:txLinClrLst/>
+    <dgm:txFillClrLst/>
+    <dgm:txEffectClrLst/>
+  </dgm:styleLbl>
+  <dgm:styleLbl name="bgSibTrans2D1">
+    <dgm:fillClrLst meth="repeat">
+      <a:schemeClr val="accent1">
+        <a:tint val="60000"/>
+      </a:schemeClr>
+    </dgm:fillClrLst>
+    <dgm:linClrLst meth="repeat">
+      <a:schemeClr val="accent1">
+        <a:tint val="60000"/>
+      </a:schemeClr>
+    </dgm:linClrLst>
+    <dgm:effectClrLst/>
+    <dgm:txLinClrLst/>
+    <dgm:txFillClrLst/>
+    <dgm:txEffectClrLst/>
+  </dgm:styleLbl>
+  <dgm:styleLbl name="sibTrans1D1">
+    <dgm:fillClrLst meth="repeat">
+      <a:schemeClr val="accent1"/>
+    </dgm:fillClrLst>
+    <dgm:linClrLst meth="repeat">
+      <a:schemeClr val="accent1"/>
+    </dgm:linClrLst>
+    <dgm:effectClrLst/>
+    <dgm:txLinClrLst/>
+    <dgm:txFillClrLst meth="repeat">
+      <a:schemeClr val="tx1"/>
+    </dgm:txFillClrLst>
+    <dgm:txEffectClrLst/>
+  </dgm:styleLbl>
+  <dgm:styleLbl name="callout">
+    <dgm:fillClrLst meth="repeat">
+      <a:schemeClr val="accent1"/>
+    </dgm:fillClrLst>
+    <dgm:linClrLst meth="repeat">
+      <a:schemeClr val="accent1">
+        <a:tint val="50000"/>
+      </a:schemeClr>
+    </dgm:linClrLst>
+    <dgm:effectClrLst/>
+    <dgm:txLinClrLst/>
+    <dgm:txFillClrLst meth="repeat">
+      <a:schemeClr val="tx1"/>
+    </dgm:txFillClrLst>
+    <dgm:txEffectClrLst/>
+  </dgm:styleLbl>
+  <dgm:styleLbl name="asst0">
+    <dgm:fillClrLst meth="repeat">
+      <a:schemeClr val="accent1"/>
+    </dgm:fillClrLst>
+    <dgm:linClrLst meth="repeat">
+      <a:schemeClr val="lt1"/>
+    </dgm:linClrLst>
+    <dgm:effectClrLst/>
+    <dgm:txLinClrLst/>
+    <dgm:txFillClrLst/>
+    <dgm:txEffectClrLst/>
+  </dgm:styleLbl>
+  <dgm:styleLbl name="asst1">
+    <dgm:fillClrLst meth="repeat">
+      <a:schemeClr val="accent1"/>
+    </dgm:fillClrLst>
+    <dgm:linClrLst meth="repeat">
+      <a:schemeClr val="lt1"/>
+    </dgm:linClrLst>
+    <dgm:effectClrLst/>
+    <dgm:txLinClrLst/>
+    <dgm:txFillClrLst/>
+    <dgm:txEffectClrLst/>
+  </dgm:styleLbl>
+  <dgm:styleLbl name="asst2">
+    <dgm:fillClrLst meth="repeat">
+      <a:schemeClr val="accent1"/>
+    </dgm:fillClrLst>
+    <dgm:linClrLst meth="repeat">
+      <a:schemeClr val="lt1"/>
+    </dgm:linClrLst>
+    <dgm:effectClrLst/>
+    <dgm:txLinClrLst/>
+    <dgm:txFillClrLst/>
+    <dgm:txEffectClrLst/>
+  </dgm:styleLbl>
+  <dgm:styleLbl name="asst3">
+    <dgm:fillClrLst meth="repeat">
+      <a:schemeClr val="accent1"/>
+    </dgm:fillClrLst>
+    <dgm:linClrLst meth="repeat">
+      <a:schemeClr val="lt1"/>
+    </dgm:linClrLst>
+    <dgm:effectClrLst/>
+    <dgm:txLinClrLst/>
+    <dgm:txFillClrLst/>
+    <dgm:txEffectClrLst/>
+  </dgm:styleLbl>
+  <dgm:styleLbl name="asst4">
+    <dgm:fillClrLst meth="repeat">
+      <a:schemeClr val="accent1"/>
+    </dgm:fillClrLst>
+    <dgm:linClrLst meth="repeat">
+      <a:schemeClr val="lt1"/>
+    </dgm:linClrLst>
+    <dgm:effectClrLst/>
+    <dgm:txLinClrLst/>
+    <dgm:txFillClrLst/>
+    <dgm:txEffectClrLst/>
+  </dgm:styleLbl>
+  <dgm:styleLbl name="parChTrans2D1">
+    <dgm:fillClrLst meth="repeat">
+      <a:schemeClr val="accent1">
+        <a:tint val="60000"/>
+      </a:schemeClr>
+    </dgm:fillClrLst>
+    <dgm:linClrLst meth="repeat">
+      <a:schemeClr val="accent1">
+        <a:tint val="60000"/>
+      </a:schemeClr>
+    </dgm:linClrLst>
+    <dgm:effectClrLst/>
+    <dgm:txLinClrLst/>
+    <dgm:txFillClrLst meth="repeat">
+      <a:schemeClr val="lt1"/>
+    </dgm:txFillClrLst>
+    <dgm:txEffectClrLst/>
+  </dgm:styleLbl>
+  <dgm:styleLbl name="parChTrans2D2">
+    <dgm:fillClrLst meth="repeat">
+      <a:schemeClr val="accent1"/>
+    </dgm:fillClrLst>
+    <dgm:linClrLst meth="repeat">
+      <a:schemeClr val="accent1"/>
+    </dgm:linClrLst>
+    <dgm:effectClrLst/>
+    <dgm:txLinClrLst/>
+    <dgm:txFillClrLst meth="repeat">
+      <a:schemeClr val="lt1"/>
+    </dgm:txFillClrLst>
+    <dgm:txEffectClrLst/>
+  </dgm:styleLbl>
+  <dgm:styleLbl name="parChTrans2D3">
+    <dgm:fillClrLst meth="repeat">
+      <a:schemeClr val="accent1"/>
+    </dgm:fillClrLst>
+    <dgm:linClrLst meth="repeat">
+      <a:schemeClr val="accent1"/>
+    </dgm:linClrLst>
+    <dgm:effectClrLst/>
+    <dgm:txLinClrLst/>
+    <dgm:txFillClrLst meth="repeat">
+      <a:schemeClr val="lt1"/>
+    </dgm:txFillClrLst>
+    <dgm:txEffectClrLst/>
+  </dgm:styleLbl>
+  <dgm:styleLbl name="parChTrans2D4">
+    <dgm:fillClrLst meth="repeat">
+      <a:schemeClr val="accent1"/>
+    </dgm:fillClrLst>
+    <dgm:linClrLst meth="repeat">
+      <a:schemeClr val="accent1"/>
+    </dgm:linClrLst>
+    <dgm:effectClrLst/>
+    <dgm:txLinClrLst/>
+    <dgm:txFillClrLst meth="repeat">
+      <a:schemeClr val="lt1"/>
+    </dgm:txFillClrLst>
+    <dgm:txEffectClrLst/>
+  </dgm:styleLbl>
+  <dgm:styleLbl name="parChTrans1D1">
+    <dgm:fillClrLst meth="repeat">
+      <a:schemeClr val="accent1"/>
+    </dgm:fillClrLst>
+    <dgm:linClrLst meth="repeat">
+      <a:schemeClr val="accent1">
+        <a:shade val="60000"/>
+      </a:schemeClr>
+    </dgm:linClrLst>
+    <dgm:effectClrLst/>
+    <dgm:txLinClrLst/>
+    <dgm:txFillClrLst meth="repeat">
+      <a:schemeClr val="tx1"/>
+    </dgm:txFillClrLst>
+    <dgm:txEffectClrLst/>
+  </dgm:styleLbl>
+  <dgm:styleLbl name="parChTrans1D2">
+    <dgm:fillClrLst meth="repeat">
+      <a:schemeClr val="accent1"/>
+    </dgm:fillClrLst>
+    <dgm:linClrLst meth="repeat">
+      <a:schemeClr val="accent1">
+        <a:shade val="60000"/>
+      </a:schemeClr>
+    </dgm:linClrLst>
+    <dgm:effectClrLst/>
+    <dgm:txLinClrLst/>
+    <dgm:txFillClrLst meth="repeat">
+      <a:schemeClr val="tx1"/>
+    </dgm:txFillClrLst>
+    <dgm:txEffectClrLst/>
+  </dgm:styleLbl>
+  <dgm:styleLbl name="parChTrans1D3">
+    <dgm:fillClrLst meth="repeat">
+      <a:schemeClr val="accent1"/>
+    </dgm:fillClrLst>
+    <dgm:linClrLst meth="repeat">
+      <a:schemeClr val="accent1">
+        <a:shade val="80000"/>
+      </a:schemeClr>
+    </dgm:linClrLst>
+    <dgm:effectClrLst/>
+    <dgm:txLinClrLst/>
+    <dgm:txFillClrLst meth="repeat">
+      <a:schemeClr val="tx1"/>
+    </dgm:txFillClrLst>
+    <dgm:txEffectClrLst/>
+  </dgm:styleLbl>
+  <dgm:styleLbl name="parChTrans1D4">
+    <dgm:fillClrLst meth="repeat">
+      <a:schemeClr val="accent1"/>
+    </dgm:fillClrLst>
+    <dgm:linClrLst meth="repeat">
+      <a:schemeClr val="accent1">
+        <a:shade val="80000"/>
+      </a:schemeClr>
+    </dgm:linClrLst>
+    <dgm:effectClrLst/>
+    <dgm:txLinClrLst/>
+    <dgm:txFillClrLst meth="repeat">
+      <a:schemeClr val="tx1"/>
+    </dgm:txFillClrLst>
+    <dgm:txEffectClrLst/>
+  </dgm:styleLbl>
+  <dgm:styleLbl name="fgAcc1">
+    <dgm:fillClrLst meth="repeat">
+      <a:schemeClr val="lt1">
+        <a:alpha val="90000"/>
+      </a:schemeClr>
+    </dgm:fillClrLst>
+    <dgm:linClrLst meth="repeat">
+      <a:schemeClr val="accent1"/>
+    </dgm:linClrLst>
+    <dgm:effectClrLst/>
+    <dgm:txLinClrLst/>
+    <dgm:txFillClrLst meth="repeat">
+      <a:schemeClr val="dk1"/>
+    </dgm:txFillClrLst>
+    <dgm:txEffectClrLst/>
+  </dgm:styleLbl>
+  <dgm:styleLbl name="conFgAcc1">
+    <dgm:fillClrLst meth="repeat">
+      <a:schemeClr val="lt1">
+        <a:alpha val="90000"/>
+      </a:schemeClr>
+    </dgm:fillClrLst>
+    <dgm:linClrLst meth="repeat">
+      <a:schemeClr val="accent1"/>
+    </dgm:linClrLst>
+    <dgm:effectClrLst/>
+    <dgm:txLinClrLst/>
+    <dgm:txFillClrLst meth="repeat">
+      <a:schemeClr val="dk1"/>
+    </dgm:txFillClrLst>
+    <dgm:txEffectClrLst/>
+  </dgm:styleLbl>
+  <dgm:styleLbl name="alignAcc1">
+    <dgm:fillClrLst meth="repeat">
+      <a:schemeClr val="lt1">
+        <a:alpha val="90000"/>
+      </a:schemeClr>
+    </dgm:fillClrLst>
+    <dgm:linClrLst meth="repeat">
+      <a:schemeClr val="accent1"/>
+    </dgm:linClrLst>
+    <dgm:effectClrLst/>
+    <dgm:txLinClrLst/>
+    <dgm:txFillClrLst meth="repeat">
+      <a:schemeClr val="dk1"/>
+    </dgm:txFillClrLst>
+    <dgm:txEffectClrLst/>
+  </dgm:styleLbl>
+  <dgm:styleLbl name="trAlignAcc1">
+    <dgm:fillClrLst meth="repeat">
+      <a:schemeClr val="lt1">
+        <a:alpha val="40000"/>
+      </a:schemeClr>
+    </dgm:fillClrLst>
+    <dgm:linClrLst meth="repeat">
+      <a:schemeClr val="accent1"/>
+    </dgm:linClrLst>
+    <dgm:effectClrLst/>
+    <dgm:txLinClrLst/>
+    <dgm:txFillClrLst meth="repeat">
+      <a:schemeClr val="dk1"/>
+    </dgm:txFillClrLst>
+    <dgm:txEffectClrLst/>
+  </dgm:styleLbl>
+  <dgm:styleLbl name="bgAcc1">
+    <dgm:fillClrLst meth="repeat">
+      <a:schemeClr val="lt1">
+        <a:alpha val="90000"/>
+      </a:schemeClr>
+    </dgm:fillClrLst>
+    <dgm:linClrLst meth="repeat">
+      <a:schemeClr val="accent1"/>
+    </dgm:linClrLst>
+    <dgm:effectClrLst/>
+    <dgm:txLinClrLst/>
+    <dgm:txFillClrLst meth="repeat">
+      <a:schemeClr val="dk1"/>
+    </dgm:txFillClrLst>
+    <dgm:txEffectClrLst/>
+  </dgm:styleLbl>
+  <dgm:styleLbl name="solidFgAcc1">
+    <dgm:fillClrLst meth="repeat">
+      <a:schemeClr val="lt1"/>
+    </dgm:fillClrLst>
+    <dgm:linClrLst meth="repeat">
+      <a:schemeClr val="accent1"/>
+    </dgm:linClrLst>
+    <dgm:effectClrLst/>
+    <dgm:txLinClrLst/>
+    <dgm:txFillClrLst meth="repeat">
+      <a:schemeClr val="dk1"/>
+    </dgm:txFillClrLst>
+    <dgm:txEffectClrLst/>
+  </dgm:styleLbl>
+  <dgm:styleLbl name="solidAlignAcc1">
+    <dgm:fillClrLst meth="repeat">
+      <a:schemeClr val="lt1"/>
+    </dgm:fillClrLst>
+    <dgm:linClrLst meth="repeat">
+      <a:schemeClr val="accent1"/>
+    </dgm:linClrLst>
+    <dgm:effectClrLst/>
+    <dgm:txLinClrLst/>
+    <dgm:txFillClrLst meth="repeat">
+      <a:schemeClr val="dk1"/>
+    </dgm:txFillClrLst>
+    <dgm:txEffectClrLst/>
+  </dgm:styleLbl>
+  <dgm:styleLbl name="solidBgAcc1">
+    <dgm:fillClrLst meth="repeat">
+      <a:schemeClr val="lt1"/>
+    </dgm:fillClrLst>
+    <dgm:linClrLst meth="repeat">
+      <a:schemeClr val="accent1"/>
+    </dgm:linClrLst>
+    <dgm:effectClrLst/>
+    <dgm:txLinClrLst/>
+    <dgm:txFillClrLst meth="repeat">
+      <a:schemeClr val="dk1"/>
+    </dgm:txFillClrLst>
+    <dgm:txEffectClrLst/>
+  </dgm:styleLbl>
+  <dgm:styleLbl name="fgAccFollowNode1">
+    <dgm:fillClrLst meth="repeat">
+      <a:schemeClr val="accent1">
+        <a:alpha val="90000"/>
+        <a:tint val="40000"/>
+      </a:schemeClr>
+    </dgm:fillClrLst>
+    <dgm:linClrLst meth="repeat">
+      <a:schemeClr val="accent1">
+        <a:alpha val="90000"/>
+        <a:tint val="40000"/>
+      </a:schemeClr>
+    </dgm:linClrLst>
+    <dgm:effectClrLst/>
+    <dgm:txLinClrLst/>
+    <dgm:txFillClrLst meth="repeat">
+      <a:schemeClr val="dk1"/>
+    </dgm:txFillClrLst>
+    <dgm:txEffectClrLst/>
+  </dgm:styleLbl>
+  <dgm:styleLbl name="alignAccFollowNode1">
+    <dgm:fillClrLst meth="repeat">
+      <a:schemeClr val="accent1">
+        <a:alpha val="90000"/>
+        <a:tint val="40000"/>
+      </a:schemeClr>
+    </dgm:fillClrLst>
+    <dgm:linClrLst meth="repeat">
+      <a:schemeClr val="accent1">
+        <a:alpha val="90000"/>
+        <a:tint val="40000"/>
+      </a:schemeClr>
+    </dgm:linClrLst>
+    <dgm:effectClrLst/>
+    <dgm:txLinClrLst/>
+    <dgm:txFillClrLst meth="repeat">
+      <a:schemeClr val="dk1"/>
+    </dgm:txFillClrLst>
+    <dgm:txEffectClrLst/>
+  </dgm:styleLbl>
+  <dgm:styleLbl name="bgAccFollowNode1">
+    <dgm:fillClrLst meth="repeat">
+      <a:schemeClr val="accent1">
+        <a:alpha val="90000"/>
+        <a:tint val="40000"/>
+      </a:schemeClr>
+    </dgm:fillClrLst>
+    <dgm:linClrLst meth="repeat">
+      <a:schemeClr val="accent1">
+        <a:alpha val="90000"/>
+        <a:tint val="40000"/>
+      </a:schemeClr>
+    </dgm:linClrLst>
+    <dgm:effectClrLst/>
+    <dgm:txLinClrLst/>
+    <dgm:txFillClrLst meth="repeat">
+      <a:schemeClr val="dk1"/>
+    </dgm:txFillClrLst>
+    <dgm:txEffectClrLst/>
+  </dgm:styleLbl>
+  <dgm:styleLbl name="fgAcc0">
+    <dgm:fillClrLst meth="repeat">
+      <a:schemeClr val="lt1">
+        <a:alpha val="90000"/>
+      </a:schemeClr>
+    </dgm:fillClrLst>
+    <dgm:linClrLst meth="repeat">
+      <a:schemeClr val="accent1"/>
+    </dgm:linClrLst>
+    <dgm:effectClrLst/>
+    <dgm:txLinClrLst/>
+    <dgm:txFillClrLst meth="repeat">
+      <a:schemeClr val="dk1"/>
+    </dgm:txFillClrLst>
+    <dgm:txEffectClrLst/>
+  </dgm:styleLbl>
+  <dgm:styleLbl name="fgAcc2">
+    <dgm:fillClrLst meth="repeat">
+      <a:schemeClr val="lt1">
+        <a:alpha val="90000"/>
+      </a:schemeClr>
+    </dgm:fillClrLst>
+    <dgm:linClrLst meth="repeat">
+      <a:schemeClr val="accent1"/>
+    </dgm:linClrLst>
+    <dgm:effectClrLst/>
+    <dgm:txLinClrLst/>
+    <dgm:txFillClrLst meth="repeat">
+      <a:schemeClr val="dk1"/>
+    </dgm:txFillClrLst>
+    <dgm:txEffectClrLst/>
+  </dgm:styleLbl>
+  <dgm:styleLbl name="fgAcc3">
+    <dgm:fillClrLst meth="repeat">
+      <a:schemeClr val="lt1">
+        <a:alpha val="90000"/>
+      </a:schemeClr>
+    </dgm:fillClrLst>
+    <dgm:linClrLst meth="repeat">
+      <a:schemeClr val="accent1"/>
+    </dgm:linClrLst>
+    <dgm:effectClrLst/>
+    <dgm:txLinClrLst/>
+    <dgm:txFillClrLst meth="repeat">
+      <a:schemeClr val="dk1"/>
+    </dgm:txFillClrLst>
+    <dgm:txEffectClrLst/>
+  </dgm:styleLbl>
+  <dgm:styleLbl name="fgAcc4">
+    <dgm:fillClrLst meth="repeat">
+      <a:schemeClr val="lt1">
+        <a:alpha val="90000"/>
+      </a:schemeClr>
+    </dgm:fillClrLst>
+    <dgm:linClrLst meth="repeat">
+      <a:schemeClr val="accent1"/>
+    </dgm:linClrLst>
+    <dgm:effectClrLst/>
+    <dgm:txLinClrLst/>
+    <dgm:txFillClrLst meth="repeat">
+      <a:schemeClr val="dk1"/>
+    </dgm:txFillClrLst>
+    <dgm:txEffectClrLst/>
+  </dgm:styleLbl>
+  <dgm:styleLbl name="bgShp">
+    <dgm:fillClrLst meth="repeat">
+      <a:schemeClr val="accent1">
+        <a:tint val="40000"/>
+      </a:schemeClr>
+    </dgm:fillClrLst>
+    <dgm:linClrLst meth="repeat">
+      <a:schemeClr val="accent1"/>
+    </dgm:linClrLst>
+    <dgm:effectClrLst/>
+    <dgm:txLinClrLst/>
+    <dgm:txFillClrLst meth="repeat">
+      <a:schemeClr val="dk1"/>
+    </dgm:txFillClrLst>
+    <dgm:txEffectClrLst/>
+  </dgm:styleLbl>
+  <dgm:styleLbl name="dkBgShp">
+    <dgm:fillClrLst meth="repeat">
+      <a:schemeClr val="accent1">
+        <a:shade val="80000"/>
+      </a:schemeClr>
+    </dgm:fillClrLst>
+    <dgm:linClrLst meth="repeat">
+      <a:schemeClr val="accent1"/>
+    </dgm:linClrLst>
+    <dgm:effectClrLst/>
+    <dgm:txLinClrLst/>
+    <dgm:txFillClrLst meth="repeat">
+      <a:schemeClr val="lt1"/>
+    </dgm:txFillClrLst>
+    <dgm:txEffectClrLst/>
+  </dgm:styleLbl>
+  <dgm:styleLbl name="trBgShp">
+    <dgm:fillClrLst meth="repeat">
+      <a:schemeClr val="accent1">
+        <a:tint val="50000"/>
+        <a:alpha val="40000"/>
+      </a:schemeClr>
+    </dgm:fillClrLst>
+    <dgm:linClrLst meth="repeat">
+      <a:schemeClr val="accent1"/>
+    </dgm:linClrLst>
+    <dgm:effectClrLst/>
+    <dgm:txLinClrLst/>
+    <dgm:txFillClrLst meth="repeat">
+      <a:schemeClr val="lt1"/>
+    </dgm:txFillClrLst>
+    <dgm:txEffectClrLst/>
+  </dgm:styleLbl>
+  <dgm:styleLbl name="fgShp">
+    <dgm:fillClrLst meth="repeat">
+      <a:schemeClr val="accent1">
+        <a:tint val="60000"/>
+      </a:schemeClr>
+    </dgm:fillClrLst>
+    <dgm:linClrLst meth="repeat">
+      <a:schemeClr val="lt1"/>
+    </dgm:linClrLst>
+    <dgm:effectClrLst/>
+    <dgm:txLinClrLst/>
+    <dgm:txFillClrLst meth="repeat">
+      <a:schemeClr val="dk1"/>
+    </dgm:txFillClrLst>
+    <dgm:txEffectClrLst/>
+  </dgm:styleLbl>
+  <dgm:styleLbl name="revTx">
+    <dgm:fillClrLst meth="repeat">
+      <a:schemeClr val="lt1">
+        <a:alpha val="0"/>
+      </a:schemeClr>
+    </dgm:fillClrLst>
+    <dgm:linClrLst meth="repeat">
+      <a:schemeClr val="dk1">
+        <a:alpha val="0"/>
+      </a:schemeClr>
+    </dgm:linClrLst>
+    <dgm:effectClrLst/>
+    <dgm:txLinClrLst/>
+    <dgm:txFillClrLst meth="repeat">
+      <a:schemeClr val="tx1"/>
+    </dgm:txFillClrLst>
+    <dgm:txEffectClrLst/>
+  </dgm:styleLbl>
+</dgm:colorsDef>
+</file>
+
+<file path=ppt/diagrams/colors2.xml><?xml version="1.0" encoding="utf-8"?>
+<dgm:colorsDef xmlns:dgm="http://schemas.openxmlformats.org/drawingml/2006/diagram" xmlns:a="http://schemas.openxmlformats.org/drawingml/2006/main" uniqueId="urn:microsoft.com/office/officeart/2005/8/colors/accent1_2">
+  <dgm:title val=""/>
+  <dgm:desc val=""/>
+  <dgm:catLst>
+    <dgm:cat type="accent1" pri="11200"/>
+  </dgm:catLst>
+  <dgm:styleLbl name="node0">
+    <dgm:fillClrLst meth="repeat">
+      <a:schemeClr val="accent1"/>
+    </dgm:fillClrLst>
+    <dgm:linClrLst meth="repeat">
+      <a:schemeClr val="lt1"/>
+    </dgm:linClrLst>
+    <dgm:effectClrLst/>
+    <dgm:txLinClrLst/>
+    <dgm:txFillClrLst/>
+    <dgm:txEffectClrLst/>
+  </dgm:styleLbl>
+  <dgm:styleLbl name="alignNode1">
+    <dgm:fillClrLst meth="repeat">
+      <a:schemeClr val="accent1"/>
+    </dgm:fillClrLst>
+    <dgm:linClrLst meth="repeat">
+      <a:schemeClr val="accent1"/>
+    </dgm:linClrLst>
+    <dgm:effectClrLst/>
+    <dgm:txLinClrLst/>
+    <dgm:txFillClrLst/>
+    <dgm:txEffectClrLst/>
+  </dgm:styleLbl>
+  <dgm:styleLbl name="node1">
+    <dgm:fillClrLst meth="repeat">
+      <a:schemeClr val="accent1"/>
+    </dgm:fillClrLst>
+    <dgm:linClrLst meth="repeat">
+      <a:schemeClr val="lt1"/>
+    </dgm:linClrLst>
+    <dgm:effectClrLst/>
+    <dgm:txLinClrLst/>
+    <dgm:txFillClrLst/>
+    <dgm:txEffectClrLst/>
+  </dgm:styleLbl>
+  <dgm:styleLbl name="lnNode1">
+    <dgm:fillClrLst meth="repeat">
+      <a:schemeClr val="accent1"/>
+    </dgm:fillClrLst>
+    <dgm:linClrLst meth="repeat">
+      <a:schemeClr val="lt1"/>
+    </dgm:linClrLst>
+    <dgm:effectClrLst/>
+    <dgm:txLinClrLst/>
+    <dgm:txFillClrLst/>
+    <dgm:txEffectClrLst/>
+  </dgm:styleLbl>
+  <dgm:styleLbl name="vennNode1">
+    <dgm:fillClrLst meth="repeat">
+      <a:schemeClr val="accent1">
+        <a:alpha val="50000"/>
+      </a:schemeClr>
+    </dgm:fillClrLst>
+    <dgm:linClrLst meth="repeat">
+      <a:schemeClr val="lt1"/>
+    </dgm:linClrLst>
+    <dgm:effectClrLst/>
+    <dgm:txLinClrLst/>
+    <dgm:txFillClrLst/>
+    <dgm:txEffectClrLst/>
+  </dgm:styleLbl>
+  <dgm:styleLbl name="node2">
+    <dgm:fillClrLst meth="repeat">
+      <a:schemeClr val="accent1"/>
+    </dgm:fillClrLst>
+    <dgm:linClrLst meth="repeat">
+      <a:schemeClr val="lt1"/>
+    </dgm:linClrLst>
+    <dgm:effectClrLst/>
+    <dgm:txLinClrLst/>
+    <dgm:txFillClrLst/>
+    <dgm:txEffectClrLst/>
+  </dgm:styleLbl>
+  <dgm:styleLbl name="node3">
+    <dgm:fillClrLst meth="repeat">
+      <a:schemeClr val="accent1"/>
+    </dgm:fillClrLst>
+    <dgm:linClrLst meth="repeat">
+      <a:schemeClr val="lt1"/>
+    </dgm:linClrLst>
+    <dgm:effectClrLst/>
+    <dgm:txLinClrLst/>
+    <dgm:txFillClrLst/>
+    <dgm:txEffectClrLst/>
+  </dgm:styleLbl>
+  <dgm:styleLbl name="node4">
+    <dgm:fillClrLst meth="repeat">
+      <a:schemeClr val="accent1"/>
+    </dgm:fillClrLst>
+    <dgm:linClrLst meth="repeat">
+      <a:schemeClr val="lt1"/>
+    </dgm:linClrLst>
+    <dgm:effectClrLst/>
+    <dgm:txLinClrLst/>
+    <dgm:txFillClrLst/>
+    <dgm:txEffectClrLst/>
+  </dgm:styleLbl>
+  <dgm:styleLbl name="fgImgPlace1">
+    <dgm:fillClrLst meth="repeat">
+      <a:schemeClr val="accent1">
+        <a:tint val="50000"/>
+      </a:schemeClr>
+    </dgm:fillClrLst>
+    <dgm:linClrLst meth="repeat">
+      <a:schemeClr val="lt1"/>
+    </dgm:linClrLst>
+    <dgm:effectClrLst/>
+    <dgm:txLinClrLst/>
+    <dgm:txFillClrLst meth="repeat">
+      <a:schemeClr val="lt1"/>
+    </dgm:txFillClrLst>
+    <dgm:txEffectClrLst/>
+  </dgm:styleLbl>
+  <dgm:styleLbl name="alignImgPlace1">
+    <dgm:fillClrLst meth="repeat">
+      <a:schemeClr val="accent1">
+        <a:tint val="50000"/>
+      </a:schemeClr>
+    </dgm:fillClrLst>
+    <dgm:linClrLst meth="repeat">
+      <a:schemeClr val="lt1"/>
+    </dgm:linClrLst>
+    <dgm:effectClrLst/>
+    <dgm:txLinClrLst/>
+    <dgm:txFillClrLst meth="repeat">
+      <a:schemeClr val="lt1"/>
+    </dgm:txFillClrLst>
+    <dgm:txEffectClrLst/>
+  </dgm:styleLbl>
+  <dgm:styleLbl name="bgImgPlace1">
+    <dgm:fillClrLst meth="repeat">
+      <a:schemeClr val="accent1">
+        <a:tint val="50000"/>
+      </a:schemeClr>
+    </dgm:fillClrLst>
+    <dgm:linClrLst meth="repeat">
+      <a:schemeClr val="lt1"/>
+    </dgm:linClrLst>
+    <dgm:effectClrLst/>
+    <dgm:txLinClrLst/>
+    <dgm:txFillClrLst meth="repeat">
+      <a:schemeClr val="lt1"/>
+    </dgm:txFillClrLst>
+    <dgm:txEffectClrLst/>
+  </dgm:styleLbl>
+  <dgm:styleLbl name="sibTrans2D1">
+    <dgm:fillClrLst meth="repeat">
+      <a:schemeClr val="accent1">
+        <a:tint val="60000"/>
+      </a:schemeClr>
+    </dgm:fillClrLst>
+    <dgm:linClrLst meth="repeat">
+      <a:schemeClr val="accent1">
+        <a:tint val="60000"/>
+      </a:schemeClr>
+    </dgm:linClrLst>
+    <dgm:effectClrLst/>
+    <dgm:txLinClrLst/>
+    <dgm:txFillClrLst/>
+    <dgm:txEffectClrLst/>
+  </dgm:styleLbl>
+  <dgm:styleLbl name="fgSibTrans2D1">
+    <dgm:fillClrLst meth="repeat">
+      <a:schemeClr val="accent1">
+        <a:tint val="60000"/>
+      </a:schemeClr>
+    </dgm:fillClrLst>
+    <dgm:linClrLst meth="repeat">
+      <a:schemeClr val="accent1">
+        <a:tint val="60000"/>
+      </a:schemeClr>
+    </dgm:linClrLst>
+    <dgm:effectClrLst/>
+    <dgm:txLinClrLst/>
+    <dgm:txFillClrLst/>
+    <dgm:txEffectClrLst/>
+  </dgm:styleLbl>
+  <dgm:styleLbl name="bgSibTrans2D1">
+    <dgm:fillClrLst meth="repeat">
+      <a:schemeClr val="accent1">
+        <a:tint val="60000"/>
+      </a:schemeClr>
+    </dgm:fillClrLst>
+    <dgm:linClrLst meth="repeat">
+      <a:schemeClr val="accent1">
+        <a:tint val="60000"/>
+      </a:schemeClr>
+    </dgm:linClrLst>
+    <dgm:effectClrLst/>
+    <dgm:txLinClrLst/>
+    <dgm:txFillClrLst/>
+    <dgm:txEffectClrLst/>
+  </dgm:styleLbl>
+  <dgm:styleLbl name="sibTrans1D1">
+    <dgm:fillClrLst meth="repeat">
+      <a:schemeClr val="accent1"/>
+    </dgm:fillClrLst>
+    <dgm:linClrLst meth="repeat">
+      <a:schemeClr val="accent1"/>
+    </dgm:linClrLst>
+    <dgm:effectClrLst/>
+    <dgm:txLinClrLst/>
+    <dgm:txFillClrLst meth="repeat">
+      <a:schemeClr val="tx1"/>
+    </dgm:txFillClrLst>
+    <dgm:txEffectClrLst/>
+  </dgm:styleLbl>
+  <dgm:styleLbl name="callout">
+    <dgm:fillClrLst meth="repeat">
+      <a:schemeClr val="accent1"/>
+    </dgm:fillClrLst>
+    <dgm:linClrLst meth="repeat">
+      <a:schemeClr val="accent1">
+        <a:tint val="50000"/>
+      </a:schemeClr>
+    </dgm:linClrLst>
+    <dgm:effectClrLst/>
+    <dgm:txLinClrLst/>
+    <dgm:txFillClrLst meth="repeat">
+      <a:schemeClr val="tx1"/>
+    </dgm:txFillClrLst>
+    <dgm:txEffectClrLst/>
+  </dgm:styleLbl>
+  <dgm:styleLbl name="asst0">
+    <dgm:fillClrLst meth="repeat">
+      <a:schemeClr val="accent1"/>
+    </dgm:fillClrLst>
+    <dgm:linClrLst meth="repeat">
+      <a:schemeClr val="lt1"/>
+    </dgm:linClrLst>
+    <dgm:effectClrLst/>
+    <dgm:txLinClrLst/>
+    <dgm:txFillClrLst/>
+    <dgm:txEffectClrLst/>
+  </dgm:styleLbl>
+  <dgm:styleLbl name="asst1">
+    <dgm:fillClrLst meth="repeat">
+      <a:schemeClr val="accent1"/>
+    </dgm:fillClrLst>
+    <dgm:linClrLst meth="repeat">
+      <a:schemeClr val="lt1"/>
+    </dgm:linClrLst>
+    <dgm:effectClrLst/>
+    <dgm:txLinClrLst/>
+    <dgm:txFillClrLst/>
+    <dgm:txEffectClrLst/>
+  </dgm:styleLbl>
+  <dgm:styleLbl name="asst2">
+    <dgm:fillClrLst meth="repeat">
+      <a:schemeClr val="accent1"/>
+    </dgm:fillClrLst>
+    <dgm:linClrLst meth="repeat">
+      <a:schemeClr val="lt1"/>
+    </dgm:linClrLst>
+    <dgm:effectClrLst/>
+    <dgm:txLinClrLst/>
+    <dgm:txFillClrLst/>
+    <dgm:txEffectClrLst/>
+  </dgm:styleLbl>
+  <dgm:styleLbl name="asst3">
+    <dgm:fillClrLst meth="repeat">
+      <a:schemeClr val="accent1"/>
+    </dgm:fillClrLst>
+    <dgm:linClrLst meth="repeat">
+      <a:schemeClr val="lt1"/>
+    </dgm:linClrLst>
+    <dgm:effectClrLst/>
+    <dgm:txLinClrLst/>
+    <dgm:txFillClrLst/>
+    <dgm:txEffectClrLst/>
+  </dgm:styleLbl>
+  <dgm:styleLbl name="asst4">
+    <dgm:fillClrLst meth="repeat">
+      <a:schemeClr val="accent1"/>
+    </dgm:fillClrLst>
+    <dgm:linClrLst meth="repeat">
+      <a:schemeClr val="lt1"/>
+    </dgm:linClrLst>
+    <dgm:effectClrLst/>
+    <dgm:txLinClrLst/>
+    <dgm:txFillClrLst/>
+    <dgm:txEffectClrLst/>
+  </dgm:styleLbl>
+  <dgm:styleLbl name="parChTrans2D1">
+    <dgm:fillClrLst meth="repeat">
+      <a:schemeClr val="accent1">
+        <a:tint val="60000"/>
+      </a:schemeClr>
+    </dgm:fillClrLst>
+    <dgm:linClrLst meth="repeat">
+      <a:schemeClr val="accent1">
+        <a:tint val="60000"/>
+      </a:schemeClr>
+    </dgm:linClrLst>
+    <dgm:effectClrLst/>
+    <dgm:txLinClrLst/>
+    <dgm:txFillClrLst meth="repeat">
+      <a:schemeClr val="lt1"/>
+    </dgm:txFillClrLst>
+    <dgm:txEffectClrLst/>
+  </dgm:styleLbl>
+  <dgm:styleLbl name="parChTrans2D2">
+    <dgm:fillClrLst meth="repeat">
+      <a:schemeClr val="accent1"/>
+    </dgm:fillClrLst>
+    <dgm:linClrLst meth="repeat">
+      <a:schemeClr val="accent1"/>
+    </dgm:linClrLst>
+    <dgm:effectClrLst/>
+    <dgm:txLinClrLst/>
+    <dgm:txFillClrLst meth="repeat">
+      <a:schemeClr val="lt1"/>
+    </dgm:txFillClrLst>
+    <dgm:txEffectClrLst/>
+  </dgm:styleLbl>
+  <dgm:styleLbl name="parChTrans2D3">
+    <dgm:fillClrLst meth="repeat">
+      <a:schemeClr val="accent1"/>
+    </dgm:fillClrLst>
+    <dgm:linClrLst meth="repeat">
+      <a:schemeClr val="accent1"/>
+    </dgm:linClrLst>
+    <dgm:effectClrLst/>
+    <dgm:txLinClrLst/>
+    <dgm:txFillClrLst meth="repeat">
+      <a:schemeClr val="lt1"/>
+    </dgm:txFillClrLst>
+    <dgm:txEffectClrLst/>
+  </dgm:styleLbl>
+  <dgm:styleLbl name="parChTrans2D4">
+    <dgm:fillClrLst meth="repeat">
+      <a:schemeClr val="accent1"/>
+    </dgm:fillClrLst>
+    <dgm:linClrLst meth="repeat">
+      <a:schemeClr val="accent1"/>
+    </dgm:linClrLst>
+    <dgm:effectClrLst/>
+    <dgm:txLinClrLst/>
+    <dgm:txFillClrLst meth="repeat">
+      <a:schemeClr val="lt1"/>
+    </dgm:txFillClrLst>
+    <dgm:txEffectClrLst/>
+  </dgm:styleLbl>
+  <dgm:styleLbl name="parChTrans1D1">
+    <dgm:fillClrLst meth="repeat">
+      <a:schemeClr val="accent1"/>
+    </dgm:fillClrLst>
+    <dgm:linClrLst meth="repeat">
+      <a:schemeClr val="accent1">
+        <a:shade val="60000"/>
+      </a:schemeClr>
+    </dgm:linClrLst>
+    <dgm:effectClrLst/>
+    <dgm:txLinClrLst/>
+    <dgm:txFillClrLst meth="repeat">
+      <a:schemeClr val="tx1"/>
+    </dgm:txFillClrLst>
+    <dgm:txEffectClrLst/>
+  </dgm:styleLbl>
+  <dgm:styleLbl name="parChTrans1D2">
+    <dgm:fillClrLst meth="repeat">
+      <a:schemeClr val="accent1"/>
+    </dgm:fillClrLst>
+    <dgm:linClrLst meth="repeat">
+      <a:schemeClr val="accent1">
+        <a:shade val="60000"/>
+      </a:schemeClr>
+    </dgm:linClrLst>
+    <dgm:effectClrLst/>
+    <dgm:txLinClrLst/>
+    <dgm:txFillClrLst meth="repeat">
+      <a:schemeClr val="tx1"/>
+    </dgm:txFillClrLst>
+    <dgm:txEffectClrLst/>
+  </dgm:styleLbl>
+  <dgm:styleLbl name="parChTrans1D3">
+    <dgm:fillClrLst meth="repeat">
+      <a:schemeClr val="accent1"/>
+    </dgm:fillClrLst>
+    <dgm:linClrLst meth="repeat">
+      <a:schemeClr val="accent1">
+        <a:shade val="80000"/>
+      </a:schemeClr>
+    </dgm:linClrLst>
+    <dgm:effectClrLst/>
+    <dgm:txLinClrLst/>
+    <dgm:txFillClrLst meth="repeat">
+      <a:schemeClr val="tx1"/>
+    </dgm:txFillClrLst>
+    <dgm:txEffectClrLst/>
+  </dgm:styleLbl>
+  <dgm:styleLbl name="parChTrans1D4">
+    <dgm:fillClrLst meth="repeat">
+      <a:schemeClr val="accent1"/>
+    </dgm:fillClrLst>
+    <dgm:linClrLst meth="repeat">
+      <a:schemeClr val="accent1">
+        <a:shade val="80000"/>
+      </a:schemeClr>
+    </dgm:linClrLst>
+    <dgm:effectClrLst/>
+    <dgm:txLinClrLst/>
+    <dgm:txFillClrLst meth="repeat">
+      <a:schemeClr val="tx1"/>
+    </dgm:txFillClrLst>
+    <dgm:txEffectClrLst/>
+  </dgm:styleLbl>
+  <dgm:styleLbl name="fgAcc1">
+    <dgm:fillClrLst meth="repeat">
+      <a:schemeClr val="lt1">
+        <a:alpha val="90000"/>
+      </a:schemeClr>
+    </dgm:fillClrLst>
+    <dgm:linClrLst meth="repeat">
+      <a:schemeClr val="accent1"/>
+    </dgm:linClrLst>
+    <dgm:effectClrLst/>
+    <dgm:txLinClrLst/>
+    <dgm:txFillClrLst meth="repeat">
+      <a:schemeClr val="dk1"/>
+    </dgm:txFillClrLst>
+    <dgm:txEffectClrLst/>
+  </dgm:styleLbl>
+  <dgm:styleLbl name="conFgAcc1">
+    <dgm:fillClrLst meth="repeat">
+      <a:schemeClr val="lt1">
+        <a:alpha val="90000"/>
+      </a:schemeClr>
+    </dgm:fillClrLst>
+    <dgm:linClrLst meth="repeat">
+      <a:schemeClr val="accent1"/>
+    </dgm:linClrLst>
+    <dgm:effectClrLst/>
+    <dgm:txLinClrLst/>
+    <dgm:txFillClrLst meth="repeat">
+      <a:schemeClr val="dk1"/>
+    </dgm:txFillClrLst>
+    <dgm:txEffectClrLst/>
+  </dgm:styleLbl>
+  <dgm:styleLbl name="alignAcc1">
+    <dgm:fillClrLst meth="repeat">
+      <a:schemeClr val="lt1">
+        <a:alpha val="90000"/>
+      </a:schemeClr>
+    </dgm:fillClrLst>
+    <dgm:linClrLst meth="repeat">
+      <a:schemeClr val="accent1"/>
+    </dgm:linClrLst>
+    <dgm:effectClrLst/>
+    <dgm:txLinClrLst/>
+    <dgm:txFillClrLst meth="repeat">
+      <a:schemeClr val="dk1"/>
+    </dgm:txFillClrLst>
+    <dgm:txEffectClrLst/>
+  </dgm:styleLbl>
+  <dgm:styleLbl name="trAlignAcc1">
+    <dgm:fillClrLst meth="repeat">
+      <a:schemeClr val="lt1">
+        <a:alpha val="40000"/>
+      </a:schemeClr>
+    </dgm:fillClrLst>
+    <dgm:linClrLst meth="repeat">
+      <a:schemeClr val="accent1"/>
+    </dgm:linClrLst>
+    <dgm:effectClrLst/>
+    <dgm:txLinClrLst/>
+    <dgm:txFillClrLst meth="repeat">
+      <a:schemeClr val="dk1"/>
+    </dgm:txFillClrLst>
+    <dgm:txEffectClrLst/>
+  </dgm:styleLbl>
+  <dgm:styleLbl name="bgAcc1">
+    <dgm:fillClrLst meth="repeat">
+      <a:schemeClr val="lt1">
+        <a:alpha val="90000"/>
+      </a:schemeClr>
+    </dgm:fillClrLst>
+    <dgm:linClrLst meth="repeat">
+      <a:schemeClr val="accent1"/>
+    </dgm:linClrLst>
+    <dgm:effectClrLst/>
+    <dgm:txLinClrLst/>
+    <dgm:txFillClrLst meth="repeat">
+      <a:schemeClr val="dk1"/>
+    </dgm:txFillClrLst>
+    <dgm:txEffectClrLst/>
+  </dgm:styleLbl>
+  <dgm:styleLbl name="solidFgAcc1">
+    <dgm:fillClrLst meth="repeat">
+      <a:schemeClr val="lt1"/>
+    </dgm:fillClrLst>
+    <dgm:linClrLst meth="repeat">
+      <a:schemeClr val="accent1"/>
+    </dgm:linClrLst>
+    <dgm:effectClrLst/>
+    <dgm:txLinClrLst/>
+    <dgm:txFillClrLst meth="repeat">
+      <a:schemeClr val="dk1"/>
+    </dgm:txFillClrLst>
+    <dgm:txEffectClrLst/>
+  </dgm:styleLbl>
+  <dgm:styleLbl name="solidAlignAcc1">
+    <dgm:fillClrLst meth="repeat">
+      <a:schemeClr val="lt1"/>
+    </dgm:fillClrLst>
+    <dgm:linClrLst meth="repeat">
+      <a:schemeClr val="accent1"/>
+    </dgm:linClrLst>
+    <dgm:effectClrLst/>
+    <dgm:txLinClrLst/>
+    <dgm:txFillClrLst meth="repeat">
+      <a:schemeClr val="dk1"/>
+    </dgm:txFillClrLst>
+    <dgm:txEffectClrLst/>
+  </dgm:styleLbl>
+  <dgm:styleLbl name="solidBgAcc1">
+    <dgm:fillClrLst meth="repeat">
+      <a:schemeClr val="lt1"/>
+    </dgm:fillClrLst>
+    <dgm:linClrLst meth="repeat">
+      <a:schemeClr val="accent1"/>
+    </dgm:linClrLst>
+    <dgm:effectClrLst/>
+    <dgm:txLinClrLst/>
+    <dgm:txFillClrLst meth="repeat">
+      <a:schemeClr val="dk1"/>
+    </dgm:txFillClrLst>
+    <dgm:txEffectClrLst/>
+  </dgm:styleLbl>
+  <dgm:styleLbl name="fgAccFollowNode1">
+    <dgm:fillClrLst meth="repeat">
+      <a:schemeClr val="accent1">
+        <a:alpha val="90000"/>
+        <a:tint val="40000"/>
+      </a:schemeClr>
+    </dgm:fillClrLst>
+    <dgm:linClrLst meth="repeat">
+      <a:schemeClr val="accent1">
+        <a:alpha val="90000"/>
+        <a:tint val="40000"/>
+      </a:schemeClr>
+    </dgm:linClrLst>
+    <dgm:effectClrLst/>
+    <dgm:txLinClrLst/>
+    <dgm:txFillClrLst meth="repeat">
+      <a:schemeClr val="dk1"/>
+    </dgm:txFillClrLst>
+    <dgm:txEffectClrLst/>
+  </dgm:styleLbl>
+  <dgm:styleLbl name="alignAccFollowNode1">
+    <dgm:fillClrLst meth="repeat">
+      <a:schemeClr val="accent1">
+        <a:alpha val="90000"/>
+        <a:tint val="40000"/>
+      </a:schemeClr>
+    </dgm:fillClrLst>
+    <dgm:linClrLst meth="repeat">
+      <a:schemeClr val="accent1">
+        <a:alpha val="90000"/>
+        <a:tint val="40000"/>
+      </a:schemeClr>
+    </dgm:linClrLst>
+    <dgm:effectClrLst/>
+    <dgm:txLinClrLst/>
+    <dgm:txFillClrLst meth="repeat">
+      <a:schemeClr val="dk1"/>
+    </dgm:txFillClrLst>
+    <dgm:txEffectClrLst/>
+  </dgm:styleLbl>
+  <dgm:styleLbl name="bgAccFollowNode1">
+    <dgm:fillClrLst meth="repeat">
+      <a:schemeClr val="accent1">
+        <a:alpha val="90000"/>
+        <a:tint val="40000"/>
+      </a:schemeClr>
+    </dgm:fillClrLst>
+    <dgm:linClrLst meth="repeat">
+      <a:schemeClr val="accent1">
+        <a:alpha val="90000"/>
+        <a:tint val="40000"/>
+      </a:schemeClr>
+    </dgm:linClrLst>
+    <dgm:effectClrLst/>
+    <dgm:txLinClrLst/>
+    <dgm:txFillClrLst meth="repeat">
+      <a:schemeClr val="dk1"/>
+    </dgm:txFillClrLst>
+    <dgm:txEffectClrLst/>
+  </dgm:styleLbl>
+  <dgm:styleLbl name="fgAcc0">
+    <dgm:fillClrLst meth="repeat">
+      <a:schemeClr val="lt1">
+        <a:alpha val="90000"/>
+      </a:schemeClr>
+    </dgm:fillClrLst>
+    <dgm:linClrLst meth="repeat">
+      <a:schemeClr val="accent1"/>
+    </dgm:linClrLst>
+    <dgm:effectClrLst/>
+    <dgm:txLinClrLst/>
+    <dgm:txFillClrLst meth="repeat">
+      <a:schemeClr val="dk1"/>
+    </dgm:txFillClrLst>
+    <dgm:txEffectClrLst/>
+  </dgm:styleLbl>
+  <dgm:styleLbl name="fgAcc2">
+    <dgm:fillClrLst meth="repeat">
+      <a:schemeClr val="lt1">
+        <a:alpha val="90000"/>
+      </a:schemeClr>
+    </dgm:fillClrLst>
+    <dgm:linClrLst meth="repeat">
+      <a:schemeClr val="accent1"/>
+    </dgm:linClrLst>
+    <dgm:effectClrLst/>
+    <dgm:txLinClrLst/>
+    <dgm:txFillClrLst meth="repeat">
+      <a:schemeClr val="dk1"/>
+    </dgm:txFillClrLst>
+    <dgm:txEffectClrLst/>
+  </dgm:styleLbl>
+  <dgm:styleLbl name="fgAcc3">
+    <dgm:fillClrLst meth="repeat">
+      <a:schemeClr val="lt1">
+        <a:alpha val="90000"/>
+      </a:schemeClr>
+    </dgm:fillClrLst>
+    <dgm:linClrLst meth="repeat">
+      <a:schemeClr val="accent1"/>
+    </dgm:linClrLst>
+    <dgm:effectClrLst/>
+    <dgm:txLinClrLst/>
+    <dgm:txFillClrLst meth="repeat">
+      <a:schemeClr val="dk1"/>
+    </dgm:txFillClrLst>
+    <dgm:txEffectClrLst/>
+  </dgm:styleLbl>
+  <dgm:styleLbl name="fgAcc4">
+    <dgm:fillClrLst meth="repeat">
+      <a:schemeClr val="lt1">
+        <a:alpha val="90000"/>
+      </a:schemeClr>
+    </dgm:fillClrLst>
+    <dgm:linClrLst meth="repeat">
+      <a:schemeClr val="accent1"/>
+    </dgm:linClrLst>
+    <dgm:effectClrLst/>
+    <dgm:txLinClrLst/>
+    <dgm:txFillClrLst meth="repeat">
+      <a:schemeClr val="dk1"/>
+    </dgm:txFillClrLst>
+    <dgm:txEffectClrLst/>
+  </dgm:styleLbl>
+  <dgm:styleLbl name="bgShp">
+    <dgm:fillClrLst meth="repeat">
+      <a:schemeClr val="accent1">
+        <a:tint val="40000"/>
+      </a:schemeClr>
+    </dgm:fillClrLst>
+    <dgm:linClrLst meth="repeat">
+      <a:schemeClr val="accent1"/>
+    </dgm:linClrLst>
+    <dgm:effectClrLst/>
+    <dgm:txLinClrLst/>
+    <dgm:txFillClrLst meth="repeat">
+      <a:schemeClr val="dk1"/>
+    </dgm:txFillClrLst>
+    <dgm:txEffectClrLst/>
+  </dgm:styleLbl>
+  <dgm:styleLbl name="dkBgShp">
+    <dgm:fillClrLst meth="repeat">
+      <a:schemeClr val="accent1">
+        <a:shade val="80000"/>
+      </a:schemeClr>
+    </dgm:fillClrLst>
+    <dgm:linClrLst meth="repeat">
+      <a:schemeClr val="accent1"/>
+    </dgm:linClrLst>
+    <dgm:effectClrLst/>
+    <dgm:txLinClrLst/>
+    <dgm:txFillClrLst meth="repeat">
+      <a:schemeClr val="lt1"/>
+    </dgm:txFillClrLst>
+    <dgm:txEffectClrLst/>
+  </dgm:styleLbl>
+  <dgm:styleLbl name="trBgShp">
+    <dgm:fillClrLst meth="repeat">
+      <a:schemeClr val="accent1">
+        <a:tint val="50000"/>
+        <a:alpha val="40000"/>
+      </a:schemeClr>
+    </dgm:fillClrLst>
+    <dgm:linClrLst meth="repeat">
+      <a:schemeClr val="accent1"/>
+    </dgm:linClrLst>
+    <dgm:effectClrLst/>
+    <dgm:txLinClrLst/>
+    <dgm:txFillClrLst meth="repeat">
+      <a:schemeClr val="lt1"/>
+    </dgm:txFillClrLst>
+    <dgm:txEffectClrLst/>
+  </dgm:styleLbl>
+  <dgm:styleLbl name="fgShp">
+    <dgm:fillClrLst meth="repeat">
+      <a:schemeClr val="accent1">
+        <a:tint val="60000"/>
+      </a:schemeClr>
+    </dgm:fillClrLst>
+    <dgm:linClrLst meth="repeat">
+      <a:schemeClr val="lt1"/>
+    </dgm:linClrLst>
+    <dgm:effectClrLst/>
+    <dgm:txLinClrLst/>
+    <dgm:txFillClrLst meth="repeat">
+      <a:schemeClr val="dk1"/>
+    </dgm:txFillClrLst>
+    <dgm:txEffectClrLst/>
+  </dgm:styleLbl>
+  <dgm:styleLbl name="revTx">
+    <dgm:fillClrLst meth="repeat">
+      <a:schemeClr val="lt1">
+        <a:alpha val="0"/>
+      </a:schemeClr>
+    </dgm:fillClrLst>
+    <dgm:linClrLst meth="repeat">
+      <a:schemeClr val="dk1">
+        <a:alpha val="0"/>
+      </a:schemeClr>
+    </dgm:linClrLst>
+    <dgm:effectClrLst/>
+    <dgm:txLinClrLst/>
+    <dgm:txFillClrLst meth="repeat">
+      <a:schemeClr val="tx1"/>
+    </dgm:txFillClrLst>
+    <dgm:txEffectClrLst/>
+  </dgm:styleLbl>
+</dgm:colorsDef>
+</file>
+
+<file path=ppt/diagrams/data1.xml><?xml version="1.0" encoding="utf-8"?>
+<dgm:dataModel xmlns:dgm="http://schemas.openxmlformats.org/drawingml/2006/diagram" xmlns:a="http://schemas.openxmlformats.org/drawingml/2006/main">
+  <dgm:ptLst>
+    <dgm:pt modelId="{A2C83B52-4C69-4987-9C5E-8406D8DAC558}" type="doc">
+      <dgm:prSet loTypeId="urn:microsoft.com/office/officeart/2005/8/layout/hProcess9" loCatId="process" qsTypeId="urn:microsoft.com/office/officeart/2005/8/quickstyle/simple1" qsCatId="simple" csTypeId="urn:microsoft.com/office/officeart/2005/8/colors/accent1_2" csCatId="accent1" phldr="1"/>
+      <dgm:spPr/>
+    </dgm:pt>
+    <dgm:pt modelId="{7D944958-B229-4048-B8AF-C4D1D60C054A}">
+      <dgm:prSet phldrT="[Text]"/>
+      <dgm:spPr/>
+      <dgm:t>
+        <a:bodyPr/>
+        <a:lstStyle/>
+        <a:p>
+          <a:r>
+            <a:rPr lang="en-US" b="1" dirty="0" smtClean="0"/>
+            <a:t>Listen</a:t>
+          </a:r>
+          <a:endParaRPr lang="en-US" b="1" dirty="0"/>
+        </a:p>
+      </dgm:t>
+    </dgm:pt>
+    <dgm:pt modelId="{18E89401-B1BB-4887-9281-0ED987F2887A}" type="parTrans" cxnId="{F2D75636-A820-4E56-8E21-C340CBDBF24E}">
+      <dgm:prSet/>
+      <dgm:spPr/>
+      <dgm:t>
+        <a:bodyPr/>
+        <a:lstStyle/>
+        <a:p>
+          <a:endParaRPr lang="en-US"/>
+        </a:p>
+      </dgm:t>
+    </dgm:pt>
+    <dgm:pt modelId="{352FC9D1-67E4-420D-85FF-15B2345EBDF1}" type="sibTrans" cxnId="{F2D75636-A820-4E56-8E21-C340CBDBF24E}">
+      <dgm:prSet/>
+      <dgm:spPr/>
+      <dgm:t>
+        <a:bodyPr/>
+        <a:lstStyle/>
+        <a:p>
+          <a:endParaRPr lang="en-US"/>
+        </a:p>
+      </dgm:t>
+    </dgm:pt>
+    <dgm:pt modelId="{EF099EE8-D16B-44AE-A932-99A969E3ACBB}">
+      <dgm:prSet phldrT="[Text]"/>
+      <dgm:spPr/>
+      <dgm:t>
+        <a:bodyPr/>
+        <a:lstStyle/>
+        <a:p>
+          <a:r>
+            <a:rPr lang="en-US" b="1" dirty="0" smtClean="0"/>
+            <a:t>Design</a:t>
+          </a:r>
+          <a:endParaRPr lang="en-US" b="1" dirty="0"/>
+        </a:p>
+      </dgm:t>
+    </dgm:pt>
+    <dgm:pt modelId="{67F75104-EDAD-4ACA-9FBA-1470FC82B024}" type="parTrans" cxnId="{6AE59FDC-31D9-45E7-8143-619594877BE6}">
+      <dgm:prSet/>
+      <dgm:spPr/>
+      <dgm:t>
+        <a:bodyPr/>
+        <a:lstStyle/>
+        <a:p>
+          <a:endParaRPr lang="en-US"/>
+        </a:p>
+      </dgm:t>
+    </dgm:pt>
+    <dgm:pt modelId="{FCC47EC3-F8F6-46CC-B590-B14333D0D00C}" type="sibTrans" cxnId="{6AE59FDC-31D9-45E7-8143-619594877BE6}">
+      <dgm:prSet/>
+      <dgm:spPr/>
+      <dgm:t>
+        <a:bodyPr/>
+        <a:lstStyle/>
+        <a:p>
+          <a:endParaRPr lang="en-US"/>
+        </a:p>
+      </dgm:t>
+    </dgm:pt>
+    <dgm:pt modelId="{888A572F-7847-4186-A3A1-1B5B0007E64D}">
+      <dgm:prSet phldrT="[Text]"/>
+      <dgm:spPr/>
+      <dgm:t>
+        <a:bodyPr/>
+        <a:lstStyle/>
+        <a:p>
+          <a:r>
+            <a:rPr lang="en-US" b="1" dirty="0" smtClean="0"/>
+            <a:t>Field</a:t>
+          </a:r>
+          <a:endParaRPr lang="en-US" b="1" dirty="0"/>
+        </a:p>
+      </dgm:t>
+    </dgm:pt>
+    <dgm:pt modelId="{B266E34F-AF67-4B21-9911-C73BA8F296BF}" type="parTrans" cxnId="{574D0650-5161-48F5-B581-4D078B7676B7}">
+      <dgm:prSet/>
+      <dgm:spPr/>
+      <dgm:t>
+        <a:bodyPr/>
+        <a:lstStyle/>
+        <a:p>
+          <a:endParaRPr lang="en-US"/>
+        </a:p>
+      </dgm:t>
+    </dgm:pt>
+    <dgm:pt modelId="{53429611-1150-4F03-9173-B0EE794C5699}" type="sibTrans" cxnId="{574D0650-5161-48F5-B581-4D078B7676B7}">
+      <dgm:prSet/>
+      <dgm:spPr/>
+      <dgm:t>
+        <a:bodyPr/>
+        <a:lstStyle/>
+        <a:p>
+          <a:endParaRPr lang="en-US"/>
+        </a:p>
+      </dgm:t>
+    </dgm:pt>
+    <dgm:pt modelId="{6CADA72D-78CF-4270-B6FA-AA3E5EB82F98}">
+      <dgm:prSet/>
+      <dgm:spPr/>
+      <dgm:t>
+        <a:bodyPr/>
+        <a:lstStyle/>
+        <a:p>
+          <a:r>
+            <a:rPr lang="en-US" b="1" dirty="0" smtClean="0"/>
+            <a:t>Map</a:t>
+          </a:r>
+          <a:endParaRPr lang="en-US" b="1" dirty="0"/>
+        </a:p>
+      </dgm:t>
+    </dgm:pt>
+    <dgm:pt modelId="{CA8B495A-8FA1-4DB7-BEA1-8C8C1DA398ED}" type="parTrans" cxnId="{619BCD03-EE2B-4595-9E50-7D6AD15C25EE}">
+      <dgm:prSet/>
+      <dgm:spPr/>
+      <dgm:t>
+        <a:bodyPr/>
+        <a:lstStyle/>
+        <a:p>
+          <a:endParaRPr lang="en-US"/>
+        </a:p>
+      </dgm:t>
+    </dgm:pt>
+    <dgm:pt modelId="{F6B1ABA0-590A-4C64-B4A1-7D4DC9F3F18D}" type="sibTrans" cxnId="{619BCD03-EE2B-4595-9E50-7D6AD15C25EE}">
+      <dgm:prSet/>
+      <dgm:spPr/>
+      <dgm:t>
+        <a:bodyPr/>
+        <a:lstStyle/>
+        <a:p>
+          <a:endParaRPr lang="en-US"/>
+        </a:p>
+      </dgm:t>
+    </dgm:pt>
+    <dgm:pt modelId="{D4DFE09F-F930-4988-A375-1422814F2953}" type="pres">
+      <dgm:prSet presAssocID="{A2C83B52-4C69-4987-9C5E-8406D8DAC558}" presName="CompostProcess" presStyleCnt="0">
+        <dgm:presLayoutVars>
+          <dgm:dir/>
+          <dgm:resizeHandles val="exact"/>
+        </dgm:presLayoutVars>
+      </dgm:prSet>
+      <dgm:spPr/>
+    </dgm:pt>
+    <dgm:pt modelId="{3DDDD0AC-7C0B-4F24-96A2-9DCA069420A2}" type="pres">
+      <dgm:prSet presAssocID="{A2C83B52-4C69-4987-9C5E-8406D8DAC558}" presName="arrow" presStyleLbl="bgShp" presStyleIdx="0" presStyleCnt="1"/>
+      <dgm:spPr/>
+    </dgm:pt>
+    <dgm:pt modelId="{E930D175-F94E-4726-BD62-6E463FF24774}" type="pres">
+      <dgm:prSet presAssocID="{A2C83B52-4C69-4987-9C5E-8406D8DAC558}" presName="linearProcess" presStyleCnt="0"/>
+      <dgm:spPr/>
+    </dgm:pt>
+    <dgm:pt modelId="{AB319DF8-46C8-4C08-B751-D0FB6E2AD60A}" type="pres">
+      <dgm:prSet presAssocID="{7D944958-B229-4048-B8AF-C4D1D60C054A}" presName="textNode" presStyleLbl="node1" presStyleIdx="0" presStyleCnt="4">
+        <dgm:presLayoutVars>
+          <dgm:bulletEnabled val="1"/>
+        </dgm:presLayoutVars>
+      </dgm:prSet>
+      <dgm:spPr/>
+    </dgm:pt>
+    <dgm:pt modelId="{10833453-DF56-40D1-BC56-933D082F6AF0}" type="pres">
+      <dgm:prSet presAssocID="{352FC9D1-67E4-420D-85FF-15B2345EBDF1}" presName="sibTrans" presStyleCnt="0"/>
+      <dgm:spPr/>
+    </dgm:pt>
+    <dgm:pt modelId="{B3AF3B0E-5F24-4657-8BF4-0968F3D3B890}" type="pres">
+      <dgm:prSet presAssocID="{EF099EE8-D16B-44AE-A932-99A969E3ACBB}" presName="textNode" presStyleLbl="node1" presStyleIdx="1" presStyleCnt="4">
+        <dgm:presLayoutVars>
+          <dgm:bulletEnabled val="1"/>
+        </dgm:presLayoutVars>
+      </dgm:prSet>
+      <dgm:spPr/>
+    </dgm:pt>
+    <dgm:pt modelId="{B0C1F979-F8BD-4569-AC27-63919C883727}" type="pres">
+      <dgm:prSet presAssocID="{FCC47EC3-F8F6-46CC-B590-B14333D0D00C}" presName="sibTrans" presStyleCnt="0"/>
+      <dgm:spPr/>
+    </dgm:pt>
+    <dgm:pt modelId="{302B0953-CE52-428B-86F5-EC7D7DFB5516}" type="pres">
+      <dgm:prSet presAssocID="{888A572F-7847-4186-A3A1-1B5B0007E64D}" presName="textNode" presStyleLbl="node1" presStyleIdx="2" presStyleCnt="4">
+        <dgm:presLayoutVars>
+          <dgm:bulletEnabled val="1"/>
+        </dgm:presLayoutVars>
+      </dgm:prSet>
+      <dgm:spPr/>
+    </dgm:pt>
+    <dgm:pt modelId="{8403C395-C37D-497D-A8FD-D2C39C2935D3}" type="pres">
+      <dgm:prSet presAssocID="{53429611-1150-4F03-9173-B0EE794C5699}" presName="sibTrans" presStyleCnt="0"/>
+      <dgm:spPr/>
+    </dgm:pt>
+    <dgm:pt modelId="{A204AEDF-4D2B-4962-9516-B301D710418A}" type="pres">
+      <dgm:prSet presAssocID="{6CADA72D-78CF-4270-B6FA-AA3E5EB82F98}" presName="textNode" presStyleLbl="node1" presStyleIdx="3" presStyleCnt="4">
+        <dgm:presLayoutVars>
+          <dgm:bulletEnabled val="1"/>
+        </dgm:presLayoutVars>
+      </dgm:prSet>
+      <dgm:spPr/>
+    </dgm:pt>
+  </dgm:ptLst>
+  <dgm:cxnLst>
+    <dgm:cxn modelId="{185A87EE-6565-4507-A089-C6602A2A758C}" type="presOf" srcId="{7D944958-B229-4048-B8AF-C4D1D60C054A}" destId="{AB319DF8-46C8-4C08-B751-D0FB6E2AD60A}" srcOrd="0" destOrd="0" presId="urn:microsoft.com/office/officeart/2005/8/layout/hProcess9"/>
+    <dgm:cxn modelId="{574D0650-5161-48F5-B581-4D078B7676B7}" srcId="{A2C83B52-4C69-4987-9C5E-8406D8DAC558}" destId="{888A572F-7847-4186-A3A1-1B5B0007E64D}" srcOrd="2" destOrd="0" parTransId="{B266E34F-AF67-4B21-9911-C73BA8F296BF}" sibTransId="{53429611-1150-4F03-9173-B0EE794C5699}"/>
+    <dgm:cxn modelId="{F2D75636-A820-4E56-8E21-C340CBDBF24E}" srcId="{A2C83B52-4C69-4987-9C5E-8406D8DAC558}" destId="{7D944958-B229-4048-B8AF-C4D1D60C054A}" srcOrd="0" destOrd="0" parTransId="{18E89401-B1BB-4887-9281-0ED987F2887A}" sibTransId="{352FC9D1-67E4-420D-85FF-15B2345EBDF1}"/>
+    <dgm:cxn modelId="{619BCD03-EE2B-4595-9E50-7D6AD15C25EE}" srcId="{A2C83B52-4C69-4987-9C5E-8406D8DAC558}" destId="{6CADA72D-78CF-4270-B6FA-AA3E5EB82F98}" srcOrd="3" destOrd="0" parTransId="{CA8B495A-8FA1-4DB7-BEA1-8C8C1DA398ED}" sibTransId="{F6B1ABA0-590A-4C64-B4A1-7D4DC9F3F18D}"/>
+    <dgm:cxn modelId="{550A92D6-15DF-44D8-9760-131B88462E81}" type="presOf" srcId="{6CADA72D-78CF-4270-B6FA-AA3E5EB82F98}" destId="{A204AEDF-4D2B-4962-9516-B301D710418A}" srcOrd="0" destOrd="0" presId="urn:microsoft.com/office/officeart/2005/8/layout/hProcess9"/>
+    <dgm:cxn modelId="{CFD7EC02-129D-4A8A-83F3-2C3B30AC2488}" type="presOf" srcId="{EF099EE8-D16B-44AE-A932-99A969E3ACBB}" destId="{B3AF3B0E-5F24-4657-8BF4-0968F3D3B890}" srcOrd="0" destOrd="0" presId="urn:microsoft.com/office/officeart/2005/8/layout/hProcess9"/>
+    <dgm:cxn modelId="{2915A7C8-E71B-4048-AA37-2D8A96304439}" type="presOf" srcId="{A2C83B52-4C69-4987-9C5E-8406D8DAC558}" destId="{D4DFE09F-F930-4988-A375-1422814F2953}" srcOrd="0" destOrd="0" presId="urn:microsoft.com/office/officeart/2005/8/layout/hProcess9"/>
+    <dgm:cxn modelId="{6AE59FDC-31D9-45E7-8143-619594877BE6}" srcId="{A2C83B52-4C69-4987-9C5E-8406D8DAC558}" destId="{EF099EE8-D16B-44AE-A932-99A969E3ACBB}" srcOrd="1" destOrd="0" parTransId="{67F75104-EDAD-4ACA-9FBA-1470FC82B024}" sibTransId="{FCC47EC3-F8F6-46CC-B590-B14333D0D00C}"/>
+    <dgm:cxn modelId="{7AB4F3BE-23FF-4580-8B47-F21D4E6BD227}" type="presOf" srcId="{888A572F-7847-4186-A3A1-1B5B0007E64D}" destId="{302B0953-CE52-428B-86F5-EC7D7DFB5516}" srcOrd="0" destOrd="0" presId="urn:microsoft.com/office/officeart/2005/8/layout/hProcess9"/>
+    <dgm:cxn modelId="{FCFBA00C-F1BB-4EE5-9ADF-DEF57D19116A}" type="presParOf" srcId="{D4DFE09F-F930-4988-A375-1422814F2953}" destId="{3DDDD0AC-7C0B-4F24-96A2-9DCA069420A2}" srcOrd="0" destOrd="0" presId="urn:microsoft.com/office/officeart/2005/8/layout/hProcess9"/>
+    <dgm:cxn modelId="{5534860E-5945-47DA-9124-EDE45A8AEC1F}" type="presParOf" srcId="{D4DFE09F-F930-4988-A375-1422814F2953}" destId="{E930D175-F94E-4726-BD62-6E463FF24774}" srcOrd="1" destOrd="0" presId="urn:microsoft.com/office/officeart/2005/8/layout/hProcess9"/>
+    <dgm:cxn modelId="{75BA1BB4-D60E-4F8F-8D67-8B79E68195DC}" type="presParOf" srcId="{E930D175-F94E-4726-BD62-6E463FF24774}" destId="{AB319DF8-46C8-4C08-B751-D0FB6E2AD60A}" srcOrd="0" destOrd="0" presId="urn:microsoft.com/office/officeart/2005/8/layout/hProcess9"/>
+    <dgm:cxn modelId="{D4A14A51-5719-493E-9D89-A7AB7AC007B5}" type="presParOf" srcId="{E930D175-F94E-4726-BD62-6E463FF24774}" destId="{10833453-DF56-40D1-BC56-933D082F6AF0}" srcOrd="1" destOrd="0" presId="urn:microsoft.com/office/officeart/2005/8/layout/hProcess9"/>
+    <dgm:cxn modelId="{B28CAB0B-FC2D-41F8-AABA-A184987248CE}" type="presParOf" srcId="{E930D175-F94E-4726-BD62-6E463FF24774}" destId="{B3AF3B0E-5F24-4657-8BF4-0968F3D3B890}" srcOrd="2" destOrd="0" presId="urn:microsoft.com/office/officeart/2005/8/layout/hProcess9"/>
+    <dgm:cxn modelId="{7B730E05-D00A-412C-9800-A9746E5D8088}" type="presParOf" srcId="{E930D175-F94E-4726-BD62-6E463FF24774}" destId="{B0C1F979-F8BD-4569-AC27-63919C883727}" srcOrd="3" destOrd="0" presId="urn:microsoft.com/office/officeart/2005/8/layout/hProcess9"/>
+    <dgm:cxn modelId="{0D092843-2F62-4C23-85EF-2298E32F75B9}" type="presParOf" srcId="{E930D175-F94E-4726-BD62-6E463FF24774}" destId="{302B0953-CE52-428B-86F5-EC7D7DFB5516}" srcOrd="4" destOrd="0" presId="urn:microsoft.com/office/officeart/2005/8/layout/hProcess9"/>
+    <dgm:cxn modelId="{D73168FE-49A0-43CD-8DCE-570209833AE6}" type="presParOf" srcId="{E930D175-F94E-4726-BD62-6E463FF24774}" destId="{8403C395-C37D-497D-A8FD-D2C39C2935D3}" srcOrd="5" destOrd="0" presId="urn:microsoft.com/office/officeart/2005/8/layout/hProcess9"/>
+    <dgm:cxn modelId="{8FFC3844-FF98-4DE2-8F93-43BDED7BFF97}" type="presParOf" srcId="{E930D175-F94E-4726-BD62-6E463FF24774}" destId="{A204AEDF-4D2B-4962-9516-B301D710418A}" srcOrd="6" destOrd="0" presId="urn:microsoft.com/office/officeart/2005/8/layout/hProcess9"/>
+  </dgm:cxnLst>
+  <dgm:bg/>
+  <dgm:whole/>
+  <dgm:extLst>
+    <a:ext uri="http://schemas.microsoft.com/office/drawing/2008/diagram">
+      <dsp:dataModelExt xmlns:dsp="http://schemas.microsoft.com/office/drawing/2008/diagram" relId="rId6" minVer="http://schemas.openxmlformats.org/drawingml/2006/diagram"/>
+    </a:ext>
+  </dgm:extLst>
+</dgm:dataModel>
+</file>
+
+<file path=ppt/diagrams/data2.xml><?xml version="1.0" encoding="utf-8"?>
+<dgm:dataModel xmlns:dgm="http://schemas.openxmlformats.org/drawingml/2006/diagram" xmlns:a="http://schemas.openxmlformats.org/drawingml/2006/main">
+  <dgm:ptLst>
+    <dgm:pt modelId="{56BA5EDF-58BF-473F-8D2B-11FB36314E2D}" type="doc">
+      <dgm:prSet loTypeId="urn:microsoft.com/office/officeart/2008/layout/AlternatingHexagons" loCatId="list" qsTypeId="urn:microsoft.com/office/officeart/2005/8/quickstyle/simple5" qsCatId="simple" csTypeId="urn:microsoft.com/office/officeart/2005/8/colors/accent1_2" csCatId="accent1" phldr="1"/>
+      <dgm:spPr/>
+      <dgm:t>
+        <a:bodyPr/>
+        <a:lstStyle/>
+        <a:p>
+          <a:endParaRPr lang="en-US"/>
+        </a:p>
+      </dgm:t>
+    </dgm:pt>
+    <dgm:pt modelId="{21160D63-5ADA-436E-B05D-4214A374F91E}">
+      <dgm:prSet phldrT="[Text]" custT="1"/>
+      <dgm:spPr/>
+      <dgm:t>
+        <a:bodyPr/>
+        <a:lstStyle/>
+        <a:p>
+          <a:r>
+            <a:rPr lang="en-US" sz="1600" b="1" dirty="0" smtClean="0"/>
+            <a:t>Train</a:t>
+          </a:r>
+          <a:endParaRPr lang="en-US" sz="1600" b="1" dirty="0"/>
+        </a:p>
+      </dgm:t>
+    </dgm:pt>
+    <dgm:pt modelId="{2CB5C6B7-80AE-46B5-83CF-74FD470F11A8}" type="parTrans" cxnId="{A32057D2-1172-4138-B6B6-058D257F31EC}">
+      <dgm:prSet/>
+      <dgm:spPr/>
+      <dgm:t>
+        <a:bodyPr/>
+        <a:lstStyle/>
+        <a:p>
+          <a:endParaRPr lang="en-US" b="1"/>
+        </a:p>
+      </dgm:t>
+    </dgm:pt>
+    <dgm:pt modelId="{07AA2096-C85E-474E-8478-3ADC4BEF0BE4}" type="sibTrans" cxnId="{A32057D2-1172-4138-B6B6-058D257F31EC}">
+      <dgm:prSet custT="1"/>
+      <dgm:spPr/>
+      <dgm:t>
+        <a:bodyPr/>
+        <a:lstStyle/>
+        <a:p>
+          <a:r>
+            <a:rPr lang="en-US" sz="1600" b="1" smtClean="0"/>
+            <a:t>Open</a:t>
+          </a:r>
+          <a:endParaRPr lang="en-US" sz="1600" b="1"/>
+        </a:p>
+      </dgm:t>
+    </dgm:pt>
+    <dgm:pt modelId="{74BBCCF7-028A-4D2B-9EC4-225BE9601A3A}">
+      <dgm:prSet phldrT="[Text]" custT="1"/>
+      <dgm:spPr/>
+      <dgm:t>
+        <a:bodyPr/>
+        <a:lstStyle/>
+        <a:p>
+          <a:r>
+            <a:rPr lang="en-US" sz="1600" b="1" dirty="0" smtClean="0"/>
+            <a:t>Mentor</a:t>
+          </a:r>
+          <a:endParaRPr lang="en-US" sz="1600" b="1" dirty="0"/>
+        </a:p>
+      </dgm:t>
+    </dgm:pt>
+    <dgm:pt modelId="{E67D75E4-B105-4AFB-BCF0-C5597FB2E235}" type="parTrans" cxnId="{D556860B-FA93-4B1A-94AC-7265F4A429A4}">
+      <dgm:prSet/>
+      <dgm:spPr/>
+      <dgm:t>
+        <a:bodyPr/>
+        <a:lstStyle/>
+        <a:p>
+          <a:endParaRPr lang="en-US" b="1"/>
+        </a:p>
+      </dgm:t>
+    </dgm:pt>
+    <dgm:pt modelId="{5188578B-1561-4E0B-9934-3B53DEC5FAEA}" type="sibTrans" cxnId="{D556860B-FA93-4B1A-94AC-7265F4A429A4}">
+      <dgm:prSet custT="1"/>
+      <dgm:spPr/>
+      <dgm:t>
+        <a:bodyPr/>
+        <a:lstStyle/>
+        <a:p>
+          <a:r>
+            <a:rPr lang="en-US" sz="1600" b="1" dirty="0" smtClean="0"/>
+            <a:t>Build</a:t>
+          </a:r>
+          <a:endParaRPr lang="en-US" sz="1600" b="1" dirty="0"/>
+        </a:p>
+      </dgm:t>
+    </dgm:pt>
+    <dgm:pt modelId="{474E85CD-EBAE-412D-AA1F-8E096AE923A9}">
+      <dgm:prSet phldrT="[Text]" custT="1"/>
+      <dgm:spPr/>
+      <dgm:t>
+        <a:bodyPr/>
+        <a:lstStyle/>
+        <a:p>
+          <a:r>
+            <a:rPr lang="en-US" sz="1600" b="1" dirty="0" smtClean="0"/>
+            <a:t>Code</a:t>
+          </a:r>
+          <a:endParaRPr lang="en-US" sz="1600" b="1" dirty="0"/>
+        </a:p>
+      </dgm:t>
+    </dgm:pt>
+    <dgm:pt modelId="{7B759DA0-F34E-40E4-88A0-7654AD4F419E}" type="parTrans" cxnId="{907908C8-F377-4C48-8EF5-C8EC0C39C8CF}">
+      <dgm:prSet/>
+      <dgm:spPr/>
+      <dgm:t>
+        <a:bodyPr/>
+        <a:lstStyle/>
+        <a:p>
+          <a:endParaRPr lang="en-US" b="1"/>
+        </a:p>
+      </dgm:t>
+    </dgm:pt>
+    <dgm:pt modelId="{66ECAF83-E0C8-4C2F-8084-F9B6FAE828C4}" type="sibTrans" cxnId="{907908C8-F377-4C48-8EF5-C8EC0C39C8CF}">
+      <dgm:prSet custT="1"/>
+      <dgm:spPr/>
+      <dgm:t>
+        <a:bodyPr/>
+        <a:lstStyle/>
+        <a:p>
+          <a:r>
+            <a:rPr lang="en-US" sz="1600" b="1" dirty="0" smtClean="0"/>
+            <a:t>Research</a:t>
+          </a:r>
+          <a:endParaRPr lang="en-US" sz="1600" b="1" dirty="0"/>
+        </a:p>
+      </dgm:t>
+    </dgm:pt>
+    <dgm:pt modelId="{A491223F-358E-49D6-8F78-8022DE965B0D}" type="pres">
+      <dgm:prSet presAssocID="{56BA5EDF-58BF-473F-8D2B-11FB36314E2D}" presName="Name0" presStyleCnt="0">
+        <dgm:presLayoutVars>
+          <dgm:chMax/>
+          <dgm:chPref/>
+          <dgm:dir/>
+          <dgm:animLvl val="lvl"/>
+        </dgm:presLayoutVars>
+      </dgm:prSet>
+      <dgm:spPr/>
+    </dgm:pt>
+    <dgm:pt modelId="{DC116429-C816-4128-ACDD-09B8E641CF31}" type="pres">
+      <dgm:prSet presAssocID="{21160D63-5ADA-436E-B05D-4214A374F91E}" presName="composite" presStyleCnt="0"/>
+      <dgm:spPr/>
+    </dgm:pt>
+    <dgm:pt modelId="{9C1EDEA7-1592-40DF-9DD9-6E59AD9D546D}" type="pres">
+      <dgm:prSet presAssocID="{21160D63-5ADA-436E-B05D-4214A374F91E}" presName="Parent1" presStyleLbl="node1" presStyleIdx="0" presStyleCnt="6">
+        <dgm:presLayoutVars>
+          <dgm:chMax val="1"/>
+          <dgm:chPref val="1"/>
+          <dgm:bulletEnabled val="1"/>
+        </dgm:presLayoutVars>
+      </dgm:prSet>
+      <dgm:spPr/>
+    </dgm:pt>
+    <dgm:pt modelId="{23B37D49-8322-4F71-868C-7329FAE6F470}" type="pres">
+      <dgm:prSet presAssocID="{21160D63-5ADA-436E-B05D-4214A374F91E}" presName="Childtext1" presStyleLbl="revTx" presStyleIdx="0" presStyleCnt="3">
+        <dgm:presLayoutVars>
+          <dgm:chMax val="0"/>
+          <dgm:chPref val="0"/>
+          <dgm:bulletEnabled val="1"/>
+        </dgm:presLayoutVars>
+      </dgm:prSet>
+      <dgm:spPr/>
+      <dgm:t>
+        <a:bodyPr/>
+        <a:lstStyle/>
+        <a:p>
+          <a:endParaRPr lang="en-US"/>
+        </a:p>
+      </dgm:t>
+    </dgm:pt>
+    <dgm:pt modelId="{1E395C01-7DC2-43D6-8A43-8A81B819DE02}" type="pres">
+      <dgm:prSet presAssocID="{21160D63-5ADA-436E-B05D-4214A374F91E}" presName="BalanceSpacing" presStyleCnt="0"/>
+      <dgm:spPr/>
+    </dgm:pt>
+    <dgm:pt modelId="{FDC46CF8-2E14-4044-9672-4E05293ABF5C}" type="pres">
+      <dgm:prSet presAssocID="{21160D63-5ADA-436E-B05D-4214A374F91E}" presName="BalanceSpacing1" presStyleCnt="0"/>
+      <dgm:spPr/>
+    </dgm:pt>
+    <dgm:pt modelId="{FAF4121E-DC6E-4704-A369-883B2DE152EE}" type="pres">
+      <dgm:prSet presAssocID="{07AA2096-C85E-474E-8478-3ADC4BEF0BE4}" presName="Accent1Text" presStyleLbl="node1" presStyleIdx="1" presStyleCnt="6"/>
+      <dgm:spPr/>
+    </dgm:pt>
+    <dgm:pt modelId="{610D649F-B6FD-4EA9-AE8B-C1D8B998A3AD}" type="pres">
+      <dgm:prSet presAssocID="{07AA2096-C85E-474E-8478-3ADC4BEF0BE4}" presName="spaceBetweenRectangles" presStyleCnt="0"/>
+      <dgm:spPr/>
+    </dgm:pt>
+    <dgm:pt modelId="{B97DAFC4-0866-4111-8167-81813306579F}" type="pres">
+      <dgm:prSet presAssocID="{74BBCCF7-028A-4D2B-9EC4-225BE9601A3A}" presName="composite" presStyleCnt="0"/>
+      <dgm:spPr/>
+    </dgm:pt>
+    <dgm:pt modelId="{5ED1B9C4-9090-4931-BD20-C2F889DD74A4}" type="pres">
+      <dgm:prSet presAssocID="{74BBCCF7-028A-4D2B-9EC4-225BE9601A3A}" presName="Parent1" presStyleLbl="node1" presStyleIdx="2" presStyleCnt="6">
+        <dgm:presLayoutVars>
+          <dgm:chMax val="1"/>
+          <dgm:chPref val="1"/>
+          <dgm:bulletEnabled val="1"/>
+        </dgm:presLayoutVars>
+      </dgm:prSet>
+      <dgm:spPr/>
+    </dgm:pt>
+    <dgm:pt modelId="{5CD024DA-A67A-401A-A7A2-8AF8497D263E}" type="pres">
+      <dgm:prSet presAssocID="{74BBCCF7-028A-4D2B-9EC4-225BE9601A3A}" presName="Childtext1" presStyleLbl="revTx" presStyleIdx="1" presStyleCnt="3">
+        <dgm:presLayoutVars>
+          <dgm:chMax val="0"/>
+          <dgm:chPref val="0"/>
+          <dgm:bulletEnabled val="1"/>
+        </dgm:presLayoutVars>
+      </dgm:prSet>
+      <dgm:spPr/>
+      <dgm:t>
+        <a:bodyPr/>
+        <a:lstStyle/>
+        <a:p>
+          <a:endParaRPr lang="en-US"/>
+        </a:p>
+      </dgm:t>
+    </dgm:pt>
+    <dgm:pt modelId="{697C53E6-154B-4394-9BE5-DF01B5D63A35}" type="pres">
+      <dgm:prSet presAssocID="{74BBCCF7-028A-4D2B-9EC4-225BE9601A3A}" presName="BalanceSpacing" presStyleCnt="0"/>
+      <dgm:spPr/>
+    </dgm:pt>
+    <dgm:pt modelId="{C68902E0-90CF-4DB1-A72D-458041F55D8F}" type="pres">
+      <dgm:prSet presAssocID="{74BBCCF7-028A-4D2B-9EC4-225BE9601A3A}" presName="BalanceSpacing1" presStyleCnt="0"/>
+      <dgm:spPr/>
+    </dgm:pt>
+    <dgm:pt modelId="{890D2511-FEBB-4659-9460-A10849415735}" type="pres">
+      <dgm:prSet presAssocID="{5188578B-1561-4E0B-9934-3B53DEC5FAEA}" presName="Accent1Text" presStyleLbl="node1" presStyleIdx="3" presStyleCnt="6"/>
+      <dgm:spPr/>
+    </dgm:pt>
+    <dgm:pt modelId="{26A1D152-FA2D-40B3-A1F9-4B00A679104B}" type="pres">
+      <dgm:prSet presAssocID="{5188578B-1561-4E0B-9934-3B53DEC5FAEA}" presName="spaceBetweenRectangles" presStyleCnt="0"/>
+      <dgm:spPr/>
+    </dgm:pt>
+    <dgm:pt modelId="{9ADE5C34-BAA6-4E14-8DE8-0036A7DCDBD3}" type="pres">
+      <dgm:prSet presAssocID="{474E85CD-EBAE-412D-AA1F-8E096AE923A9}" presName="composite" presStyleCnt="0"/>
+      <dgm:spPr/>
+    </dgm:pt>
+    <dgm:pt modelId="{3C91FE4F-15D6-4207-8C20-E20F0E399C81}" type="pres">
+      <dgm:prSet presAssocID="{474E85CD-EBAE-412D-AA1F-8E096AE923A9}" presName="Parent1" presStyleLbl="node1" presStyleIdx="4" presStyleCnt="6">
+        <dgm:presLayoutVars>
+          <dgm:chMax val="1"/>
+          <dgm:chPref val="1"/>
+          <dgm:bulletEnabled val="1"/>
+        </dgm:presLayoutVars>
+      </dgm:prSet>
+      <dgm:spPr/>
+      <dgm:t>
+        <a:bodyPr/>
+        <a:lstStyle/>
+        <a:p>
+          <a:endParaRPr lang="en-US"/>
+        </a:p>
+      </dgm:t>
+    </dgm:pt>
+    <dgm:pt modelId="{AC78BB7B-8EE1-444E-9DB5-6DA471229279}" type="pres">
+      <dgm:prSet presAssocID="{474E85CD-EBAE-412D-AA1F-8E096AE923A9}" presName="Childtext1" presStyleLbl="revTx" presStyleIdx="2" presStyleCnt="3">
+        <dgm:presLayoutVars>
+          <dgm:chMax val="0"/>
+          <dgm:chPref val="0"/>
+          <dgm:bulletEnabled val="1"/>
+        </dgm:presLayoutVars>
+      </dgm:prSet>
+      <dgm:spPr/>
+      <dgm:t>
+        <a:bodyPr/>
+        <a:lstStyle/>
+        <a:p>
+          <a:endParaRPr lang="en-US"/>
+        </a:p>
+      </dgm:t>
+    </dgm:pt>
+    <dgm:pt modelId="{7C88BA96-0DDB-4F56-BAAC-5167128D25B6}" type="pres">
+      <dgm:prSet presAssocID="{474E85CD-EBAE-412D-AA1F-8E096AE923A9}" presName="BalanceSpacing" presStyleCnt="0"/>
+      <dgm:spPr/>
+    </dgm:pt>
+    <dgm:pt modelId="{BE123588-E2C5-40F4-AE8D-F566444173A0}" type="pres">
+      <dgm:prSet presAssocID="{474E85CD-EBAE-412D-AA1F-8E096AE923A9}" presName="BalanceSpacing1" presStyleCnt="0"/>
+      <dgm:spPr/>
+    </dgm:pt>
+    <dgm:pt modelId="{C9B6C57C-AE93-4A54-8469-CF35ECA8BA37}" type="pres">
+      <dgm:prSet presAssocID="{66ECAF83-E0C8-4C2F-8084-F9B6FAE828C4}" presName="Accent1Text" presStyleLbl="node1" presStyleIdx="5" presStyleCnt="6"/>
+      <dgm:spPr/>
+    </dgm:pt>
+  </dgm:ptLst>
+  <dgm:cxnLst>
+    <dgm:cxn modelId="{086596DF-C6B8-4D2C-ABA7-06ACCB6727DE}" type="presOf" srcId="{474E85CD-EBAE-412D-AA1F-8E096AE923A9}" destId="{3C91FE4F-15D6-4207-8C20-E20F0E399C81}" srcOrd="0" destOrd="0" presId="urn:microsoft.com/office/officeart/2008/layout/AlternatingHexagons"/>
+    <dgm:cxn modelId="{1F2BF697-BCF8-45F6-B89C-A04411137AA4}" type="presOf" srcId="{07AA2096-C85E-474E-8478-3ADC4BEF0BE4}" destId="{FAF4121E-DC6E-4704-A369-883B2DE152EE}" srcOrd="0" destOrd="0" presId="urn:microsoft.com/office/officeart/2008/layout/AlternatingHexagons"/>
+    <dgm:cxn modelId="{D556860B-FA93-4B1A-94AC-7265F4A429A4}" srcId="{56BA5EDF-58BF-473F-8D2B-11FB36314E2D}" destId="{74BBCCF7-028A-4D2B-9EC4-225BE9601A3A}" srcOrd="1" destOrd="0" parTransId="{E67D75E4-B105-4AFB-BCF0-C5597FB2E235}" sibTransId="{5188578B-1561-4E0B-9934-3B53DEC5FAEA}"/>
+    <dgm:cxn modelId="{A32057D2-1172-4138-B6B6-058D257F31EC}" srcId="{56BA5EDF-58BF-473F-8D2B-11FB36314E2D}" destId="{21160D63-5ADA-436E-B05D-4214A374F91E}" srcOrd="0" destOrd="0" parTransId="{2CB5C6B7-80AE-46B5-83CF-74FD470F11A8}" sibTransId="{07AA2096-C85E-474E-8478-3ADC4BEF0BE4}"/>
+    <dgm:cxn modelId="{78730667-42C1-4775-852B-9293851EFD3D}" type="presOf" srcId="{74BBCCF7-028A-4D2B-9EC4-225BE9601A3A}" destId="{5ED1B9C4-9090-4931-BD20-C2F889DD74A4}" srcOrd="0" destOrd="0" presId="urn:microsoft.com/office/officeart/2008/layout/AlternatingHexagons"/>
+    <dgm:cxn modelId="{379BD913-2781-4221-9590-5C68550B097C}" type="presOf" srcId="{66ECAF83-E0C8-4C2F-8084-F9B6FAE828C4}" destId="{C9B6C57C-AE93-4A54-8469-CF35ECA8BA37}" srcOrd="0" destOrd="0" presId="urn:microsoft.com/office/officeart/2008/layout/AlternatingHexagons"/>
+    <dgm:cxn modelId="{1DAA1560-4496-40A9-9077-D0F8EBBC0FCB}" type="presOf" srcId="{21160D63-5ADA-436E-B05D-4214A374F91E}" destId="{9C1EDEA7-1592-40DF-9DD9-6E59AD9D546D}" srcOrd="0" destOrd="0" presId="urn:microsoft.com/office/officeart/2008/layout/AlternatingHexagons"/>
+    <dgm:cxn modelId="{6194B816-1DD2-449F-B184-EE9F594D9B3A}" type="presOf" srcId="{56BA5EDF-58BF-473F-8D2B-11FB36314E2D}" destId="{A491223F-358E-49D6-8F78-8022DE965B0D}" srcOrd="0" destOrd="0" presId="urn:microsoft.com/office/officeart/2008/layout/AlternatingHexagons"/>
+    <dgm:cxn modelId="{907908C8-F377-4C48-8EF5-C8EC0C39C8CF}" srcId="{56BA5EDF-58BF-473F-8D2B-11FB36314E2D}" destId="{474E85CD-EBAE-412D-AA1F-8E096AE923A9}" srcOrd="2" destOrd="0" parTransId="{7B759DA0-F34E-40E4-88A0-7654AD4F419E}" sibTransId="{66ECAF83-E0C8-4C2F-8084-F9B6FAE828C4}"/>
+    <dgm:cxn modelId="{988169D9-9388-4545-8D5F-E41B8A30FE64}" type="presOf" srcId="{5188578B-1561-4E0B-9934-3B53DEC5FAEA}" destId="{890D2511-FEBB-4659-9460-A10849415735}" srcOrd="0" destOrd="0" presId="urn:microsoft.com/office/officeart/2008/layout/AlternatingHexagons"/>
+    <dgm:cxn modelId="{C8CAB5AB-4D9D-48BF-8E31-6DCD25FB5B50}" type="presParOf" srcId="{A491223F-358E-49D6-8F78-8022DE965B0D}" destId="{DC116429-C816-4128-ACDD-09B8E641CF31}" srcOrd="0" destOrd="0" presId="urn:microsoft.com/office/officeart/2008/layout/AlternatingHexagons"/>
+    <dgm:cxn modelId="{293DEAFB-5D12-4202-9AE2-03FEE08AAFF3}" type="presParOf" srcId="{DC116429-C816-4128-ACDD-09B8E641CF31}" destId="{9C1EDEA7-1592-40DF-9DD9-6E59AD9D546D}" srcOrd="0" destOrd="0" presId="urn:microsoft.com/office/officeart/2008/layout/AlternatingHexagons"/>
+    <dgm:cxn modelId="{25CFA2CA-759A-4A22-A0BB-8DC008749F60}" type="presParOf" srcId="{DC116429-C816-4128-ACDD-09B8E641CF31}" destId="{23B37D49-8322-4F71-868C-7329FAE6F470}" srcOrd="1" destOrd="0" presId="urn:microsoft.com/office/officeart/2008/layout/AlternatingHexagons"/>
+    <dgm:cxn modelId="{59E1F65B-AA21-437C-A346-81FFEAC2FE59}" type="presParOf" srcId="{DC116429-C816-4128-ACDD-09B8E641CF31}" destId="{1E395C01-7DC2-43D6-8A43-8A81B819DE02}" srcOrd="2" destOrd="0" presId="urn:microsoft.com/office/officeart/2008/layout/AlternatingHexagons"/>
+    <dgm:cxn modelId="{BF2ADAD7-C026-4CBF-9E64-4652AEBD5CA2}" type="presParOf" srcId="{DC116429-C816-4128-ACDD-09B8E641CF31}" destId="{FDC46CF8-2E14-4044-9672-4E05293ABF5C}" srcOrd="3" destOrd="0" presId="urn:microsoft.com/office/officeart/2008/layout/AlternatingHexagons"/>
+    <dgm:cxn modelId="{18604843-5178-4F2C-96D2-1185FEB5AE96}" type="presParOf" srcId="{DC116429-C816-4128-ACDD-09B8E641CF31}" destId="{FAF4121E-DC6E-4704-A369-883B2DE152EE}" srcOrd="4" destOrd="0" presId="urn:microsoft.com/office/officeart/2008/layout/AlternatingHexagons"/>
+    <dgm:cxn modelId="{B370B89A-6DF4-46C0-B0EF-ABA1E5ADC9A0}" type="presParOf" srcId="{A491223F-358E-49D6-8F78-8022DE965B0D}" destId="{610D649F-B6FD-4EA9-AE8B-C1D8B998A3AD}" srcOrd="1" destOrd="0" presId="urn:microsoft.com/office/officeart/2008/layout/AlternatingHexagons"/>
+    <dgm:cxn modelId="{9FC4E404-0D76-43D0-ADB7-A0A230AA6907}" type="presParOf" srcId="{A491223F-358E-49D6-8F78-8022DE965B0D}" destId="{B97DAFC4-0866-4111-8167-81813306579F}" srcOrd="2" destOrd="0" presId="urn:microsoft.com/office/officeart/2008/layout/AlternatingHexagons"/>
+    <dgm:cxn modelId="{2D72CE5E-0351-4442-B178-F8BD93A57ED9}" type="presParOf" srcId="{B97DAFC4-0866-4111-8167-81813306579F}" destId="{5ED1B9C4-9090-4931-BD20-C2F889DD74A4}" srcOrd="0" destOrd="0" presId="urn:microsoft.com/office/officeart/2008/layout/AlternatingHexagons"/>
+    <dgm:cxn modelId="{0B1FAE7F-F051-4318-8959-F9CCDA2C5A71}" type="presParOf" srcId="{B97DAFC4-0866-4111-8167-81813306579F}" destId="{5CD024DA-A67A-401A-A7A2-8AF8497D263E}" srcOrd="1" destOrd="0" presId="urn:microsoft.com/office/officeart/2008/layout/AlternatingHexagons"/>
+    <dgm:cxn modelId="{292C1532-4A9F-44EC-9B3A-2B557389BDC3}" type="presParOf" srcId="{B97DAFC4-0866-4111-8167-81813306579F}" destId="{697C53E6-154B-4394-9BE5-DF01B5D63A35}" srcOrd="2" destOrd="0" presId="urn:microsoft.com/office/officeart/2008/layout/AlternatingHexagons"/>
+    <dgm:cxn modelId="{26F26B98-D787-46C0-8AA1-929793515709}" type="presParOf" srcId="{B97DAFC4-0866-4111-8167-81813306579F}" destId="{C68902E0-90CF-4DB1-A72D-458041F55D8F}" srcOrd="3" destOrd="0" presId="urn:microsoft.com/office/officeart/2008/layout/AlternatingHexagons"/>
+    <dgm:cxn modelId="{3B336D10-04CA-4C58-A789-39B799655352}" type="presParOf" srcId="{B97DAFC4-0866-4111-8167-81813306579F}" destId="{890D2511-FEBB-4659-9460-A10849415735}" srcOrd="4" destOrd="0" presId="urn:microsoft.com/office/officeart/2008/layout/AlternatingHexagons"/>
+    <dgm:cxn modelId="{7BA0E4BB-2C88-4C61-9C6F-A53F030C2249}" type="presParOf" srcId="{A491223F-358E-49D6-8F78-8022DE965B0D}" destId="{26A1D152-FA2D-40B3-A1F9-4B00A679104B}" srcOrd="3" destOrd="0" presId="urn:microsoft.com/office/officeart/2008/layout/AlternatingHexagons"/>
+    <dgm:cxn modelId="{F6D93E32-AE81-445F-89B7-14C924C8B232}" type="presParOf" srcId="{A491223F-358E-49D6-8F78-8022DE965B0D}" destId="{9ADE5C34-BAA6-4E14-8DE8-0036A7DCDBD3}" srcOrd="4" destOrd="0" presId="urn:microsoft.com/office/officeart/2008/layout/AlternatingHexagons"/>
+    <dgm:cxn modelId="{D28057BB-522F-4233-B460-B706F00635E4}" type="presParOf" srcId="{9ADE5C34-BAA6-4E14-8DE8-0036A7DCDBD3}" destId="{3C91FE4F-15D6-4207-8C20-E20F0E399C81}" srcOrd="0" destOrd="0" presId="urn:microsoft.com/office/officeart/2008/layout/AlternatingHexagons"/>
+    <dgm:cxn modelId="{2530D093-82B1-4E1E-9C8D-7B31A50076D4}" type="presParOf" srcId="{9ADE5C34-BAA6-4E14-8DE8-0036A7DCDBD3}" destId="{AC78BB7B-8EE1-444E-9DB5-6DA471229279}" srcOrd="1" destOrd="0" presId="urn:microsoft.com/office/officeart/2008/layout/AlternatingHexagons"/>
+    <dgm:cxn modelId="{305E5372-EA1A-4D39-B2E7-8D57EAE25ACA}" type="presParOf" srcId="{9ADE5C34-BAA6-4E14-8DE8-0036A7DCDBD3}" destId="{7C88BA96-0DDB-4F56-BAAC-5167128D25B6}" srcOrd="2" destOrd="0" presId="urn:microsoft.com/office/officeart/2008/layout/AlternatingHexagons"/>
+    <dgm:cxn modelId="{2E13E3D7-7910-44C1-8844-C0FAB0B2AE9A}" type="presParOf" srcId="{9ADE5C34-BAA6-4E14-8DE8-0036A7DCDBD3}" destId="{BE123588-E2C5-40F4-AE8D-F566444173A0}" srcOrd="3" destOrd="0" presId="urn:microsoft.com/office/officeart/2008/layout/AlternatingHexagons"/>
+    <dgm:cxn modelId="{40F7A1FD-55F0-4214-88F9-21E924105A8B}" type="presParOf" srcId="{9ADE5C34-BAA6-4E14-8DE8-0036A7DCDBD3}" destId="{C9B6C57C-AE93-4A54-8469-CF35ECA8BA37}" srcOrd="4" destOrd="0" presId="urn:microsoft.com/office/officeart/2008/layout/AlternatingHexagons"/>
+  </dgm:cxnLst>
+  <dgm:bg/>
+  <dgm:whole/>
+  <dgm:extLst>
+    <a:ext uri="http://schemas.microsoft.com/office/drawing/2008/diagram">
+      <dsp:dataModelExt xmlns:dsp="http://schemas.microsoft.com/office/drawing/2008/diagram" relId="rId6" minVer="http://schemas.openxmlformats.org/drawingml/2006/diagram"/>
+    </a:ext>
+  </dgm:extLst>
+</dgm:dataModel>
+</file>
+
+<file path=ppt/diagrams/drawing1.xml><?xml version="1.0" encoding="utf-8"?>
+<dsp:drawing xmlns:dgm="http://schemas.openxmlformats.org/drawingml/2006/diagram" xmlns:dsp="http://schemas.microsoft.com/office/drawing/2008/diagram" xmlns:a="http://schemas.openxmlformats.org/drawingml/2006/main">
+  <dsp:spTree>
+    <dsp:nvGrpSpPr>
+      <dsp:cNvPr id="0" name=""/>
+      <dsp:cNvGrpSpPr/>
+    </dsp:nvGrpSpPr>
+    <dsp:grpSpPr/>
+    <dsp:sp modelId="{3DDDD0AC-7C0B-4F24-96A2-9DCA069420A2}">
+      <dsp:nvSpPr>
+        <dsp:cNvPr id="0" name=""/>
+        <dsp:cNvSpPr/>
+      </dsp:nvSpPr>
+      <dsp:spPr>
+        <a:xfrm>
+          <a:off x="457199" y="0"/>
+          <a:ext cx="5181600" cy="4064000"/>
+        </a:xfrm>
+        <a:prstGeom prst="rightArrow">
+          <a:avLst/>
+        </a:prstGeom>
+        <a:solidFill>
+          <a:schemeClr val="accent1">
+            <a:tint val="40000"/>
+            <a:hueOff val="0"/>
+            <a:satOff val="0"/>
+            <a:lumOff val="0"/>
+            <a:alphaOff val="0"/>
+          </a:schemeClr>
+        </a:solidFill>
+        <a:ln>
+          <a:noFill/>
+        </a:ln>
+        <a:effectLst/>
+      </dsp:spPr>
+      <dsp:style>
+        <a:lnRef idx="0">
+          <a:scrgbClr r="0" g="0" b="0"/>
+        </a:lnRef>
+        <a:fillRef idx="1">
+          <a:scrgbClr r="0" g="0" b="0"/>
+        </a:fillRef>
+        <a:effectRef idx="0">
+          <a:scrgbClr r="0" g="0" b="0"/>
+        </a:effectRef>
+        <a:fontRef idx="minor"/>
+      </dsp:style>
+    </dsp:sp>
+    <dsp:sp modelId="{AB319DF8-46C8-4C08-B751-D0FB6E2AD60A}">
+      <dsp:nvSpPr>
+        <dsp:cNvPr id="0" name=""/>
+        <dsp:cNvSpPr/>
+      </dsp:nvSpPr>
+      <dsp:spPr>
+        <a:xfrm>
+          <a:off x="2688" y="1219199"/>
+          <a:ext cx="1417285" cy="1625600"/>
+        </a:xfrm>
+        <a:prstGeom prst="roundRect">
+          <a:avLst/>
+        </a:prstGeom>
+        <a:solidFill>
+          <a:schemeClr val="accent1">
+            <a:hueOff val="0"/>
+            <a:satOff val="0"/>
+            <a:lumOff val="0"/>
+            <a:alphaOff val="0"/>
+          </a:schemeClr>
+        </a:solidFill>
+        <a:ln w="12700" cap="flat" cmpd="sng" algn="ctr">
+          <a:solidFill>
+            <a:schemeClr val="lt1">
+              <a:hueOff val="0"/>
+              <a:satOff val="0"/>
+              <a:lumOff val="0"/>
+              <a:alphaOff val="0"/>
+            </a:schemeClr>
+          </a:solidFill>
+          <a:prstDash val="solid"/>
+          <a:miter lim="800000"/>
+        </a:ln>
+        <a:effectLst/>
+      </dsp:spPr>
+      <dsp:style>
+        <a:lnRef idx="2">
+          <a:scrgbClr r="0" g="0" b="0"/>
+        </a:lnRef>
+        <a:fillRef idx="1">
+          <a:scrgbClr r="0" g="0" b="0"/>
+        </a:fillRef>
+        <a:effectRef idx="0">
+          <a:scrgbClr r="0" g="0" b="0"/>
+        </a:effectRef>
+        <a:fontRef idx="minor">
+          <a:schemeClr val="lt1"/>
+        </a:fontRef>
+      </dsp:style>
+      <dsp:txBody>
+        <a:bodyPr spcFirstLastPara="0" vert="horz" wrap="square" lIns="106680" tIns="106680" rIns="106680" bIns="106680" numCol="1" spcCol="1270" anchor="ctr" anchorCtr="0">
+          <a:noAutofit/>
+        </a:bodyPr>
+        <a:lstStyle/>
+        <a:p>
+          <a:pPr lvl="0" algn="ctr" defTabSz="1244600">
+            <a:lnSpc>
+              <a:spcPct val="90000"/>
+            </a:lnSpc>
+            <a:spcBef>
+              <a:spcPct val="0"/>
+            </a:spcBef>
+            <a:spcAft>
+              <a:spcPct val="35000"/>
+            </a:spcAft>
+          </a:pPr>
+          <a:r>
+            <a:rPr lang="en-US" sz="2800" b="1" kern="1200" dirty="0" smtClean="0"/>
+            <a:t>Listen</a:t>
+          </a:r>
+          <a:endParaRPr lang="en-US" sz="2800" b="1" kern="1200" dirty="0"/>
+        </a:p>
+      </dsp:txBody>
+      <dsp:txXfrm>
+        <a:off x="71874" y="1288385"/>
+        <a:ext cx="1278913" cy="1487228"/>
+      </dsp:txXfrm>
+    </dsp:sp>
+    <dsp:sp modelId="{B3AF3B0E-5F24-4657-8BF4-0968F3D3B890}">
+      <dsp:nvSpPr>
+        <dsp:cNvPr id="0" name=""/>
+        <dsp:cNvSpPr/>
+      </dsp:nvSpPr>
+      <dsp:spPr>
+        <a:xfrm>
+          <a:off x="1560467" y="1219199"/>
+          <a:ext cx="1417285" cy="1625600"/>
+        </a:xfrm>
+        <a:prstGeom prst="roundRect">
+          <a:avLst/>
+        </a:prstGeom>
+        <a:solidFill>
+          <a:schemeClr val="accent1">
+            <a:hueOff val="0"/>
+            <a:satOff val="0"/>
+            <a:lumOff val="0"/>
+            <a:alphaOff val="0"/>
+          </a:schemeClr>
+        </a:solidFill>
+        <a:ln w="12700" cap="flat" cmpd="sng" algn="ctr">
+          <a:solidFill>
+            <a:schemeClr val="lt1">
+              <a:hueOff val="0"/>
+              <a:satOff val="0"/>
+              <a:lumOff val="0"/>
+              <a:alphaOff val="0"/>
+            </a:schemeClr>
+          </a:solidFill>
+          <a:prstDash val="solid"/>
+          <a:miter lim="800000"/>
+        </a:ln>
+        <a:effectLst/>
+      </dsp:spPr>
+      <dsp:style>
+        <a:lnRef idx="2">
+          <a:scrgbClr r="0" g="0" b="0"/>
+        </a:lnRef>
+        <a:fillRef idx="1">
+          <a:scrgbClr r="0" g="0" b="0"/>
+        </a:fillRef>
+        <a:effectRef idx="0">
+          <a:scrgbClr r="0" g="0" b="0"/>
+        </a:effectRef>
+        <a:fontRef idx="minor">
+          <a:schemeClr val="lt1"/>
+        </a:fontRef>
+      </dsp:style>
+      <dsp:txBody>
+        <a:bodyPr spcFirstLastPara="0" vert="horz" wrap="square" lIns="106680" tIns="106680" rIns="106680" bIns="106680" numCol="1" spcCol="1270" anchor="ctr" anchorCtr="0">
+          <a:noAutofit/>
+        </a:bodyPr>
+        <a:lstStyle/>
+        <a:p>
+          <a:pPr lvl="0" algn="ctr" defTabSz="1244600">
+            <a:lnSpc>
+              <a:spcPct val="90000"/>
+            </a:lnSpc>
+            <a:spcBef>
+              <a:spcPct val="0"/>
+            </a:spcBef>
+            <a:spcAft>
+              <a:spcPct val="35000"/>
+            </a:spcAft>
+          </a:pPr>
+          <a:r>
+            <a:rPr lang="en-US" sz="2800" b="1" kern="1200" dirty="0" smtClean="0"/>
+            <a:t>Design</a:t>
+          </a:r>
+          <a:endParaRPr lang="en-US" sz="2800" b="1" kern="1200" dirty="0"/>
+        </a:p>
+      </dsp:txBody>
+      <dsp:txXfrm>
+        <a:off x="1629653" y="1288385"/>
+        <a:ext cx="1278913" cy="1487228"/>
+      </dsp:txXfrm>
+    </dsp:sp>
+    <dsp:sp modelId="{302B0953-CE52-428B-86F5-EC7D7DFB5516}">
+      <dsp:nvSpPr>
+        <dsp:cNvPr id="0" name=""/>
+        <dsp:cNvSpPr/>
+      </dsp:nvSpPr>
+      <dsp:spPr>
+        <a:xfrm>
+          <a:off x="3118246" y="1219199"/>
+          <a:ext cx="1417285" cy="1625600"/>
+        </a:xfrm>
+        <a:prstGeom prst="roundRect">
+          <a:avLst/>
+        </a:prstGeom>
+        <a:solidFill>
+          <a:schemeClr val="accent1">
+            <a:hueOff val="0"/>
+            <a:satOff val="0"/>
+            <a:lumOff val="0"/>
+            <a:alphaOff val="0"/>
+          </a:schemeClr>
+        </a:solidFill>
+        <a:ln w="12700" cap="flat" cmpd="sng" algn="ctr">
+          <a:solidFill>
+            <a:schemeClr val="lt1">
+              <a:hueOff val="0"/>
+              <a:satOff val="0"/>
+              <a:lumOff val="0"/>
+              <a:alphaOff val="0"/>
+            </a:schemeClr>
+          </a:solidFill>
+          <a:prstDash val="solid"/>
+          <a:miter lim="800000"/>
+        </a:ln>
+        <a:effectLst/>
+      </dsp:spPr>
+      <dsp:style>
+        <a:lnRef idx="2">
+          <a:scrgbClr r="0" g="0" b="0"/>
+        </a:lnRef>
+        <a:fillRef idx="1">
+          <a:scrgbClr r="0" g="0" b="0"/>
+        </a:fillRef>
+        <a:effectRef idx="0">
+          <a:scrgbClr r="0" g="0" b="0"/>
+        </a:effectRef>
+        <a:fontRef idx="minor">
+          <a:schemeClr val="lt1"/>
+        </a:fontRef>
+      </dsp:style>
+      <dsp:txBody>
+        <a:bodyPr spcFirstLastPara="0" vert="horz" wrap="square" lIns="106680" tIns="106680" rIns="106680" bIns="106680" numCol="1" spcCol="1270" anchor="ctr" anchorCtr="0">
+          <a:noAutofit/>
+        </a:bodyPr>
+        <a:lstStyle/>
+        <a:p>
+          <a:pPr lvl="0" algn="ctr" defTabSz="1244600">
+            <a:lnSpc>
+              <a:spcPct val="90000"/>
+            </a:lnSpc>
+            <a:spcBef>
+              <a:spcPct val="0"/>
+            </a:spcBef>
+            <a:spcAft>
+              <a:spcPct val="35000"/>
+            </a:spcAft>
+          </a:pPr>
+          <a:r>
+            <a:rPr lang="en-US" sz="2800" b="1" kern="1200" dirty="0" smtClean="0"/>
+            <a:t>Field</a:t>
+          </a:r>
+          <a:endParaRPr lang="en-US" sz="2800" b="1" kern="1200" dirty="0"/>
+        </a:p>
+      </dsp:txBody>
+      <dsp:txXfrm>
+        <a:off x="3187432" y="1288385"/>
+        <a:ext cx="1278913" cy="1487228"/>
+      </dsp:txXfrm>
+    </dsp:sp>
+    <dsp:sp modelId="{A204AEDF-4D2B-4962-9516-B301D710418A}">
+      <dsp:nvSpPr>
+        <dsp:cNvPr id="0" name=""/>
+        <dsp:cNvSpPr/>
+      </dsp:nvSpPr>
+      <dsp:spPr>
+        <a:xfrm>
+          <a:off x="4676026" y="1219199"/>
+          <a:ext cx="1417285" cy="1625600"/>
+        </a:xfrm>
+        <a:prstGeom prst="roundRect">
+          <a:avLst/>
+        </a:prstGeom>
+        <a:solidFill>
+          <a:schemeClr val="accent1">
+            <a:hueOff val="0"/>
+            <a:satOff val="0"/>
+            <a:lumOff val="0"/>
+            <a:alphaOff val="0"/>
+          </a:schemeClr>
+        </a:solidFill>
+        <a:ln w="12700" cap="flat" cmpd="sng" algn="ctr">
+          <a:solidFill>
+            <a:schemeClr val="lt1">
+              <a:hueOff val="0"/>
+              <a:satOff val="0"/>
+              <a:lumOff val="0"/>
+              <a:alphaOff val="0"/>
+            </a:schemeClr>
+          </a:solidFill>
+          <a:prstDash val="solid"/>
+          <a:miter lim="800000"/>
+        </a:ln>
+        <a:effectLst/>
+      </dsp:spPr>
+      <dsp:style>
+        <a:lnRef idx="2">
+          <a:scrgbClr r="0" g="0" b="0"/>
+        </a:lnRef>
+        <a:fillRef idx="1">
+          <a:scrgbClr r="0" g="0" b="0"/>
+        </a:fillRef>
+        <a:effectRef idx="0">
+          <a:scrgbClr r="0" g="0" b="0"/>
+        </a:effectRef>
+        <a:fontRef idx="minor">
+          <a:schemeClr val="lt1"/>
+        </a:fontRef>
+      </dsp:style>
+      <dsp:txBody>
+        <a:bodyPr spcFirstLastPara="0" vert="horz" wrap="square" lIns="106680" tIns="106680" rIns="106680" bIns="106680" numCol="1" spcCol="1270" anchor="ctr" anchorCtr="0">
+          <a:noAutofit/>
+        </a:bodyPr>
+        <a:lstStyle/>
+        <a:p>
+          <a:pPr lvl="0" algn="ctr" defTabSz="1244600">
+            <a:lnSpc>
+              <a:spcPct val="90000"/>
+            </a:lnSpc>
+            <a:spcBef>
+              <a:spcPct val="0"/>
+            </a:spcBef>
+            <a:spcAft>
+              <a:spcPct val="35000"/>
+            </a:spcAft>
+          </a:pPr>
+          <a:r>
+            <a:rPr lang="en-US" sz="2800" b="1" kern="1200" dirty="0" smtClean="0"/>
+            <a:t>Map</a:t>
+          </a:r>
+          <a:endParaRPr lang="en-US" sz="2800" b="1" kern="1200" dirty="0"/>
+        </a:p>
+      </dsp:txBody>
+      <dsp:txXfrm>
+        <a:off x="4745212" y="1288385"/>
+        <a:ext cx="1278913" cy="1487228"/>
+      </dsp:txXfrm>
+    </dsp:sp>
+  </dsp:spTree>
+</dsp:drawing>
+</file>
+
+<file path=ppt/diagrams/drawing2.xml><?xml version="1.0" encoding="utf-8"?>
+<dsp:drawing xmlns:dgm="http://schemas.openxmlformats.org/drawingml/2006/diagram" xmlns:dsp="http://schemas.microsoft.com/office/drawing/2008/diagram" xmlns:a="http://schemas.openxmlformats.org/drawingml/2006/main">
+  <dsp:spTree>
+    <dsp:nvGrpSpPr>
+      <dsp:cNvPr id="0" name=""/>
+      <dsp:cNvGrpSpPr/>
+    </dsp:nvGrpSpPr>
+    <dsp:grpSpPr/>
+    <dsp:sp modelId="{9C1EDEA7-1592-40DF-9DD9-6E59AD9D546D}">
+      <dsp:nvSpPr>
+        <dsp:cNvPr id="0" name=""/>
+        <dsp:cNvSpPr/>
+      </dsp:nvSpPr>
+      <dsp:spPr>
+        <a:xfrm rot="5400000">
+          <a:off x="2630104" y="97992"/>
+          <a:ext cx="1506471" cy="1310630"/>
+        </a:xfrm>
+        <a:prstGeom prst="hexagon">
+          <a:avLst>
+            <a:gd name="adj" fmla="val 25000"/>
+            <a:gd name="vf" fmla="val 115470"/>
+          </a:avLst>
+        </a:prstGeom>
+        <a:gradFill rotWithShape="0">
+          <a:gsLst>
+            <a:gs pos="0">
+              <a:schemeClr val="accent1">
+                <a:hueOff val="0"/>
+                <a:satOff val="0"/>
+                <a:lumOff val="0"/>
+                <a:alphaOff val="0"/>
+                <a:satMod val="103000"/>
+                <a:lumMod val="102000"/>
+                <a:tint val="94000"/>
+              </a:schemeClr>
+            </a:gs>
+            <a:gs pos="50000">
+              <a:schemeClr val="accent1">
+                <a:hueOff val="0"/>
+                <a:satOff val="0"/>
+                <a:lumOff val="0"/>
+                <a:alphaOff val="0"/>
+                <a:satMod val="110000"/>
+                <a:lumMod val="100000"/>
+                <a:shade val="100000"/>
+              </a:schemeClr>
+            </a:gs>
+            <a:gs pos="100000">
+              <a:schemeClr val="accent1">
+                <a:hueOff val="0"/>
+                <a:satOff val="0"/>
+                <a:lumOff val="0"/>
+                <a:alphaOff val="0"/>
+                <a:lumMod val="99000"/>
+                <a:satMod val="120000"/>
+                <a:shade val="78000"/>
+              </a:schemeClr>
+            </a:gs>
+          </a:gsLst>
+          <a:lin ang="5400000" scaled="0"/>
+        </a:gradFill>
+        <a:ln>
+          <a:noFill/>
+        </a:ln>
+        <a:effectLst>
+          <a:outerShdw blurRad="57150" dist="19050" dir="5400000" algn="ctr" rotWithShape="0">
+            <a:srgbClr val="000000">
+              <a:alpha val="63000"/>
+            </a:srgbClr>
+          </a:outerShdw>
+        </a:effectLst>
+      </dsp:spPr>
+      <dsp:style>
+        <a:lnRef idx="0">
+          <a:scrgbClr r="0" g="0" b="0"/>
+        </a:lnRef>
+        <a:fillRef idx="3">
+          <a:scrgbClr r="0" g="0" b="0"/>
+        </a:fillRef>
+        <a:effectRef idx="3">
+          <a:scrgbClr r="0" g="0" b="0"/>
+        </a:effectRef>
+        <a:fontRef idx="minor">
+          <a:schemeClr val="lt1"/>
+        </a:fontRef>
+      </dsp:style>
+      <dsp:txBody>
+        <a:bodyPr spcFirstLastPara="0" vert="horz" wrap="square" lIns="60960" tIns="60960" rIns="60960" bIns="60960" numCol="1" spcCol="1270" anchor="ctr" anchorCtr="0">
+          <a:noAutofit/>
+        </a:bodyPr>
+        <a:lstStyle/>
+        <a:p>
+          <a:pPr lvl="0" algn="ctr" defTabSz="711200">
+            <a:lnSpc>
+              <a:spcPct val="90000"/>
+            </a:lnSpc>
+            <a:spcBef>
+              <a:spcPct val="0"/>
+            </a:spcBef>
+            <a:spcAft>
+              <a:spcPct val="35000"/>
+            </a:spcAft>
+          </a:pPr>
+          <a:r>
+            <a:rPr lang="en-US" sz="1600" b="1" kern="1200" dirty="0" smtClean="0"/>
+            <a:t>Train</a:t>
+          </a:r>
+          <a:endParaRPr lang="en-US" sz="1600" b="1" kern="1200" dirty="0"/>
+        </a:p>
+      </dsp:txBody>
+      <dsp:txXfrm rot="-5400000">
+        <a:off x="2932264" y="234830"/>
+        <a:ext cx="902150" cy="1036955"/>
+      </dsp:txXfrm>
+    </dsp:sp>
+    <dsp:sp modelId="{23B37D49-8322-4F71-868C-7329FAE6F470}">
+      <dsp:nvSpPr>
+        <dsp:cNvPr id="0" name=""/>
+        <dsp:cNvSpPr/>
+      </dsp:nvSpPr>
+      <dsp:spPr>
+        <a:xfrm>
+          <a:off x="4078426" y="301365"/>
+          <a:ext cx="1681222" cy="903882"/>
+        </a:xfrm>
+        <a:prstGeom prst="rect">
+          <a:avLst/>
+        </a:prstGeom>
+        <a:noFill/>
+        <a:ln>
+          <a:noFill/>
+        </a:ln>
+        <a:effectLst/>
+      </dsp:spPr>
+      <dsp:style>
+        <a:lnRef idx="0">
+          <a:scrgbClr r="0" g="0" b="0"/>
+        </a:lnRef>
+        <a:fillRef idx="0">
+          <a:scrgbClr r="0" g="0" b="0"/>
+        </a:fillRef>
+        <a:effectRef idx="0">
+          <a:scrgbClr r="0" g="0" b="0"/>
+        </a:effectRef>
+        <a:fontRef idx="minor"/>
+      </dsp:style>
+    </dsp:sp>
+    <dsp:sp modelId="{FAF4121E-DC6E-4704-A369-883B2DE152EE}">
+      <dsp:nvSpPr>
+        <dsp:cNvPr id="0" name=""/>
+        <dsp:cNvSpPr/>
+      </dsp:nvSpPr>
+      <dsp:spPr>
+        <a:xfrm rot="5400000">
+          <a:off x="1214624" y="97992"/>
+          <a:ext cx="1506471" cy="1310630"/>
+        </a:xfrm>
+        <a:prstGeom prst="hexagon">
+          <a:avLst>
+            <a:gd name="adj" fmla="val 25000"/>
+            <a:gd name="vf" fmla="val 115470"/>
+          </a:avLst>
+        </a:prstGeom>
+        <a:gradFill rotWithShape="0">
+          <a:gsLst>
+            <a:gs pos="0">
+              <a:schemeClr val="accent1">
+                <a:hueOff val="0"/>
+                <a:satOff val="0"/>
+                <a:lumOff val="0"/>
+                <a:alphaOff val="0"/>
+                <a:satMod val="103000"/>
+                <a:lumMod val="102000"/>
+                <a:tint val="94000"/>
+              </a:schemeClr>
+            </a:gs>
+            <a:gs pos="50000">
+              <a:schemeClr val="accent1">
+                <a:hueOff val="0"/>
+                <a:satOff val="0"/>
+                <a:lumOff val="0"/>
+                <a:alphaOff val="0"/>
+                <a:satMod val="110000"/>
+                <a:lumMod val="100000"/>
+                <a:shade val="100000"/>
+              </a:schemeClr>
+            </a:gs>
+            <a:gs pos="100000">
+              <a:schemeClr val="accent1">
+                <a:hueOff val="0"/>
+                <a:satOff val="0"/>
+                <a:lumOff val="0"/>
+                <a:alphaOff val="0"/>
+                <a:lumMod val="99000"/>
+                <a:satMod val="120000"/>
+                <a:shade val="78000"/>
+              </a:schemeClr>
+            </a:gs>
+          </a:gsLst>
+          <a:lin ang="5400000" scaled="0"/>
+        </a:gradFill>
+        <a:ln>
+          <a:noFill/>
+        </a:ln>
+        <a:effectLst>
+          <a:outerShdw blurRad="57150" dist="19050" dir="5400000" algn="ctr" rotWithShape="0">
+            <a:srgbClr val="000000">
+              <a:alpha val="63000"/>
+            </a:srgbClr>
+          </a:outerShdw>
+        </a:effectLst>
+      </dsp:spPr>
+      <dsp:style>
+        <a:lnRef idx="0">
+          <a:scrgbClr r="0" g="0" b="0"/>
+        </a:lnRef>
+        <a:fillRef idx="3">
+          <a:scrgbClr r="0" g="0" b="0"/>
+        </a:fillRef>
+        <a:effectRef idx="3">
+          <a:scrgbClr r="0" g="0" b="0"/>
+        </a:effectRef>
+        <a:fontRef idx="minor">
+          <a:schemeClr val="lt1"/>
+        </a:fontRef>
+      </dsp:style>
+      <dsp:txBody>
+        <a:bodyPr spcFirstLastPara="0" vert="horz" wrap="square" lIns="0" tIns="0" rIns="0" bIns="0" numCol="1" spcCol="1270" anchor="ctr" anchorCtr="0">
+          <a:noAutofit/>
+        </a:bodyPr>
+        <a:lstStyle/>
+        <a:p>
+          <a:pPr lvl="0" algn="ctr" defTabSz="711200">
+            <a:lnSpc>
+              <a:spcPct val="90000"/>
+            </a:lnSpc>
+            <a:spcBef>
+              <a:spcPct val="0"/>
+            </a:spcBef>
+            <a:spcAft>
+              <a:spcPct val="35000"/>
+            </a:spcAft>
+          </a:pPr>
+          <a:r>
+            <a:rPr lang="en-US" sz="1600" b="1" kern="1200" smtClean="0"/>
+            <a:t>Open</a:t>
+          </a:r>
+          <a:endParaRPr lang="en-US" sz="1600" b="1" kern="1200"/>
+        </a:p>
+      </dsp:txBody>
+      <dsp:txXfrm rot="-5400000">
+        <a:off x="1516784" y="234830"/>
+        <a:ext cx="902150" cy="1036955"/>
+      </dsp:txXfrm>
+    </dsp:sp>
+    <dsp:sp modelId="{5ED1B9C4-9090-4931-BD20-C2F889DD74A4}">
+      <dsp:nvSpPr>
+        <dsp:cNvPr id="0" name=""/>
+        <dsp:cNvSpPr/>
+      </dsp:nvSpPr>
+      <dsp:spPr>
+        <a:xfrm rot="5400000">
+          <a:off x="1919652" y="1376684"/>
+          <a:ext cx="1506471" cy="1310630"/>
+        </a:xfrm>
+        <a:prstGeom prst="hexagon">
+          <a:avLst>
+            <a:gd name="adj" fmla="val 25000"/>
+            <a:gd name="vf" fmla="val 115470"/>
+          </a:avLst>
+        </a:prstGeom>
+        <a:gradFill rotWithShape="0">
+          <a:gsLst>
+            <a:gs pos="0">
+              <a:schemeClr val="accent1">
+                <a:hueOff val="0"/>
+                <a:satOff val="0"/>
+                <a:lumOff val="0"/>
+                <a:alphaOff val="0"/>
+                <a:satMod val="103000"/>
+                <a:lumMod val="102000"/>
+                <a:tint val="94000"/>
+              </a:schemeClr>
+            </a:gs>
+            <a:gs pos="50000">
+              <a:schemeClr val="accent1">
+                <a:hueOff val="0"/>
+                <a:satOff val="0"/>
+                <a:lumOff val="0"/>
+                <a:alphaOff val="0"/>
+                <a:satMod val="110000"/>
+                <a:lumMod val="100000"/>
+                <a:shade val="100000"/>
+              </a:schemeClr>
+            </a:gs>
+            <a:gs pos="100000">
+              <a:schemeClr val="accent1">
+                <a:hueOff val="0"/>
+                <a:satOff val="0"/>
+                <a:lumOff val="0"/>
+                <a:alphaOff val="0"/>
+                <a:lumMod val="99000"/>
+                <a:satMod val="120000"/>
+                <a:shade val="78000"/>
+              </a:schemeClr>
+            </a:gs>
+          </a:gsLst>
+          <a:lin ang="5400000" scaled="0"/>
+        </a:gradFill>
+        <a:ln>
+          <a:noFill/>
+        </a:ln>
+        <a:effectLst>
+          <a:outerShdw blurRad="57150" dist="19050" dir="5400000" algn="ctr" rotWithShape="0">
+            <a:srgbClr val="000000">
+              <a:alpha val="63000"/>
+            </a:srgbClr>
+          </a:outerShdw>
+        </a:effectLst>
+      </dsp:spPr>
+      <dsp:style>
+        <a:lnRef idx="0">
+          <a:scrgbClr r="0" g="0" b="0"/>
+        </a:lnRef>
+        <a:fillRef idx="3">
+          <a:scrgbClr r="0" g="0" b="0"/>
+        </a:fillRef>
+        <a:effectRef idx="3">
+          <a:scrgbClr r="0" g="0" b="0"/>
+        </a:effectRef>
+        <a:fontRef idx="minor">
+          <a:schemeClr val="lt1"/>
+        </a:fontRef>
+      </dsp:style>
+      <dsp:txBody>
+        <a:bodyPr spcFirstLastPara="0" vert="horz" wrap="square" lIns="60960" tIns="60960" rIns="60960" bIns="60960" numCol="1" spcCol="1270" anchor="ctr" anchorCtr="0">
+          <a:noAutofit/>
+        </a:bodyPr>
+        <a:lstStyle/>
+        <a:p>
+          <a:pPr lvl="0" algn="ctr" defTabSz="711200">
+            <a:lnSpc>
+              <a:spcPct val="90000"/>
+            </a:lnSpc>
+            <a:spcBef>
+              <a:spcPct val="0"/>
+            </a:spcBef>
+            <a:spcAft>
+              <a:spcPct val="35000"/>
+            </a:spcAft>
+          </a:pPr>
+          <a:r>
+            <a:rPr lang="en-US" sz="1600" b="1" kern="1200" dirty="0" smtClean="0"/>
+            <a:t>Mentor</a:t>
+          </a:r>
+          <a:endParaRPr lang="en-US" sz="1600" b="1" kern="1200" dirty="0"/>
+        </a:p>
+      </dsp:txBody>
+      <dsp:txXfrm rot="-5400000">
+        <a:off x="2221812" y="1513522"/>
+        <a:ext cx="902150" cy="1036955"/>
+      </dsp:txXfrm>
+    </dsp:sp>
+    <dsp:sp modelId="{5CD024DA-A67A-401A-A7A2-8AF8497D263E}">
+      <dsp:nvSpPr>
+        <dsp:cNvPr id="0" name=""/>
+        <dsp:cNvSpPr/>
+      </dsp:nvSpPr>
+      <dsp:spPr>
+        <a:xfrm>
+          <a:off x="336351" y="1580058"/>
+          <a:ext cx="1626989" cy="903882"/>
+        </a:xfrm>
+        <a:prstGeom prst="rect">
+          <a:avLst/>
+        </a:prstGeom>
+        <a:noFill/>
+        <a:ln>
+          <a:noFill/>
+        </a:ln>
+        <a:effectLst/>
+      </dsp:spPr>
+      <dsp:style>
+        <a:lnRef idx="0">
+          <a:scrgbClr r="0" g="0" b="0"/>
+        </a:lnRef>
+        <a:fillRef idx="0">
+          <a:scrgbClr r="0" g="0" b="0"/>
+        </a:fillRef>
+        <a:effectRef idx="0">
+          <a:scrgbClr r="0" g="0" b="0"/>
+        </a:effectRef>
+        <a:fontRef idx="minor"/>
+      </dsp:style>
+    </dsp:sp>
+    <dsp:sp modelId="{890D2511-FEBB-4659-9460-A10849415735}">
+      <dsp:nvSpPr>
+        <dsp:cNvPr id="0" name=""/>
+        <dsp:cNvSpPr/>
+      </dsp:nvSpPr>
+      <dsp:spPr>
+        <a:xfrm rot="5400000">
+          <a:off x="3335133" y="1376684"/>
+          <a:ext cx="1506471" cy="1310630"/>
+        </a:xfrm>
+        <a:prstGeom prst="hexagon">
+          <a:avLst>
+            <a:gd name="adj" fmla="val 25000"/>
+            <a:gd name="vf" fmla="val 115470"/>
+          </a:avLst>
+        </a:prstGeom>
+        <a:gradFill rotWithShape="0">
+          <a:gsLst>
+            <a:gs pos="0">
+              <a:schemeClr val="accent1">
+                <a:hueOff val="0"/>
+                <a:satOff val="0"/>
+                <a:lumOff val="0"/>
+                <a:alphaOff val="0"/>
+                <a:satMod val="103000"/>
+                <a:lumMod val="102000"/>
+                <a:tint val="94000"/>
+              </a:schemeClr>
+            </a:gs>
+            <a:gs pos="50000">
+              <a:schemeClr val="accent1">
+                <a:hueOff val="0"/>
+                <a:satOff val="0"/>
+                <a:lumOff val="0"/>
+                <a:alphaOff val="0"/>
+                <a:satMod val="110000"/>
+                <a:lumMod val="100000"/>
+                <a:shade val="100000"/>
+              </a:schemeClr>
+            </a:gs>
+            <a:gs pos="100000">
+              <a:schemeClr val="accent1">
+                <a:hueOff val="0"/>
+                <a:satOff val="0"/>
+                <a:lumOff val="0"/>
+                <a:alphaOff val="0"/>
+                <a:lumMod val="99000"/>
+                <a:satMod val="120000"/>
+                <a:shade val="78000"/>
+              </a:schemeClr>
+            </a:gs>
+          </a:gsLst>
+          <a:lin ang="5400000" scaled="0"/>
+        </a:gradFill>
+        <a:ln>
+          <a:noFill/>
+        </a:ln>
+        <a:effectLst>
+          <a:outerShdw blurRad="57150" dist="19050" dir="5400000" algn="ctr" rotWithShape="0">
+            <a:srgbClr val="000000">
+              <a:alpha val="63000"/>
+            </a:srgbClr>
+          </a:outerShdw>
+        </a:effectLst>
+      </dsp:spPr>
+      <dsp:style>
+        <a:lnRef idx="0">
+          <a:scrgbClr r="0" g="0" b="0"/>
+        </a:lnRef>
+        <a:fillRef idx="3">
+          <a:scrgbClr r="0" g="0" b="0"/>
+        </a:fillRef>
+        <a:effectRef idx="3">
+          <a:scrgbClr r="0" g="0" b="0"/>
+        </a:effectRef>
+        <a:fontRef idx="minor">
+          <a:schemeClr val="lt1"/>
+        </a:fontRef>
+      </dsp:style>
+      <dsp:txBody>
+        <a:bodyPr spcFirstLastPara="0" vert="horz" wrap="square" lIns="0" tIns="0" rIns="0" bIns="0" numCol="1" spcCol="1270" anchor="ctr" anchorCtr="0">
+          <a:noAutofit/>
+        </a:bodyPr>
+        <a:lstStyle/>
+        <a:p>
+          <a:pPr lvl="0" algn="ctr" defTabSz="711200">
+            <a:lnSpc>
+              <a:spcPct val="90000"/>
+            </a:lnSpc>
+            <a:spcBef>
+              <a:spcPct val="0"/>
+            </a:spcBef>
+            <a:spcAft>
+              <a:spcPct val="35000"/>
+            </a:spcAft>
+          </a:pPr>
+          <a:r>
+            <a:rPr lang="en-US" sz="1600" b="1" kern="1200" dirty="0" smtClean="0"/>
+            <a:t>Build</a:t>
+          </a:r>
+          <a:endParaRPr lang="en-US" sz="1600" b="1" kern="1200" dirty="0"/>
+        </a:p>
+      </dsp:txBody>
+      <dsp:txXfrm rot="-5400000">
+        <a:off x="3637293" y="1513522"/>
+        <a:ext cx="902150" cy="1036955"/>
+      </dsp:txXfrm>
+    </dsp:sp>
+    <dsp:sp modelId="{3C91FE4F-15D6-4207-8C20-E20F0E399C81}">
+      <dsp:nvSpPr>
+        <dsp:cNvPr id="0" name=""/>
+        <dsp:cNvSpPr/>
+      </dsp:nvSpPr>
+      <dsp:spPr>
+        <a:xfrm rot="5400000">
+          <a:off x="2630104" y="2655377"/>
+          <a:ext cx="1506471" cy="1310630"/>
+        </a:xfrm>
+        <a:prstGeom prst="hexagon">
+          <a:avLst>
+            <a:gd name="adj" fmla="val 25000"/>
+            <a:gd name="vf" fmla="val 115470"/>
+          </a:avLst>
+        </a:prstGeom>
+        <a:gradFill rotWithShape="0">
+          <a:gsLst>
+            <a:gs pos="0">
+              <a:schemeClr val="accent1">
+                <a:hueOff val="0"/>
+                <a:satOff val="0"/>
+                <a:lumOff val="0"/>
+                <a:alphaOff val="0"/>
+                <a:satMod val="103000"/>
+                <a:lumMod val="102000"/>
+                <a:tint val="94000"/>
+              </a:schemeClr>
+            </a:gs>
+            <a:gs pos="50000">
+              <a:schemeClr val="accent1">
+                <a:hueOff val="0"/>
+                <a:satOff val="0"/>
+                <a:lumOff val="0"/>
+                <a:alphaOff val="0"/>
+                <a:satMod val="110000"/>
+                <a:lumMod val="100000"/>
+                <a:shade val="100000"/>
+              </a:schemeClr>
+            </a:gs>
+            <a:gs pos="100000">
+              <a:schemeClr val="accent1">
+                <a:hueOff val="0"/>
+                <a:satOff val="0"/>
+                <a:lumOff val="0"/>
+                <a:alphaOff val="0"/>
+                <a:lumMod val="99000"/>
+                <a:satMod val="120000"/>
+                <a:shade val="78000"/>
+              </a:schemeClr>
+            </a:gs>
+          </a:gsLst>
+          <a:lin ang="5400000" scaled="0"/>
+        </a:gradFill>
+        <a:ln>
+          <a:noFill/>
+        </a:ln>
+        <a:effectLst>
+          <a:outerShdw blurRad="57150" dist="19050" dir="5400000" algn="ctr" rotWithShape="0">
+            <a:srgbClr val="000000">
+              <a:alpha val="63000"/>
+            </a:srgbClr>
+          </a:outerShdw>
+        </a:effectLst>
+      </dsp:spPr>
+      <dsp:style>
+        <a:lnRef idx="0">
+          <a:scrgbClr r="0" g="0" b="0"/>
+        </a:lnRef>
+        <a:fillRef idx="3">
+          <a:scrgbClr r="0" g="0" b="0"/>
+        </a:fillRef>
+        <a:effectRef idx="3">
+          <a:scrgbClr r="0" g="0" b="0"/>
+        </a:effectRef>
+        <a:fontRef idx="minor">
+          <a:schemeClr val="lt1"/>
+        </a:fontRef>
+      </dsp:style>
+      <dsp:txBody>
+        <a:bodyPr spcFirstLastPara="0" vert="horz" wrap="square" lIns="60960" tIns="60960" rIns="60960" bIns="60960" numCol="1" spcCol="1270" anchor="ctr" anchorCtr="0">
+          <a:noAutofit/>
+        </a:bodyPr>
+        <a:lstStyle/>
+        <a:p>
+          <a:pPr lvl="0" algn="ctr" defTabSz="711200">
+            <a:lnSpc>
+              <a:spcPct val="90000"/>
+            </a:lnSpc>
+            <a:spcBef>
+              <a:spcPct val="0"/>
+            </a:spcBef>
+            <a:spcAft>
+              <a:spcPct val="35000"/>
+            </a:spcAft>
+          </a:pPr>
+          <a:r>
+            <a:rPr lang="en-US" sz="1600" b="1" kern="1200" dirty="0" smtClean="0"/>
+            <a:t>Code</a:t>
+          </a:r>
+          <a:endParaRPr lang="en-US" sz="1600" b="1" kern="1200" dirty="0"/>
+        </a:p>
+      </dsp:txBody>
+      <dsp:txXfrm rot="-5400000">
+        <a:off x="2932264" y="2792215"/>
+        <a:ext cx="902150" cy="1036955"/>
+      </dsp:txXfrm>
+    </dsp:sp>
+    <dsp:sp modelId="{AC78BB7B-8EE1-444E-9DB5-6DA471229279}">
+      <dsp:nvSpPr>
+        <dsp:cNvPr id="0" name=""/>
+        <dsp:cNvSpPr/>
+      </dsp:nvSpPr>
+      <dsp:spPr>
+        <a:xfrm>
+          <a:off x="4078426" y="2858751"/>
+          <a:ext cx="1681222" cy="903882"/>
+        </a:xfrm>
+        <a:prstGeom prst="rect">
+          <a:avLst/>
+        </a:prstGeom>
+        <a:noFill/>
+        <a:ln>
+          <a:noFill/>
+        </a:ln>
+        <a:effectLst/>
+      </dsp:spPr>
+      <dsp:style>
+        <a:lnRef idx="0">
+          <a:scrgbClr r="0" g="0" b="0"/>
+        </a:lnRef>
+        <a:fillRef idx="0">
+          <a:scrgbClr r="0" g="0" b="0"/>
+        </a:fillRef>
+        <a:effectRef idx="0">
+          <a:scrgbClr r="0" g="0" b="0"/>
+        </a:effectRef>
+        <a:fontRef idx="minor"/>
+      </dsp:style>
+    </dsp:sp>
+    <dsp:sp modelId="{C9B6C57C-AE93-4A54-8469-CF35ECA8BA37}">
+      <dsp:nvSpPr>
+        <dsp:cNvPr id="0" name=""/>
+        <dsp:cNvSpPr/>
+      </dsp:nvSpPr>
+      <dsp:spPr>
+        <a:xfrm rot="5400000">
+          <a:off x="1214624" y="2655377"/>
+          <a:ext cx="1506471" cy="1310630"/>
+        </a:xfrm>
+        <a:prstGeom prst="hexagon">
+          <a:avLst>
+            <a:gd name="adj" fmla="val 25000"/>
+            <a:gd name="vf" fmla="val 115470"/>
+          </a:avLst>
+        </a:prstGeom>
+        <a:gradFill rotWithShape="0">
+          <a:gsLst>
+            <a:gs pos="0">
+              <a:schemeClr val="accent1">
+                <a:hueOff val="0"/>
+                <a:satOff val="0"/>
+                <a:lumOff val="0"/>
+                <a:alphaOff val="0"/>
+                <a:satMod val="103000"/>
+                <a:lumMod val="102000"/>
+                <a:tint val="94000"/>
+              </a:schemeClr>
+            </a:gs>
+            <a:gs pos="50000">
+              <a:schemeClr val="accent1">
+                <a:hueOff val="0"/>
+                <a:satOff val="0"/>
+                <a:lumOff val="0"/>
+                <a:alphaOff val="0"/>
+                <a:satMod val="110000"/>
+                <a:lumMod val="100000"/>
+                <a:shade val="100000"/>
+              </a:schemeClr>
+            </a:gs>
+            <a:gs pos="100000">
+              <a:schemeClr val="accent1">
+                <a:hueOff val="0"/>
+                <a:satOff val="0"/>
+                <a:lumOff val="0"/>
+                <a:alphaOff val="0"/>
+                <a:lumMod val="99000"/>
+                <a:satMod val="120000"/>
+                <a:shade val="78000"/>
+              </a:schemeClr>
+            </a:gs>
+          </a:gsLst>
+          <a:lin ang="5400000" scaled="0"/>
+        </a:gradFill>
+        <a:ln>
+          <a:noFill/>
+        </a:ln>
+        <a:effectLst>
+          <a:outerShdw blurRad="57150" dist="19050" dir="5400000" algn="ctr" rotWithShape="0">
+            <a:srgbClr val="000000">
+              <a:alpha val="63000"/>
+            </a:srgbClr>
+          </a:outerShdw>
+        </a:effectLst>
+      </dsp:spPr>
+      <dsp:style>
+        <a:lnRef idx="0">
+          <a:scrgbClr r="0" g="0" b="0"/>
+        </a:lnRef>
+        <a:fillRef idx="3">
+          <a:scrgbClr r="0" g="0" b="0"/>
+        </a:fillRef>
+        <a:effectRef idx="3">
+          <a:scrgbClr r="0" g="0" b="0"/>
+        </a:effectRef>
+        <a:fontRef idx="minor">
+          <a:schemeClr val="lt1"/>
+        </a:fontRef>
+      </dsp:style>
+      <dsp:txBody>
+        <a:bodyPr spcFirstLastPara="0" vert="horz" wrap="square" lIns="0" tIns="0" rIns="0" bIns="0" numCol="1" spcCol="1270" anchor="ctr" anchorCtr="0">
+          <a:noAutofit/>
+        </a:bodyPr>
+        <a:lstStyle/>
+        <a:p>
+          <a:pPr lvl="0" algn="ctr" defTabSz="711200">
+            <a:lnSpc>
+              <a:spcPct val="90000"/>
+            </a:lnSpc>
+            <a:spcBef>
+              <a:spcPct val="0"/>
+            </a:spcBef>
+            <a:spcAft>
+              <a:spcPct val="35000"/>
+            </a:spcAft>
+          </a:pPr>
+          <a:r>
+            <a:rPr lang="en-US" sz="1600" b="1" kern="1200" dirty="0" smtClean="0"/>
+            <a:t>Research</a:t>
+          </a:r>
+          <a:endParaRPr lang="en-US" sz="1600" b="1" kern="1200" dirty="0"/>
+        </a:p>
+      </dsp:txBody>
+      <dsp:txXfrm rot="-5400000">
+        <a:off x="1516784" y="2792215"/>
+        <a:ext cx="902150" cy="1036955"/>
+      </dsp:txXfrm>
+    </dsp:sp>
+  </dsp:spTree>
+</dsp:drawing>
+</file>
+
+<file path=ppt/diagrams/layout1.xml><?xml version="1.0" encoding="utf-8"?>
+<dgm:layoutDef xmlns:dgm="http://schemas.openxmlformats.org/drawingml/2006/diagram" xmlns:a="http://schemas.openxmlformats.org/drawingml/2006/main" uniqueId="urn:microsoft.com/office/officeart/2005/8/layout/hProcess9">
+  <dgm:title val=""/>
+  <dgm:desc val=""/>
+  <dgm:catLst>
+    <dgm:cat type="process" pri="5000"/>
+    <dgm:cat type="convert" pri="13000"/>
+  </dgm:catLst>
+  <dgm:sampData useDef="1">
+    <dgm:dataModel>
+      <dgm:ptLst/>
+      <dgm:bg/>
+      <dgm:whole/>
+    </dgm:dataModel>
+  </dgm:sampData>
+  <dgm:styleData>
+    <dgm:dataModel>
+      <dgm:ptLst>
+        <dgm:pt modelId="0" type="doc"/>
+        <dgm:pt modelId="1"/>
+        <dgm:pt modelId="2"/>
+      </dgm:ptLst>
+      <dgm:cxnLst>
+        <dgm:cxn modelId="3" srcId="0" destId="1" srcOrd="0" destOrd="0"/>
+        <dgm:cxn modelId="4" srcId="0" destId="2" srcOrd="1" destOrd="0"/>
+      </dgm:cxnLst>
+      <dgm:bg/>
+      <dgm:whole/>
+    </dgm:dataModel>
+  </dgm:styleData>
+  <dgm:clrData>
+    <dgm:dataModel>
+      <dgm:ptLst>
+        <dgm:pt modelId="0" type="doc"/>
+        <dgm:pt modelId="1"/>
+        <dgm:pt modelId="2"/>
+        <dgm:pt modelId="3"/>
+        <dgm:pt modelId="4"/>
+      </dgm:ptLst>
+      <dgm:cxnLst>
+        <dgm:cxn modelId="5" srcId="0" destId="1" srcOrd="0" destOrd="0"/>
+        <dgm:cxn modelId="6" srcId="0" destId="2" srcOrd="1" destOrd="0"/>
+        <dgm:cxn modelId="7" srcId="0" destId="3" srcOrd="2" destOrd="0"/>
+        <dgm:cxn modelId="8" srcId="0" destId="4" srcOrd="3" destOrd="0"/>
+      </dgm:cxnLst>
+      <dgm:bg/>
+      <dgm:whole/>
+    </dgm:dataModel>
+  </dgm:clrData>
+  <dgm:layoutNode name="CompostProcess">
+    <dgm:varLst>
+      <dgm:dir/>
+      <dgm:resizeHandles val="exact"/>
+    </dgm:varLst>
+    <dgm:alg type="composite">
+      <dgm:param type="horzAlign" val="ctr"/>
+      <dgm:param type="vertAlign" val="mid"/>
+    </dgm:alg>
+    <dgm:shape xmlns:r="http://schemas.openxmlformats.org/officeDocument/2006/relationships" r:blip="">
+      <dgm:adjLst/>
+    </dgm:shape>
+    <dgm:presOf/>
+    <dgm:constrLst>
+      <dgm:constr type="w" for="ch" forName="arrow" refType="w" fact="0.85"/>
+      <dgm:constr type="h" for="ch" forName="arrow" refType="h"/>
+      <dgm:constr type="ctrX" for="ch" forName="arrow" refType="w" fact="0.5"/>
+      <dgm:constr type="ctrY" for="ch" forName="arrow" refType="h" fact="0.5"/>
+      <dgm:constr type="w" for="ch" forName="linearProcess" refType="w"/>
+      <dgm:constr type="h" for="ch" forName="linearProcess" refType="h" fact="0.4"/>
+      <dgm:constr type="ctrX" for="ch" forName="linearProcess" refType="w" fact="0.5"/>
+      <dgm:constr type="ctrY" for="ch" forName="linearProcess" refType="h" fact="0.5"/>
+    </dgm:constrLst>
+    <dgm:ruleLst/>
+    <dgm:layoutNode name="arrow" styleLbl="bgShp">
+      <dgm:alg type="sp"/>
+      <dgm:choose name="Name0">
+        <dgm:if name="Name1" func="var" arg="dir" op="equ" val="norm">
+          <dgm:shape xmlns:r="http://schemas.openxmlformats.org/officeDocument/2006/relationships" type="rightArrow" r:blip="">
+            <dgm:adjLst/>
+          </dgm:shape>
+        </dgm:if>
+        <dgm:else name="Name2">
+          <dgm:shape xmlns:r="http://schemas.openxmlformats.org/officeDocument/2006/relationships" type="leftArrow" r:blip="">
+            <dgm:adjLst/>
+          </dgm:shape>
+        </dgm:else>
+      </dgm:choose>
+      <dgm:presOf/>
+      <dgm:constrLst/>
+      <dgm:ruleLst/>
+    </dgm:layoutNode>
+    <dgm:layoutNode name="linearProcess">
+      <dgm:choose name="Name3">
+        <dgm:if name="Name4" func="var" arg="dir" op="equ" val="norm">
+          <dgm:alg type="lin"/>
+        </dgm:if>
+        <dgm:else name="Name5">
+          <dgm:alg type="lin">
+            <dgm:param type="linDir" val="fromR"/>
+          </dgm:alg>
+        </dgm:else>
+      </dgm:choose>
+      <dgm:shape xmlns:r="http://schemas.openxmlformats.org/officeDocument/2006/relationships" r:blip="">
+        <dgm:adjLst/>
+      </dgm:shape>
+      <dgm:presOf/>
+      <dgm:constrLst>
+        <dgm:constr type="userA" for="ch" ptType="node" refType="w"/>
+        <dgm:constr type="h" for="ch" ptType="node" refType="h"/>
+        <dgm:constr type="w" for="ch" ptType="node" op="equ"/>
+        <dgm:constr type="w" for="ch" forName="sibTrans" refType="w" fact="0.05"/>
+        <dgm:constr type="primFontSz" for="ch" ptType="node" op="equ" val="65"/>
+      </dgm:constrLst>
+      <dgm:ruleLst/>
+      <dgm:forEach name="Name6" axis="ch" ptType="node">
+        <dgm:layoutNode name="textNode" styleLbl="node1">
+          <dgm:varLst>
+            <dgm:bulletEnabled val="1"/>
+          </dgm:varLst>
+          <dgm:alg type="tx"/>
+          <dgm:shape xmlns:r="http://schemas.openxmlformats.org/officeDocument/2006/relationships" type="roundRect" r:blip="">
+            <dgm:adjLst/>
+          </dgm:shape>
+          <dgm:presOf axis="desOrSelf" ptType="node"/>
+          <dgm:constrLst>
+            <dgm:constr type="userA"/>
+            <dgm:constr type="w" refType="userA" fact="0.3"/>
+            <dgm:constr type="tMarg" refType="primFontSz" fact="0.3"/>
+            <dgm:constr type="bMarg" refType="primFontSz" fact="0.3"/>
+            <dgm:constr type="lMarg" refType="primFontSz" fact="0.3"/>
+            <dgm:constr type="rMarg" refType="primFontSz" fact="0.3"/>
+          </dgm:constrLst>
+          <dgm:ruleLst>
+            <dgm:rule type="w" val="NaN" fact="1" max="NaN"/>
+            <dgm:rule type="primFontSz" val="5" fact="NaN" max="NaN"/>
+          </dgm:ruleLst>
+        </dgm:layoutNode>
+        <dgm:forEach name="Name7" axis="followSib" ptType="sibTrans" cnt="1">
+          <dgm:layoutNode name="sibTrans">
+            <dgm:alg type="sp"/>
+            <dgm:shape xmlns:r="http://schemas.openxmlformats.org/officeDocument/2006/relationships" r:blip="">
+              <dgm:adjLst/>
+            </dgm:shape>
+            <dgm:presOf/>
+            <dgm:constrLst/>
+            <dgm:ruleLst/>
+          </dgm:layoutNode>
+        </dgm:forEach>
+      </dgm:forEach>
+    </dgm:layoutNode>
+  </dgm:layoutNode>
+</dgm:layoutDef>
+</file>
+
+<file path=ppt/diagrams/layout2.xml><?xml version="1.0" encoding="utf-8"?>
+<dgm:layoutDef xmlns:dgm="http://schemas.openxmlformats.org/drawingml/2006/diagram" xmlns:a="http://schemas.openxmlformats.org/drawingml/2006/main" uniqueId="urn:microsoft.com/office/officeart/2008/layout/AlternatingHexagons">
+  <dgm:title val=""/>
+  <dgm:desc val=""/>
+  <dgm:catLst>
+    <dgm:cat type="list" pri="1500"/>
+  </dgm:catLst>
+  <dgm:sampData>
+    <dgm:dataModel>
+      <dgm:ptLst>
+        <dgm:pt modelId="0" type="doc"/>
+        <dgm:pt modelId="10">
+          <dgm:prSet phldr="1"/>
+        </dgm:pt>
+        <dgm:pt modelId="11">
+          <dgm:prSet phldr="1"/>
+        </dgm:pt>
+        <dgm:pt modelId="20">
+          <dgm:prSet phldr="1"/>
+        </dgm:pt>
+        <dgm:pt modelId="21">
+          <dgm:prSet phldr="1"/>
+        </dgm:pt>
+        <dgm:pt modelId="30">
+          <dgm:prSet phldr="1"/>
+        </dgm:pt>
+        <dgm:pt modelId="31">
+          <dgm:prSet phldr="1"/>
+        </dgm:pt>
+      </dgm:ptLst>
+      <dgm:cxnLst>
+        <dgm:cxn modelId="40" srcId="0" destId="10" srcOrd="0" destOrd="0"/>
+        <dgm:cxn modelId="12" srcId="10" destId="11" srcOrd="0" destOrd="0"/>
+        <dgm:cxn modelId="50" srcId="0" destId="20" srcOrd="1" destOrd="0"/>
+        <dgm:cxn modelId="22" srcId="20" destId="21" srcOrd="0" destOrd="0"/>
+        <dgm:cxn modelId="60" srcId="0" destId="30" srcOrd="1" destOrd="0"/>
+        <dgm:cxn modelId="32" srcId="30" destId="31" srcOrd="0" destOrd="0"/>
+      </dgm:cxnLst>
+      <dgm:bg/>
+      <dgm:whole/>
+    </dgm:dataModel>
+  </dgm:sampData>
+  <dgm:styleData>
+    <dgm:dataModel>
+      <dgm:ptLst>
+        <dgm:pt modelId="0" type="doc"/>
+        <dgm:pt modelId="10">
+          <dgm:prSet phldr="1"/>
+        </dgm:pt>
+        <dgm:pt modelId="20">
+          <dgm:prSet phldr="1"/>
+        </dgm:pt>
+      </dgm:ptLst>
+      <dgm:cxnLst>
+        <dgm:cxn modelId="60" srcId="0" destId="10" srcOrd="0" destOrd="0"/>
+        <dgm:cxn modelId="70" srcId="0" destId="20" srcOrd="1" destOrd="0"/>
+      </dgm:cxnLst>
+      <dgm:bg/>
+      <dgm:whole/>
+    </dgm:dataModel>
+  </dgm:styleData>
+  <dgm:clrData>
+    <dgm:dataModel>
+      <dgm:ptLst>
+        <dgm:pt modelId="0" type="doc"/>
+        <dgm:pt modelId="10">
+          <dgm:prSet phldr="1"/>
+        </dgm:pt>
+        <dgm:pt modelId="20">
+          <dgm:prSet phldr="1"/>
+        </dgm:pt>
+        <dgm:pt modelId="30">
+          <dgm:prSet phldr="1"/>
+        </dgm:pt>
+        <dgm:pt modelId="40">
+          <dgm:prSet phldr="1"/>
+        </dgm:pt>
+      </dgm:ptLst>
+      <dgm:cxnLst>
+        <dgm:cxn modelId="60" srcId="0" destId="10" srcOrd="0" destOrd="0"/>
+        <dgm:cxn modelId="70" srcId="0" destId="20" srcOrd="1" destOrd="0"/>
+        <dgm:cxn modelId="80" srcId="0" destId="30" srcOrd="2" destOrd="0"/>
+        <dgm:cxn modelId="90" srcId="0" destId="40" srcOrd="3" destOrd="0"/>
+      </dgm:cxnLst>
+      <dgm:bg/>
+      <dgm:whole/>
+    </dgm:dataModel>
+  </dgm:clrData>
+  <dgm:layoutNode name="Name0">
+    <dgm:varLst>
+      <dgm:chMax/>
+      <dgm:chPref/>
+      <dgm:dir/>
+      <dgm:animLvl val="lvl"/>
+    </dgm:varLst>
+    <dgm:alg type="lin">
+      <dgm:param type="linDir" val="fromT"/>
+    </dgm:alg>
+    <dgm:shape xmlns:r="http://schemas.openxmlformats.org/officeDocument/2006/relationships" r:blip="">
+      <dgm:adjLst/>
+    </dgm:shape>
+    <dgm:constrLst>
+      <dgm:constr type="primFontSz" for="des" forName="Parent1" val="65"/>
+      <dgm:constr type="primFontSz" for="des" forName="Childtext1" refType="primFontSz" refFor="des" refForName="Parent1" op="lte"/>
+      <dgm:constr type="w" for="ch" forName="composite" refType="w"/>
+      <dgm:constr type="h" for="ch" forName="composite" refType="h"/>
+      <dgm:constr type="h" for="ch" forName="spaceBetweenRectangles" refType="w" refFor="ch" refForName="composite" fact="-0.042"/>
+      <dgm:constr type="sp" refType="h" refFor="ch" refForName="composite" op="equ" fact="0.1"/>
+    </dgm:constrLst>
+    <dgm:forEach name="nodesForEach" axis="ch" ptType="node">
+      <dgm:layoutNode name="composite">
+        <dgm:alg type="composite">
+          <dgm:param type="ar" val="3.6"/>
+        </dgm:alg>
+        <dgm:shape xmlns:r="http://schemas.openxmlformats.org/officeDocument/2006/relationships" r:blip="">
+          <dgm:adjLst/>
+        </dgm:shape>
+        <dgm:choose name="Name1">
+          <dgm:if name="Name2" func="var" arg="dir" op="equ" val="norm">
+            <dgm:choose name="Name3">
+              <dgm:if name="Name4" axis="self" ptType="node" func="posOdd" op="equ" val="1">
+                <dgm:constrLst>
+                  <dgm:constr type="l" for="ch" forName="Accent1" refType="w" fact="0.18"/>
+                  <dgm:constr type="t" for="ch" forName="Accent1" refType="h" fact="0"/>
+                  <dgm:constr type="h" for="ch" forName="Accent1" refType="h"/>
+                  <dgm:constr type="w" for="ch" forName="Accent1" refType="h" fact="0.87"/>
+                  <dgm:constr type="l" for="ch" forName="Accent1Text" refType="w" fact="0.18"/>
+                  <dgm:constr type="t" for="ch" forName="Accent1Text" refType="h" fact="0"/>
+                  <dgm:constr type="h" for="ch" forName="Accent1Text" refType="h"/>
+                  <dgm:constr type="w" for="ch" forName="Accent1Text" refType="h" fact="0.87"/>
+                  <dgm:constr type="l" for="ch" forName="Parent1" refType="w" fact="0.441"/>
+                  <dgm:constr type="t" for="ch" forName="Parent1" refType="h" fact="0"/>
+                  <dgm:constr type="h" for="ch" forName="Parent1" refType="h"/>
+                  <dgm:constr type="w" for="ch" forName="Parent1" refType="h" fact="0.87"/>
+                  <dgm:constr type="l" for="ch" forName="Childtext1" refType="w" fact="0.69"/>
+                  <dgm:constr type="t" for="ch" forName="Childtext1" refType="h" fact="0.2"/>
+                  <dgm:constr type="w" for="ch" forName="Childtext1" refType="w" fact="0.31"/>
+                  <dgm:constr type="h" for="ch" forName="Childtext1" refType="h" fact="0.6"/>
+                  <dgm:constr type="l" for="ch" forName="BalanceSpacing" refType="w" fact="0"/>
+                  <dgm:constr type="t" for="ch" forName="BalanceSpacing" refType="h" fact="0"/>
+                  <dgm:constr type="w" for="ch" forName="BalanceSpacing" refType="w"/>
+                  <dgm:constr type="h" for="ch" forName="BalanceSpacing" refType="h" fact="0.1"/>
+                  <dgm:constr type="l" for="ch" forName="BalanceSpacing1" refType="w" fact="0.69"/>
+                  <dgm:constr type="t" for="ch" forName="BalanceSpacing1" refType="h" fact="0.2"/>
+                  <dgm:constr type="w" for="ch" forName="BalanceSpacing1" refType="w" fact="0.31"/>
+                  <dgm:constr type="h" for="ch" forName="BalanceSpacing1" refType="h" fact="0.6"/>
+                </dgm:constrLst>
+              </dgm:if>
+              <dgm:else name="Name5">
+                <dgm:constrLst>
+                  <dgm:constr type="l" for="ch" forName="Accent1" refType="w" fact="0.571"/>
+                  <dgm:constr type="t" for="ch" forName="Accent1" refType="h" fact="0"/>
+                  <dgm:constr type="h" for="ch" forName="Accent1" refType="h"/>
+                  <dgm:constr type="w" for="ch" forName="Accent1" refType="h" fact="0.87"/>
+                  <dgm:constr type="l" for="ch" forName="Accent1Text" refType="w" fact="0.571"/>
+                  <dgm:constr type="t" for="ch" forName="Accent1Text" refType="h" fact="0"/>
+                  <dgm:constr type="h" for="ch" forName="Accent1Text" refType="h"/>
+                  <dgm:constr type="w" for="ch" forName="Accent1Text" refType="h" fact="0.87"/>
+                  <dgm:constr type="l" for="ch" forName="Parent1" refType="w" fact="0.31"/>
+                  <dgm:constr type="t" for="ch" forName="Parent1" refType="h" fact="0"/>
+                  <dgm:constr type="h" for="ch" forName="Parent1" refType="h"/>
+                  <dgm:constr type="w" for="ch" forName="Parent1" refType="h" fact="0.87"/>
+                  <dgm:constr type="l" for="ch" forName="Childtext1" refType="w" fact="0"/>
+                  <dgm:constr type="t" for="ch" forName="Childtext1" refType="h" fact="0.2"/>
+                  <dgm:constr type="w" for="ch" forName="Childtext1" refType="w" fact="0.3"/>
+                  <dgm:constr type="h" for="ch" forName="Childtext1" refType="h" fact="0.6"/>
+                  <dgm:constr type="l" for="ch" forName="BalanceSpacing" refType="w" fact="0.82"/>
+                  <dgm:constr type="t" for="ch" forName="BalanceSpacing" refType="h" fact="0"/>
+                  <dgm:constr type="w" for="ch" forName="BalanceSpacing" refType="w" fact="0.18"/>
+                  <dgm:constr type="h" for="ch" forName="BalanceSpacing" refType="h"/>
+                  <dgm:constr type="l" for="ch" forName="BalanceSpacing1" refType="w" fact="0"/>
+                  <dgm:constr type="t" for="ch" forName="BalanceSpacing1" refType="h" fact="0.2"/>
+                  <dgm:constr type="w" for="ch" forName="BalanceSpacing1" refType="w" fact="0.3"/>
+                  <dgm:constr type="h" for="ch" forName="BalanceSpacing1" refType="h" fact="0.6"/>
+                </dgm:constrLst>
+              </dgm:else>
+            </dgm:choose>
+          </dgm:if>
+          <dgm:else name="Name6">
+            <dgm:choose name="Name7">
+              <dgm:if name="Name8" axis="self" ptType="node" func="posOdd" op="equ" val="1">
+                <dgm:constrLst>
+                  <dgm:constr type="l" for="ch" forName="Accent1" refType="w" fact="0.571"/>
+                  <dgm:constr type="t" for="ch" forName="Accent1" refType="h" fact="0"/>
+                  <dgm:constr type="h" for="ch" forName="Accent1" refType="h"/>
+                  <dgm:constr type="w" for="ch" forName="Accent1" refType="h" fact="0.87"/>
+                  <dgm:constr type="l" for="ch" forName="Accent1Text" refType="w" fact="0.571"/>
+                  <dgm:constr type="t" for="ch" forName="Accent1Text" refType="h" fact="0"/>
+                  <dgm:constr type="h" for="ch" forName="Accent1Text" refType="h"/>
+                  <dgm:constr type="w" for="ch" forName="Accent1Text" refType="h" fact="0.87"/>
+                  <dgm:constr type="l" for="ch" forName="Parent1" refType="w" fact="0.31"/>
+                  <dgm:constr type="t" for="ch" forName="Parent1" refType="h" fact="0"/>
+                  <dgm:constr type="h" for="ch" forName="Parent1" refType="h"/>
+                  <dgm:constr type="w" for="ch" forName="Parent1" refType="h" fact="0.87"/>
+                  <dgm:constr type="l" for="ch" forName="Childtext1" refType="w" fact="0"/>
+                  <dgm:constr type="t" for="ch" forName="Childtext1" refType="h" fact="0.2"/>
+                  <dgm:constr type="w" for="ch" forName="Childtext1" refType="w" fact="0.3"/>
+                  <dgm:constr type="h" for="ch" forName="Childtext1" refType="h" fact="0.6"/>
+                  <dgm:constr type="l" for="ch" forName="BalanceSpacing" refType="w" fact="0.82"/>
+                  <dgm:constr type="t" for="ch" forName="BalanceSpacing" refType="h" fact="0"/>
+                  <dgm:constr type="w" for="ch" forName="BalanceSpacing" refType="w" fact="0.18"/>
+                  <dgm:constr type="h" for="ch" forName="BalanceSpacing" refType="h"/>
+                </dgm:constrLst>
+              </dgm:if>
+              <dgm:else name="Name9">
+                <dgm:constrLst>
+                  <dgm:constr type="l" for="ch" forName="Accent1" refType="w" fact="0.18"/>
+                  <dgm:constr type="t" for="ch" forName="Accent1" refType="h" fact="0"/>
+                  <dgm:constr type="h" for="ch" forName="Accent1" refType="h"/>
+                  <dgm:constr type="w" for="ch" forName="Accent1" refType="h" fact="0.87"/>
+                  <dgm:constr type="l" for="ch" forName="Accent1Text" refType="w" fact="0.18"/>
+                  <dgm:constr type="t" for="ch" forName="Accent1Text" refType="h" fact="0"/>
+                  <dgm:constr type="h" for="ch" forName="Accent1Text" refType="h"/>
+                  <dgm:constr type="w" for="ch" forName="Accent1Text" refType="h" fact="0.87"/>
+                  <dgm:constr type="l" for="ch" forName="Parent1" refType="w" fact="0.441"/>
+                  <dgm:constr type="t" for="ch" forName="Parent1" refType="h" fact="0"/>
+                  <dgm:constr type="h" for="ch" forName="Parent1" refType="h"/>
+                  <dgm:constr type="w" for="ch" forName="Parent1" refType="h" fact="0.87"/>
+                  <dgm:constr type="l" for="ch" forName="Childtext1" refType="w" fact="0.69"/>
+                  <dgm:constr type="t" for="ch" forName="Childtext1" refType="h" fact="0.2"/>
+                  <dgm:constr type="w" for="ch" forName="Childtext1" refType="w" fact="0.31"/>
+                  <dgm:constr type="h" for="ch" forName="Childtext1" refType="h" fact="0.6"/>
+                  <dgm:constr type="l" for="ch" forName="BalanceSpacing" refType="w" fact="0"/>
+                  <dgm:constr type="t" for="ch" forName="BalanceSpacing" refType="h" fact="0"/>
+                  <dgm:constr type="w" for="ch" forName="BalanceSpacing" refType="w" fact="0.18"/>
+                  <dgm:constr type="h" for="ch" forName="BalanceSpacing" refType="h"/>
+                </dgm:constrLst>
+              </dgm:else>
+            </dgm:choose>
+          </dgm:else>
+        </dgm:choose>
+        <dgm:layoutNode name="Parent1" styleLbl="node1">
+          <dgm:varLst>
+            <dgm:chMax val="1"/>
+            <dgm:chPref val="1"/>
+            <dgm:bulletEnabled val="1"/>
+          </dgm:varLst>
+          <dgm:alg type="tx"/>
+          <dgm:shape xmlns:r="http://schemas.openxmlformats.org/officeDocument/2006/relationships" rot="90" type="hexagon" r:blip="">
+            <dgm:adjLst>
+              <dgm:adj idx="1" val="0.25"/>
+              <dgm:adj idx="2" val="1.1547"/>
+            </dgm:adjLst>
+          </dgm:shape>
+          <dgm:presOf axis="self" ptType="node"/>
+          <dgm:constrLst>
+            <dgm:constr type="lMarg" refType="primFontSz" fact="0.3"/>
+            <dgm:constr type="rMarg" refType="primFontSz" fact="0.3"/>
+            <dgm:constr type="tMarg" refType="primFontSz" fact="0.3"/>
+            <dgm:constr type="bMarg" refType="primFontSz" fact="0.3"/>
+          </dgm:constrLst>
+          <dgm:ruleLst>
+            <dgm:rule type="primFontSz" val="5" fact="NaN" max="NaN"/>
+          </dgm:ruleLst>
+        </dgm:layoutNode>
+        <dgm:layoutNode name="Childtext1" styleLbl="revTx">
+          <dgm:varLst>
+            <dgm:chMax val="0"/>
+            <dgm:chPref val="0"/>
+            <dgm:bulletEnabled val="1"/>
+          </dgm:varLst>
+          <dgm:choose name="Name10">
+            <dgm:if name="Name11" func="var" arg="dir" op="equ" val="norm">
+              <dgm:choose name="Name12">
+                <dgm:if name="Name13" axis="self" ptType="node" func="posOdd" op="equ" val="1">
+                  <dgm:alg type="tx">
+                    <dgm:param type="parTxLTRAlign" val="l"/>
+                  </dgm:alg>
+                </dgm:if>
+                <dgm:else name="Name14">
+                  <dgm:alg type="tx">
+                    <dgm:param type="parTxLTRAlign" val="r"/>
+                  </dgm:alg>
+                </dgm:else>
+              </dgm:choose>
+            </dgm:if>
+            <dgm:else name="Name15">
+              <dgm:choose name="Name16">
+                <dgm:if name="Name17" axis="self" ptType="node" func="posOdd" op="equ" val="1">
+                  <dgm:alg type="tx">
+                    <dgm:param type="parTxLTRAlign" val="r"/>
+                  </dgm:alg>
+                </dgm:if>
+                <dgm:else name="Name18">
+                  <dgm:alg type="tx">
+                    <dgm:param type="parTxLTRAlign" val="l"/>
+                  </dgm:alg>
+                </dgm:else>
+              </dgm:choose>
+            </dgm:else>
+          </dgm:choose>
+          <dgm:shape xmlns:r="http://schemas.openxmlformats.org/officeDocument/2006/relationships" type="rect" r:blip="">
+            <dgm:adjLst/>
+          </dgm:shape>
+          <dgm:presOf axis="des" ptType="node"/>
+          <dgm:constrLst>
+            <dgm:constr type="lMarg" refType="primFontSz" fact="0.3"/>
+            <dgm:constr type="rMarg" refType="primFontSz" fact="0.3"/>
+            <dgm:constr type="tMarg" refType="primFontSz" fact="0.3"/>
+            <dgm:constr type="bMarg" refType="primFontSz" fact="0.3"/>
+          </dgm:constrLst>
+          <dgm:ruleLst>
+            <dgm:rule type="primFontSz" val="5" fact="NaN" max="NaN"/>
+          </dgm:ruleLst>
+        </dgm:layoutNode>
+        <dgm:layoutNode name="BalanceSpacing">
+          <dgm:alg type="sp"/>
+          <dgm:shape xmlns:r="http://schemas.openxmlformats.org/officeDocument/2006/relationships" r:blip="">
+            <dgm:adjLst/>
+          </dgm:shape>
+        </dgm:layoutNode>
+        <dgm:layoutNode name="BalanceSpacing1">
+          <dgm:alg type="sp"/>
+          <dgm:shape xmlns:r="http://schemas.openxmlformats.org/officeDocument/2006/relationships" r:blip="">
+            <dgm:adjLst/>
+          </dgm:shape>
+        </dgm:layoutNode>
+        <dgm:forEach name="Name19" axis="followSib" ptType="sibTrans" hideLastTrans="0" cnt="1">
+          <dgm:layoutNode name="Accent1Text" styleLbl="node1">
+            <dgm:alg type="tx"/>
+            <dgm:shape xmlns:r="http://schemas.openxmlformats.org/officeDocument/2006/relationships" rot="90" type="hexagon" r:blip="">
+              <dgm:adjLst>
+                <dgm:adj idx="1" val="0.25"/>
+                <dgm:adj idx="2" val="1.1547"/>
+              </dgm:adjLst>
+            </dgm:shape>
+            <dgm:presOf axis="self" ptType="sibTrans"/>
+            <dgm:constrLst>
+              <dgm:constr type="lMarg"/>
+              <dgm:constr type="rMarg"/>
+              <dgm:constr type="tMarg"/>
+              <dgm:constr type="bMarg"/>
+            </dgm:constrLst>
+            <dgm:ruleLst>
+              <dgm:rule type="primFontSz" val="5" fact="NaN" max="NaN"/>
+            </dgm:ruleLst>
+          </dgm:layoutNode>
+        </dgm:forEach>
+      </dgm:layoutNode>
+      <dgm:forEach name="Name20" axis="followSib" ptType="sibTrans" cnt="1">
+        <dgm:layoutNode name="spaceBetweenRectangles">
+          <dgm:alg type="sp"/>
+          <dgm:shape xmlns:r="http://schemas.openxmlformats.org/officeDocument/2006/relationships" r:blip="">
+            <dgm:adjLst/>
+          </dgm:shape>
+          <dgm:presOf/>
+          <dgm:constrLst/>
+          <dgm:ruleLst/>
+        </dgm:layoutNode>
+      </dgm:forEach>
+    </dgm:forEach>
+  </dgm:layoutNode>
+</dgm:layoutDef>
+</file>
+
+<file path=ppt/diagrams/quickStyle1.xml><?xml version="1.0" encoding="utf-8"?>
+<dgm:styleDef xmlns:dgm="http://schemas.openxmlformats.org/drawingml/2006/diagram" xmlns:a="http://schemas.openxmlformats.org/drawingml/2006/main" uniqueId="urn:microsoft.com/office/officeart/2005/8/quickstyle/simple1">
+  <dgm:title val=""/>
+  <dgm:desc val=""/>
+  <dgm:catLst>
+    <dgm:cat type="simple" pri="10100"/>
+  </dgm:catLst>
+  <dgm:scene3d>
+    <a:camera prst="orthographicFront"/>
+    <a:lightRig rig="threePt" dir="t"/>
+  </dgm:scene3d>
+  <dgm:styleLbl name="node0">
+    <dgm:scene3d>
+      <a:camera prst="orthographicFront"/>
+      <a:lightRig rig="threePt" dir="t"/>
+    </dgm:scene3d>
+    <dgm:sp3d/>
+    <dgm:txPr/>
+    <dgm:style>
+      <a:lnRef idx="2">
+        <a:scrgbClr r="0" g="0" b="0"/>
+      </a:lnRef>
+      <a:fillRef idx="1">
+        <a:scrgbClr r="0" g="0" b="0"/>
+      </a:fillRef>
+      <a:effectRef idx="0">
+        <a:scrgbClr r="0" g="0" b="0"/>
+      </a:effectRef>
+      <a:fontRef idx="minor">
+        <a:schemeClr val="lt1"/>
+      </a:fontRef>
+    </dgm:style>
+  </dgm:styleLbl>
+  <dgm:styleLbl name="lnNode1">
+    <dgm:scene3d>
+      <a:camera prst="orthographicFront"/>
+      <a:lightRig rig="threePt" dir="t"/>
+    </dgm:scene3d>
+    <dgm:sp3d/>
+    <dgm:txPr/>
+    <dgm:style>
+      <a:lnRef idx="2">
+        <a:scrgbClr r="0" g="0" b="0"/>
+      </a:lnRef>
+      <a:fillRef idx="1">
+        <a:scrgbClr r="0" g="0" b="0"/>
+      </a:fillRef>
+      <a:effectRef idx="0">
+        <a:scrgbClr r="0" g="0" b="0"/>
+      </a:effectRef>
+      <a:fontRef idx="minor">
+        <a:schemeClr val="lt1"/>
+      </a:fontRef>
+    </dgm:style>
+  </dgm:styleLbl>
+  <dgm:styleLbl name="vennNode1">
+    <dgm:scene3d>
+      <a:camera prst="orthographicFront"/>
+      <a:lightRig rig="threePt" dir="t"/>
+    </dgm:scene3d>
+    <dgm:sp3d/>
+    <dgm:txPr/>
+    <dgm:style>
+      <a:lnRef idx="2">
+        <a:scrgbClr r="0" g="0" b="0"/>
+      </a:lnRef>
+      <a:fillRef idx="1">
+        <a:scrgbClr r="0" g="0" b="0"/>
+      </a:fillRef>
+      <a:effectRef idx="0">
+        <a:scrgbClr r="0" g="0" b="0"/>
+      </a:effectRef>
+      <a:fontRef idx="minor">
+        <a:schemeClr val="tx1"/>
+      </a:fontRef>
+    </dgm:style>
+  </dgm:styleLbl>
+  <dgm:styleLbl name="alignNode1">
+    <dgm:scene3d>
+      <a:camera prst="orthographicFront"/>
+      <a:lightRig rig="threePt" dir="t"/>
+    </dgm:scene3d>
+    <dgm:sp3d/>
+    <dgm:txPr/>
+    <dgm:style>
+      <a:lnRef idx="2">
+        <a:scrgbClr r="0" g="0" b="0"/>
+      </a:lnRef>
+      <a:fillRef idx="1">
+        <a:scrgbClr r="0" g="0" b="0"/>
+      </a:fillRef>
+      <a:effectRef idx="0">
+        <a:scrgbClr r="0" g="0" b="0"/>
+      </a:effectRef>
+      <a:fontRef idx="minor">
+        <a:schemeClr val="lt1"/>
+      </a:fontRef>
+    </dgm:style>
+  </dgm:styleLbl>
+  <dgm:styleLbl name="node1">
+    <dgm:scene3d>
+      <a:camera prst="orthographicFront"/>
+      <a:lightRig rig="threePt" dir="t"/>
+    </dgm:scene3d>
+    <dgm:sp3d/>
+    <dgm:txPr/>
+    <dgm:style>
+      <a:lnRef idx="2">
+        <a:scrgbClr r="0" g="0" b="0"/>
+      </a:lnRef>
+      <a:fillRef idx="1">
+        <a:scrgbClr r="0" g="0" b="0"/>
+      </a:fillRef>
+      <a:effectRef idx="0">
+        <a:scrgbClr r="0" g="0" b="0"/>
+      </a:effectRef>
+      <a:fontRef idx="minor">
+        <a:schemeClr val="lt1"/>
+      </a:fontRef>
+    </dgm:style>
+  </dgm:styleLbl>
+  <dgm:styleLbl name="node2">
+    <dgm:scene3d>
+      <a:camera prst="orthographicFront"/>
+      <a:lightRig rig="threePt" dir="t"/>
+    </dgm:scene3d>
+    <dgm:sp3d/>
+    <dgm:txPr/>
+    <dgm:style>
+      <a:lnRef idx="2">
+        <a:scrgbClr r="0" g="0" b="0"/>
+      </a:lnRef>
+      <a:fillRef idx="1">
+        <a:scrgbClr r="0" g="0" b="0"/>
+      </a:fillRef>
+      <a:effectRef idx="0">
+        <a:scrgbClr r="0" g="0" b="0"/>
+      </a:effectRef>
+      <a:fontRef idx="minor">
+        <a:schemeClr val="lt1"/>
+      </a:fontRef>
+    </dgm:style>
+  </dgm:styleLbl>
+  <dgm:styleLbl name="node3">
+    <dgm:scene3d>
+      <a:camera prst="orthographicFront"/>
+      <a:lightRig rig="threePt" dir="t"/>
+    </dgm:scene3d>
+    <dgm:sp3d/>
+    <dgm:txPr/>
+    <dgm:style>
+      <a:lnRef idx="2">
+        <a:scrgbClr r="0" g="0" b="0"/>
+      </a:lnRef>
+      <a:fillRef idx="1">
+        <a:scrgbClr r="0" g="0" b="0"/>
+      </a:fillRef>
+      <a:effectRef idx="0">
+        <a:scrgbClr r="0" g="0" b="0"/>
+      </a:effectRef>
+      <a:fontRef idx="minor">
+        <a:schemeClr val="lt1"/>
+      </a:fontRef>
+    </dgm:style>
+  </dgm:styleLbl>
+  <dgm:styleLbl name="node4">
+    <dgm:scene3d>
+      <a:camera prst="orthographicFront"/>
+      <a:lightRig rig="threePt" dir="t"/>
+    </dgm:scene3d>
+    <dgm:sp3d/>
+    <dgm:txPr/>
+    <dgm:style>
+      <a:lnRef idx="2">
+        <a:scrgbClr r="0" g="0" b="0"/>
+      </a:lnRef>
+      <a:fillRef idx="1">
+        <a:scrgbClr r="0" g="0" b="0"/>
+      </a:fillRef>
+      <a:effectRef idx="0">
+        <a:scrgbClr r="0" g="0" b="0"/>
+      </a:effectRef>
+      <a:fontRef idx="minor">
+        <a:schemeClr val="lt1"/>
+      </a:fontRef>
+    </dgm:style>
+  </dgm:styleLbl>
+  <dgm:styleLbl name="fgImgPlace1">
+    <dgm:scene3d>
+      <a:camera prst="orthographicFront"/>
+      <a:lightRig rig="threePt" dir="t"/>
+    </dgm:scene3d>
+    <dgm:sp3d/>
+    <dgm:txPr/>
+    <dgm:style>
+      <a:lnRef idx="2">
+        <a:scrgbClr r="0" g="0" b="0"/>
+      </a:lnRef>
+      <a:fillRef idx="1">
+        <a:scrgbClr r="0" g="0" b="0"/>
+      </a:fillRef>
+      <a:effectRef idx="0">
+        <a:scrgbClr r="0" g="0" b="0"/>
+      </a:effectRef>
+      <a:fontRef idx="minor"/>
+    </dgm:style>
+  </dgm:styleLbl>
+  <dgm:styleLbl name="alignImgPlace1">
+    <dgm:scene3d>
+      <a:camera prst="orthographicFront"/>
+      <a:lightRig rig="threePt" dir="t"/>
+    </dgm:scene3d>
+    <dgm:sp3d/>
+    <dgm:txPr/>
+    <dgm:style>
+      <a:lnRef idx="2">
+        <a:scrgbClr r="0" g="0" b="0"/>
+      </a:lnRef>
+      <a:fillRef idx="1">
+        <a:scrgbClr r="0" g="0" b="0"/>
+      </a:fillRef>
+      <a:effectRef idx="0">
+        <a:scrgbClr r="0" g="0" b="0"/>
+      </a:effectRef>
+      <a:fontRef idx="minor"/>
+    </dgm:style>
+  </dgm:styleLbl>
+  <dgm:styleLbl name="bgImgPlace1">
+    <dgm:scene3d>
+      <a:camera prst="orthographicFront"/>
+      <a:lightRig rig="threePt" dir="t"/>
+    </dgm:scene3d>
+    <dgm:sp3d/>
+    <dgm:txPr/>
+    <dgm:style>
+      <a:lnRef idx="2">
+        <a:scrgbClr r="0" g="0" b="0"/>
+      </a:lnRef>
+      <a:fillRef idx="1">
+        <a:scrgbClr r="0" g="0" b="0"/>
+      </a:fillRef>
+      <a:effectRef idx="0">
+        <a:scrgbClr r="0" g="0" b="0"/>
+      </a:effectRef>
+      <a:fontRef idx="minor"/>
+    </dgm:style>
+  </dgm:styleLbl>
+  <dgm:styleLbl name="sibTrans2D1">
+    <dgm:scene3d>
+      <a:camera prst="orthographicFront"/>
+      <a:lightRig rig="threePt" dir="t"/>
+    </dgm:scene3d>
+    <dgm:sp3d/>
+    <dgm:txPr/>
+    <dgm:style>
+      <a:lnRef idx="0">
+        <a:scrgbClr r="0" g="0" b="0"/>
+      </a:lnRef>
+      <a:fillRef idx="1">
+        <a:scrgbClr r="0" g="0" b="0"/>
+      </a:fillRef>
+      <a:effectRef idx="0">
+        <a:scrgbClr r="0" g="0" b="0"/>
+      </a:effectRef>
+      <a:fontRef idx="minor">
+        <a:schemeClr val="lt1"/>
+      </a:fontRef>
+    </dgm:style>
+  </dgm:styleLbl>
+  <dgm:styleLbl name="fgSibTrans2D1">
+    <dgm:scene3d>
+      <a:camera prst="orthographicFront"/>
+      <a:lightRig rig="threePt" dir="t"/>
+    </dgm:scene3d>
+    <dgm:sp3d/>
+    <dgm:txPr/>
+    <dgm:style>
+      <a:lnRef idx="0">
+        <a:scrgbClr r="0" g="0" b="0"/>
+      </a:lnRef>
+      <a:fillRef idx="1">
+        <a:scrgbClr r="0" g="0" b="0"/>
+      </a:fillRef>
+      <a:effectRef idx="0">
+        <a:scrgbClr r="0" g="0" b="0"/>
+      </a:effectRef>
+      <a:fontRef idx="minor">
+        <a:schemeClr val="lt1"/>
+      </a:fontRef>
+    </dgm:style>
+  </dgm:styleLbl>
+  <dgm:styleLbl name="bgSibTrans2D1">
+    <dgm:scene3d>
+      <a:camera prst="orthographicFront"/>
+      <a:lightRig rig="threePt" dir="t"/>
+    </dgm:scene3d>
+    <dgm:sp3d/>
+    <dgm:txPr/>
+    <dgm:style>
+      <a:lnRef idx="0">
+        <a:scrgbClr r="0" g="0" b="0"/>
+      </a:lnRef>
+      <a:fillRef idx="1">
+        <a:scrgbClr r="0" g="0" b="0"/>
+      </a:fillRef>
+      <a:effectRef idx="0">
+        <a:scrgbClr r="0" g="0" b="0"/>
+      </a:effectRef>
+      <a:fontRef idx="minor">
+        <a:schemeClr val="lt1"/>
+      </a:fontRef>
+    </dgm:style>
+  </dgm:styleLbl>
+  <dgm:styleLbl name="sibTrans1D1">
+    <dgm:scene3d>
+      <a:camera prst="orthographicFront"/>
+      <a:lightRig rig="threePt" dir="t"/>
+    </dgm:scene3d>
+    <dgm:sp3d/>
+    <dgm:txPr/>
+    <dgm:style>
+      <a:lnRef idx="1">
+        <a:scrgbClr r="0" g="0" b="0"/>
+      </a:lnRef>
+      <a:fillRef idx="0">
+        <a:scrgbClr r="0" g="0" b="0"/>
+      </a:fillRef>
+      <a:effectRef idx="0">
+        <a:scrgbClr r="0" g="0" b="0"/>
+      </a:effectRef>
+      <a:fontRef idx="minor"/>
+    </dgm:style>
+  </dgm:styleLbl>
+  <dgm:styleLbl name="callout">
+    <dgm:scene3d>
+      <a:camera prst="orthographicFront"/>
+      <a:lightRig rig="threePt" dir="t"/>
+    </dgm:scene3d>
+    <dgm:sp3d/>
+    <dgm:txPr/>
+    <dgm:style>
+      <a:lnRef idx="2">
+        <a:scrgbClr r="0" g="0" b="0"/>
+      </a:lnRef>
+      <a:fillRef idx="1">
+        <a:scrgbClr r="0" g="0" b="0"/>
+      </a:fillRef>
+      <a:effectRef idx="0">
+        <a:scrgbClr r="0" g="0" b="0"/>
+      </a:effectRef>
+      <a:fontRef idx="minor"/>
+    </dgm:style>
+  </dgm:styleLbl>
+  <dgm:styleLbl name="asst0">
+    <dgm:scene3d>
+      <a:camera prst="orthographicFront"/>
+      <a:lightRig rig="threePt" dir="t"/>
+    </dgm:scene3d>
+    <dgm:sp3d/>
+    <dgm:txPr/>
+    <dgm:style>
+      <a:lnRef idx="2">
+        <a:scrgbClr r="0" g="0" b="0"/>
+      </a:lnRef>
+      <a:fillRef idx="1">
+        <a:scrgbClr r="0" g="0" b="0"/>
+      </a:fillRef>
+      <a:effectRef idx="0">
+        <a:scrgbClr r="0" g="0" b="0"/>
+      </a:effectRef>
+      <a:fontRef idx="minor">
+        <a:schemeClr val="lt1"/>
+      </a:fontRef>
+    </dgm:style>
+  </dgm:styleLbl>
+  <dgm:styleLbl name="asst1">
+    <dgm:scene3d>
+      <a:camera prst="orthographicFront"/>
+      <a:lightRig rig="threePt" dir="t"/>
+    </dgm:scene3d>
+    <dgm:sp3d/>
+    <dgm:txPr/>
+    <dgm:style>
+      <a:lnRef idx="2">
+        <a:scrgbClr r="0" g="0" b="0"/>
+      </a:lnRef>
+      <a:fillRef idx="1">
+        <a:scrgbClr r="0" g="0" b="0"/>
+      </a:fillRef>
+      <a:effectRef idx="0">
+        <a:scrgbClr r="0" g="0" b="0"/>
+      </a:effectRef>
+      <a:fontRef idx="minor">
+        <a:schemeClr val="lt1"/>
+      </a:fontRef>
+    </dgm:style>
+  </dgm:styleLbl>
+  <dgm:styleLbl name="asst2">
+    <dgm:scene3d>
+      <a:camera prst="orthographicFront"/>
+      <a:lightRig rig="threePt" dir="t"/>
+    </dgm:scene3d>
+    <dgm:sp3d/>
+    <dgm:txPr/>
+    <dgm:style>
+      <a:lnRef idx="2">
+        <a:scrgbClr r="0" g="0" b="0"/>
+      </a:lnRef>
+      <a:fillRef idx="1">
+        <a:scrgbClr r="0" g="0" b="0"/>
+      </a:fillRef>
+      <a:effectRef idx="0">
+        <a:scrgbClr r="0" g="0" b="0"/>
+      </a:effectRef>
+      <a:fontRef idx="minor">
+        <a:schemeClr val="lt1"/>
+      </a:fontRef>
+    </dgm:style>
+  </dgm:styleLbl>
+  <dgm:styleLbl name="asst3">
+    <dgm:scene3d>
+      <a:camera prst="orthographicFront"/>
+      <a:lightRig rig="threePt" dir="t"/>
+    </dgm:scene3d>
+    <dgm:sp3d/>
+    <dgm:txPr/>
+    <dgm:style>
+      <a:lnRef idx="2">
+        <a:scrgbClr r="0" g="0" b="0"/>
+      </a:lnRef>
+      <a:fillRef idx="1">
+        <a:scrgbClr r="0" g="0" b="0"/>
+      </a:fillRef>
+      <a:effectRef idx="0">
+        <a:scrgbClr r="0" g="0" b="0"/>
+      </a:effectRef>
+      <a:fontRef idx="minor">
+        <a:schemeClr val="lt1"/>
+      </a:fontRef>
+    </dgm:style>
+  </dgm:styleLbl>
+  <dgm:styleLbl name="asst4">
+    <dgm:scene3d>
+      <a:camera prst="orthographicFront"/>
+      <a:lightRig rig="threePt" dir="t"/>
+    </dgm:scene3d>
+    <dgm:sp3d/>
+    <dgm:txPr/>
+    <dgm:style>
+      <a:lnRef idx="2">
+        <a:scrgbClr r="0" g="0" b="0"/>
+      </a:lnRef>
+      <a:fillRef idx="1">
+        <a:scrgbClr r="0" g="0" b="0"/>
+      </a:fillRef>
+      <a:effectRef idx="0">
+        <a:scrgbClr r="0" g="0" b="0"/>
+      </a:effectRef>
+      <a:fontRef idx="minor">
+        <a:schemeClr val="lt1"/>
+      </a:fontRef>
+    </dgm:style>
+  </dgm:styleLbl>
+  <dgm:styleLbl name="parChTrans2D1">
+    <dgm:scene3d>
+      <a:camera prst="orthographicFront"/>
+      <a:lightRig rig="threePt" dir="t"/>
+    </dgm:scene3d>
+    <dgm:sp3d/>
+    <dgm:txPr/>
+    <dgm:style>
+      <a:lnRef idx="2">
+        <a:scrgbClr r="0" g="0" b="0"/>
+      </a:lnRef>
+      <a:fillRef idx="1">
+        <a:scrgbClr r="0" g="0" b="0"/>
+      </a:fillRef>
+      <a:effectRef idx="0">
+        <a:scrgbClr r="0" g="0" b="0"/>
+      </a:effectRef>
+      <a:fontRef idx="minor">
+        <a:schemeClr val="lt1"/>
+      </a:fontRef>
+    </dgm:style>
+  </dgm:styleLbl>
+  <dgm:styleLbl name="parChTrans2D2">
+    <dgm:scene3d>
+      <a:camera prst="orthographicFront"/>
+      <a:lightRig rig="threePt" dir="t"/>
+    </dgm:scene3d>
+    <dgm:sp3d/>
+    <dgm:txPr/>
+    <dgm:style>
+      <a:lnRef idx="2">
+        <a:scrgbClr r="0" g="0" b="0"/>
+      </a:lnRef>
+      <a:fillRef idx="1">
+        <a:scrgbClr r="0" g="0" b="0"/>
+      </a:fillRef>
+      <a:effectRef idx="0">
+        <a:scrgbClr r="0" g="0" b="0"/>
+      </a:effectRef>
+      <a:fontRef idx="minor">
+        <a:schemeClr val="lt1"/>
+      </a:fontRef>
+    </dgm:style>
+  </dgm:styleLbl>
+  <dgm:styleLbl name="parChTrans2D3">
+    <dgm:scene3d>
+      <a:camera prst="orthographicFront"/>
+      <a:lightRig rig="threePt" dir="t"/>
+    </dgm:scene3d>
+    <dgm:sp3d/>
+    <dgm:txPr/>
+    <dgm:style>
+      <a:lnRef idx="2">
+        <a:scrgbClr r="0" g="0" b="0"/>
+      </a:lnRef>
+      <a:fillRef idx="1">
+        <a:scrgbClr r="0" g="0" b="0"/>
+      </a:fillRef>
+      <a:effectRef idx="0">
+        <a:scrgbClr r="0" g="0" b="0"/>
+      </a:effectRef>
+      <a:fontRef idx="minor">
+        <a:schemeClr val="lt1"/>
+      </a:fontRef>
+    </dgm:style>
+  </dgm:styleLbl>
+  <dgm:styleLbl name="parChTrans2D4">
+    <dgm:scene3d>
+      <a:camera prst="orthographicFront"/>
+      <a:lightRig rig="threePt" dir="t"/>
+    </dgm:scene3d>
+    <dgm:sp3d/>
+    <dgm:txPr/>
+    <dgm:style>
+      <a:lnRef idx="2">
+        <a:scrgbClr r="0" g="0" b="0"/>
+      </a:lnRef>
+      <a:fillRef idx="1">
+        <a:scrgbClr r="0" g="0" b="0"/>
+      </a:fillRef>
+      <a:effectRef idx="0">
+        <a:scrgbClr r="0" g="0" b="0"/>
+      </a:effectRef>
+      <a:fontRef idx="minor">
+        <a:schemeClr val="lt1"/>
+      </a:fontRef>
+    </dgm:style>
+  </dgm:styleLbl>
+  <dgm:styleLbl name="parChTrans1D1">
+    <dgm:scene3d>
+      <a:camera prst="orthographicFront"/>
+      <a:lightRig rig="threePt" dir="t"/>
+    </dgm:scene3d>
+    <dgm:sp3d/>
+    <dgm:txPr/>
+    <dgm:style>
+      <a:lnRef idx="2">
+        <a:scrgbClr r="0" g="0" b="0"/>
+      </a:lnRef>
+      <a:fillRef idx="0">
+        <a:scrgbClr r="0" g="0" b="0"/>
+      </a:fillRef>
+      <a:effectRef idx="0">
+        <a:scrgbClr r="0" g="0" b="0"/>
+      </a:effectRef>
+      <a:fontRef idx="minor"/>
+    </dgm:style>
+  </dgm:styleLbl>
+  <dgm:styleLbl name="parChTrans1D2">
+    <dgm:scene3d>
+      <a:camera prst="orthographicFront"/>
+      <a:lightRig rig="threePt" dir="t"/>
+    </dgm:scene3d>
+    <dgm:sp3d/>
+    <dgm:txPr/>
+    <dgm:style>
+      <a:lnRef idx="2">
+        <a:scrgbClr r="0" g="0" b="0"/>
+      </a:lnRef>
+      <a:fillRef idx="0">
+        <a:scrgbClr r="0" g="0" b="0"/>
+      </a:fillRef>
+      <a:effectRef idx="0">
+        <a:scrgbClr r="0" g="0" b="0"/>
+      </a:effectRef>
+      <a:fontRef idx="minor"/>
+    </dgm:style>
+  </dgm:styleLbl>
+  <dgm:styleLbl name="parChTrans1D3">
+    <dgm:scene3d>
+      <a:camera prst="orthographicFront"/>
+      <a:lightRig rig="threePt" dir="t"/>
+    </dgm:scene3d>
+    <dgm:sp3d/>
+    <dgm:txPr/>
+    <dgm:style>
+      <a:lnRef idx="2">
+        <a:scrgbClr r="0" g="0" b="0"/>
+      </a:lnRef>
+      <a:fillRef idx="0">
+        <a:scrgbClr r="0" g="0" b="0"/>
+      </a:fillRef>
+      <a:effectRef idx="0">
+        <a:scrgbClr r="0" g="0" b="0"/>
+      </a:effectRef>
+      <a:fontRef idx="minor"/>
+    </dgm:style>
+  </dgm:styleLbl>
+  <dgm:styleLbl name="parChTrans1D4">
+    <dgm:scene3d>
+      <a:camera prst="orthographicFront"/>
+      <a:lightRig rig="threePt" dir="t"/>
+    </dgm:scene3d>
+    <dgm:sp3d/>
+    <dgm:txPr/>
+    <dgm:style>
+      <a:lnRef idx="2">
+        <a:scrgbClr r="0" g="0" b="0"/>
+      </a:lnRef>
+      <a:fillRef idx="0">
+        <a:scrgbClr r="0" g="0" b="0"/>
+      </a:fillRef>
+      <a:effectRef idx="0">
+        <a:scrgbClr r="0" g="0" b="0"/>
+      </a:effectRef>
+      <a:fontRef idx="minor"/>
+    </dgm:style>
+  </dgm:styleLbl>
+  <dgm:styleLbl name="fgAcc1">
+    <dgm:scene3d>
+      <a:camera prst="orthographicFront"/>
+      <a:lightRig rig="threePt" dir="t"/>
+    </dgm:scene3d>
+    <dgm:sp3d/>
+    <dgm:txPr/>
+    <dgm:style>
+      <a:lnRef idx="2">
+        <a:scrgbClr r="0" g="0" b="0"/>
+      </a:lnRef>
+      <a:fillRef idx="1">
+        <a:scrgbClr r="0" g="0" b="0"/>
+      </a:fillRef>
+      <a:effectRef idx="0">
+        <a:scrgbClr r="0" g="0" b="0"/>
+      </a:effectRef>
+      <a:fontRef idx="minor"/>
+    </dgm:style>
+  </dgm:styleLbl>
+  <dgm:styleLbl name="conFgAcc1">
+    <dgm:scene3d>
+      <a:camera prst="orthographicFront"/>
+      <a:lightRig rig="threePt" dir="t"/>
+    </dgm:scene3d>
+    <dgm:sp3d/>
+    <dgm:txPr/>
+    <dgm:style>
+      <a:lnRef idx="2">
+        <a:scrgbClr r="0" g="0" b="0"/>
+      </a:lnRef>
+      <a:fillRef idx="1">
+        <a:scrgbClr r="0" g="0" b="0"/>
+      </a:fillRef>
+      <a:effectRef idx="0">
+        <a:scrgbClr r="0" g="0" b="0"/>
+      </a:effectRef>
+      <a:fontRef idx="minor"/>
+    </dgm:style>
+  </dgm:styleLbl>
+  <dgm:styleLbl name="alignAcc1">
+    <dgm:scene3d>
+      <a:camera prst="orthographicFront"/>
+      <a:lightRig rig="threePt" dir="t"/>
+    </dgm:scene3d>
+    <dgm:sp3d/>
+    <dgm:txPr/>
+    <dgm:style>
+      <a:lnRef idx="2">
+        <a:scrgbClr r="0" g="0" b="0"/>
+      </a:lnRef>
+      <a:fillRef idx="1">
+        <a:scrgbClr r="0" g="0" b="0"/>
+      </a:fillRef>
+      <a:effectRef idx="0">
+        <a:scrgbClr r="0" g="0" b="0"/>
+      </a:effectRef>
+      <a:fontRef idx="minor"/>
+    </dgm:style>
+  </dgm:styleLbl>
+  <dgm:styleLbl name="trAlignAcc1">
+    <dgm:scene3d>
+      <a:camera prst="orthographicFront"/>
+      <a:lightRig rig="threePt" dir="t"/>
+    </dgm:scene3d>
+    <dgm:sp3d/>
+    <dgm:txPr/>
+    <dgm:style>
+      <a:lnRef idx="1">
+        <a:scrgbClr r="0" g="0" b="0"/>
+      </a:lnRef>
+      <a:fillRef idx="1">
+        <a:scrgbClr r="0" g="0" b="0"/>
+      </a:fillRef>
+      <a:effectRef idx="0">
+        <a:scrgbClr r="0" g="0" b="0"/>
+      </a:effectRef>
+      <a:fontRef idx="minor"/>
+    </dgm:style>
+  </dgm:styleLbl>
+  <dgm:styleLbl name="bgAcc1">
+    <dgm:scene3d>
+      <a:camera prst="orthographicFront"/>
+      <a:lightRig rig="threePt" dir="t"/>
+    </dgm:scene3d>
+    <dgm:sp3d/>
+    <dgm:txPr/>
+    <dgm:style>
+      <a:lnRef idx="2">
+        <a:scrgbClr r="0" g="0" b="0"/>
+      </a:lnRef>
+      <a:fillRef idx="1">
+        <a:scrgbClr r="0" g="0" b="0"/>
+      </a:fillRef>
+      <a:effectRef idx="0">
+        <a:scrgbClr r="0" g="0" b="0"/>
+      </a:effectRef>
+      <a:fontRef idx="minor"/>
+    </dgm:style>
+  </dgm:styleLbl>
+  <dgm:styleLbl name="solidFgAcc1">
+    <dgm:scene3d>
+      <a:camera prst="orthographicFront"/>
+      <a:lightRig rig="threePt" dir="t"/>
+    </dgm:scene3d>
+    <dgm:sp3d/>
+    <dgm:txPr/>
+    <dgm:style>
+      <a:lnRef idx="2">
+        <a:scrgbClr r="0" g="0" b="0"/>
+      </a:lnRef>
+      <a:fillRef idx="1">
+        <a:scrgbClr r="0" g="0" b="0"/>
+      </a:fillRef>
+      <a:effectRef idx="0">
+        <a:scrgbClr r="0" g="0" b="0"/>
+      </a:effectRef>
+      <a:fontRef idx="minor"/>
+    </dgm:style>
+  </dgm:styleLbl>
+  <dgm:styleLbl name="solidAlignAcc1">
+    <dgm:scene3d>
+      <a:camera prst="orthographicFront"/>
+      <a:lightRig rig="threePt" dir="t"/>
+    </dgm:scene3d>
+    <dgm:sp3d/>
+    <dgm:txPr/>
+    <dgm:style>
+      <a:lnRef idx="2">
+        <a:scrgbClr r="0" g="0" b="0"/>
+      </a:lnRef>
+      <a:fillRef idx="1">
+        <a:scrgbClr r="0" g="0" b="0"/>
+      </a:fillRef>
+      <a:effectRef idx="0">
+        <a:scrgbClr r="0" g="0" b="0"/>
+      </a:effectRef>
+      <a:fontRef idx="minor"/>
+    </dgm:style>
+  </dgm:styleLbl>
+  <dgm:styleLbl name="solidBgAcc1">
+    <dgm:scene3d>
+      <a:camera prst="orthographicFront"/>
+      <a:lightRig rig="threePt" dir="t"/>
+    </dgm:scene3d>
+    <dgm:sp3d/>
+    <dgm:txPr/>
+    <dgm:style>
+      <a:lnRef idx="2">
+        <a:scrgbClr r="0" g="0" b="0"/>
+      </a:lnRef>
+      <a:fillRef idx="1">
+        <a:scrgbClr r="0" g="0" b="0"/>
+      </a:fillRef>
+      <a:effectRef idx="0">
+        <a:scrgbClr r="0" g="0" b="0"/>
+      </a:effectRef>
+      <a:fontRef idx="minor"/>
+    </dgm:style>
+  </dgm:styleLbl>
+  <dgm:styleLbl name="fgAccFollowNode1">
+    <dgm:scene3d>
+      <a:camera prst="orthographicFront"/>
+      <a:lightRig rig="threePt" dir="t"/>
+    </dgm:scene3d>
+    <dgm:sp3d/>
+    <dgm:txPr/>
+    <dgm:style>
+      <a:lnRef idx="2">
+        <a:scrgbClr r="0" g="0" b="0"/>
+      </a:lnRef>
+      <a:fillRef idx="1">
+        <a:scrgbClr r="0" g="0" b="0"/>
+      </a:fillRef>
+      <a:effectRef idx="0">
+        <a:scrgbClr r="0" g="0" b="0"/>
+      </a:effectRef>
+      <a:fontRef idx="minor"/>
+    </dgm:style>
+  </dgm:styleLbl>
+  <dgm:styleLbl name="alignAccFollowNode1">
+    <dgm:scene3d>
+      <a:camera prst="orthographicFront"/>
+      <a:lightRig rig="threePt" dir="t"/>
+    </dgm:scene3d>
+    <dgm:sp3d/>
+    <dgm:txPr/>
+    <dgm:style>
+      <a:lnRef idx="2">
+        <a:scrgbClr r="0" g="0" b="0"/>
+      </a:lnRef>
+      <a:fillRef idx="1">
+        <a:scrgbClr r="0" g="0" b="0"/>
+      </a:fillRef>
+      <a:effectRef idx="0">
+        <a:scrgbClr r="0" g="0" b="0"/>
+      </a:effectRef>
+      <a:fontRef idx="minor"/>
+    </dgm:style>
+  </dgm:styleLbl>
+  <dgm:styleLbl name="bgAccFollowNode1">
+    <dgm:scene3d>
+      <a:camera prst="orthographicFront"/>
+      <a:lightRig rig="threePt" dir="t"/>
+    </dgm:scene3d>
+    <dgm:sp3d/>
+    <dgm:txPr/>
+    <dgm:style>
+      <a:lnRef idx="2">
+        <a:scrgbClr r="0" g="0" b="0"/>
+      </a:lnRef>
+      <a:fillRef idx="1">
+        <a:scrgbClr r="0" g="0" b="0"/>
+      </a:fillRef>
+      <a:effectRef idx="0">
+        <a:scrgbClr r="0" g="0" b="0"/>
+      </a:effectRef>
+      <a:fontRef idx="minor"/>
+    </dgm:style>
+  </dgm:styleLbl>
+  <dgm:styleLbl name="fgAcc0">
+    <dgm:scene3d>
+      <a:camera prst="orthographicFront"/>
+      <a:lightRig rig="threePt" dir="t"/>
+    </dgm:scene3d>
+    <dgm:sp3d/>
+    <dgm:txPr/>
+    <dgm:style>
+      <a:lnRef idx="2">
+        <a:scrgbClr r="0" g="0" b="0"/>
+      </a:lnRef>
+      <a:fillRef idx="1">
+        <a:scrgbClr r="0" g="0" b="0"/>
+      </a:fillRef>
+      <a:effectRef idx="0">
+        <a:scrgbClr r="0" g="0" b="0"/>
+      </a:effectRef>
+      <a:fontRef idx="minor"/>
+    </dgm:style>
+  </dgm:styleLbl>
+  <dgm:styleLbl name="fgAcc2">
+    <dgm:scene3d>
+      <a:camera prst="orthographicFront"/>
+      <a:lightRig rig="threePt" dir="t"/>
+    </dgm:scene3d>
+    <dgm:sp3d/>
+    <dgm:txPr/>
+    <dgm:style>
+      <a:lnRef idx="2">
+        <a:scrgbClr r="0" g="0" b="0"/>
+      </a:lnRef>
+      <a:fillRef idx="1">
+        <a:scrgbClr r="0" g="0" b="0"/>
+      </a:fillRef>
+      <a:effectRef idx="0">
+        <a:scrgbClr r="0" g="0" b="0"/>
+      </a:effectRef>
+      <a:fontRef idx="minor"/>
+    </dgm:style>
+  </dgm:styleLbl>
+  <dgm:styleLbl name="fgAcc3">
+    <dgm:scene3d>
+      <a:camera prst="orthographicFront"/>
+      <a:lightRig rig="threePt" dir="t"/>
+    </dgm:scene3d>
+    <dgm:sp3d/>
+    <dgm:txPr/>
+    <dgm:style>
+      <a:lnRef idx="2">
+        <a:scrgbClr r="0" g="0" b="0"/>
+      </a:lnRef>
+      <a:fillRef idx="1">
+        <a:scrgbClr r="0" g="0" b="0"/>
+      </a:fillRef>
+      <a:effectRef idx="0">
+        <a:scrgbClr r="0" g="0" b="0"/>
+      </a:effectRef>
+      <a:fontRef idx="minor"/>
+    </dgm:style>
+  </dgm:styleLbl>
+  <dgm:styleLbl name="fgAcc4">
+    <dgm:scene3d>
+      <a:camera prst="orthographicFront"/>
+      <a:lightRig rig="threePt" dir="t"/>
+    </dgm:scene3d>
+    <dgm:sp3d/>
+    <dgm:txPr/>
+    <dgm:style>
+      <a:lnRef idx="2">
+        <a:scrgbClr r="0" g="0" b="0"/>
+      </a:lnRef>
+      <a:fillRef idx="1">
+        <a:scrgbClr r="0" g="0" b="0"/>
+      </a:fillRef>
+      <a:effectRef idx="0">
+        <a:scrgbClr r="0" g="0" b="0"/>
+      </a:effectRef>
+      <a:fontRef idx="minor"/>
+    </dgm:style>
+  </dgm:styleLbl>
+  <dgm:styleLbl name="bgShp">
+    <dgm:scene3d>
+      <a:camera prst="orthographicFront"/>
+      <a:lightRig rig="threePt" dir="t"/>
+    </dgm:scene3d>
+    <dgm:sp3d/>
+    <dgm:txPr/>
+    <dgm:style>
+      <a:lnRef idx="0">
+        <a:scrgbClr r="0" g="0" b="0"/>
+      </a:lnRef>
+      <a:fillRef idx="1">
+        <a:scrgbClr r="0" g="0" b="0"/>
+      </a:fillRef>
+      <a:effectRef idx="0">
+        <a:scrgbClr r="0" g="0" b="0"/>
+      </a:effectRef>
+      <a:fontRef idx="minor"/>
+    </dgm:style>
+  </dgm:styleLbl>
+  <dgm:styleLbl name="dkBgShp">
+    <dgm:scene3d>
+      <a:camera prst="orthographicFront"/>
+      <a:lightRig rig="threePt" dir="t"/>
+    </dgm:scene3d>
+    <dgm:sp3d/>
+    <dgm:txPr/>
+    <dgm:style>
+      <a:lnRef idx="0">
+        <a:scrgbClr r="0" g="0" b="0"/>
+      </a:lnRef>
+      <a:fillRef idx="1">
+        <a:scrgbClr r="0" g="0" b="0"/>
+      </a:fillRef>
+      <a:effectRef idx="0">
+        <a:scrgbClr r="0" g="0" b="0"/>
+      </a:effectRef>
+      <a:fontRef idx="minor"/>
+    </dgm:style>
+  </dgm:styleLbl>
+  <dgm:styleLbl name="trBgShp">
+    <dgm:scene3d>
+      <a:camera prst="orthographicFront"/>
+      <a:lightRig rig="threePt" dir="t"/>
+    </dgm:scene3d>
+    <dgm:sp3d/>
+    <dgm:txPr/>
+    <dgm:style>
+      <a:lnRef idx="0">
+        <a:scrgbClr r="0" g="0" b="0"/>
+      </a:lnRef>
+      <a:fillRef idx="1">
+        <a:scrgbClr r="0" g="0" b="0"/>
+      </a:fillRef>
+      <a:effectRef idx="0">
+        <a:scrgbClr r="0" g="0" b="0"/>
+      </a:effectRef>
+      <a:fontRef idx="minor"/>
+    </dgm:style>
+  </dgm:styleLbl>
+  <dgm:styleLbl name="fgShp">
+    <dgm:scene3d>
+      <a:camera prst="orthographicFront"/>
+      <a:lightRig rig="threePt" dir="t"/>
+    </dgm:scene3d>
+    <dgm:sp3d/>
+    <dgm:txPr/>
+    <dgm:style>
+      <a:lnRef idx="2">
+        <a:scrgbClr r="0" g="0" b="0"/>
+      </a:lnRef>
+      <a:fillRef idx="1">
+        <a:scrgbClr r="0" g="0" b="0"/>
+      </a:fillRef>
+      <a:effectRef idx="0">
+        <a:scrgbClr r="0" g="0" b="0"/>
+      </a:effectRef>
+      <a:fontRef idx="minor"/>
+    </dgm:style>
+  </dgm:styleLbl>
+  <dgm:styleLbl name="revTx">
+    <dgm:scene3d>
+      <a:camera prst="orthographicFront"/>
+      <a:lightRig rig="threePt" dir="t"/>
+    </dgm:scene3d>
+    <dgm:sp3d/>
+    <dgm:txPr/>
+    <dgm:style>
+      <a:lnRef idx="0">
+        <a:scrgbClr r="0" g="0" b="0"/>
+      </a:lnRef>
+      <a:fillRef idx="0">
+        <a:scrgbClr r="0" g="0" b="0"/>
+      </a:fillRef>
+      <a:effectRef idx="0">
+        <a:scrgbClr r="0" g="0" b="0"/>
+      </a:effectRef>
+      <a:fontRef idx="minor"/>
+    </dgm:style>
+  </dgm:styleLbl>
+</dgm:styleDef>
+</file>
+
+<file path=ppt/diagrams/quickStyle2.xml><?xml version="1.0" encoding="utf-8"?>
+<dgm:styleDef xmlns:dgm="http://schemas.openxmlformats.org/drawingml/2006/diagram" xmlns:a="http://schemas.openxmlformats.org/drawingml/2006/main" uniqueId="urn:microsoft.com/office/officeart/2005/8/quickstyle/simple5">
+  <dgm:title val=""/>
+  <dgm:desc val=""/>
+  <dgm:catLst>
+    <dgm:cat type="simple" pri="10500"/>
+  </dgm:catLst>
+  <dgm:scene3d>
+    <a:camera prst="orthographicFront"/>
+    <a:lightRig rig="threePt" dir="t"/>
+  </dgm:scene3d>
+  <dgm:styleLbl name="node0">
+    <dgm:scene3d>
+      <a:camera prst="orthographicFront"/>
+      <a:lightRig rig="threePt" dir="t"/>
+    </dgm:scene3d>
+    <dgm:sp3d/>
+    <dgm:txPr/>
+    <dgm:style>
+      <a:lnRef idx="0">
+        <a:scrgbClr r="0" g="0" b="0"/>
+      </a:lnRef>
+      <a:fillRef idx="3">
+        <a:scrgbClr r="0" g="0" b="0"/>
+      </a:fillRef>
+      <a:effectRef idx="3">
+        <a:scrgbClr r="0" g="0" b="0"/>
+      </a:effectRef>
+      <a:fontRef idx="minor">
+        <a:schemeClr val="lt1"/>
+      </a:fontRef>
+    </dgm:style>
+  </dgm:styleLbl>
+  <dgm:styleLbl name="lnNode1">
+    <dgm:scene3d>
+      <a:camera prst="orthographicFront"/>
+      <a:lightRig rig="threePt" dir="t"/>
+    </dgm:scene3d>
+    <dgm:sp3d/>
+    <dgm:txPr/>
+    <dgm:style>
+      <a:lnRef idx="0">
+        <a:scrgbClr r="0" g="0" b="0"/>
+      </a:lnRef>
+      <a:fillRef idx="3">
+        <a:scrgbClr r="0" g="0" b="0"/>
+      </a:fillRef>
+      <a:effectRef idx="3">
+        <a:scrgbClr r="0" g="0" b="0"/>
+      </a:effectRef>
+      <a:fontRef idx="minor">
+        <a:schemeClr val="lt1"/>
+      </a:fontRef>
+    </dgm:style>
+  </dgm:styleLbl>
+  <dgm:styleLbl name="vennNode1">
+    <dgm:scene3d>
+      <a:camera prst="orthographicFront"/>
+      <a:lightRig rig="threePt" dir="t"/>
+    </dgm:scene3d>
+    <dgm:sp3d/>
+    <dgm:txPr/>
+    <dgm:style>
+      <a:lnRef idx="0">
+        <a:scrgbClr r="0" g="0" b="0"/>
+      </a:lnRef>
+      <a:fillRef idx="3">
+        <a:scrgbClr r="0" g="0" b="0"/>
+      </a:fillRef>
+      <a:effectRef idx="3">
+        <a:scrgbClr r="0" g="0" b="0"/>
+      </a:effectRef>
+      <a:fontRef idx="minor">
+        <a:schemeClr val="tx1"/>
+      </a:fontRef>
+    </dgm:style>
+  </dgm:styleLbl>
+  <dgm:styleLbl name="alignNode1">
+    <dgm:scene3d>
+      <a:camera prst="orthographicFront"/>
+      <a:lightRig rig="threePt" dir="t"/>
+    </dgm:scene3d>
+    <dgm:sp3d/>
+    <dgm:txPr/>
+    <dgm:style>
+      <a:lnRef idx="1">
+        <a:scrgbClr r="0" g="0" b="0"/>
+      </a:lnRef>
+      <a:fillRef idx="3">
+        <a:scrgbClr r="0" g="0" b="0"/>
+      </a:fillRef>
+      <a:effectRef idx="3">
+        <a:scrgbClr r="0" g="0" b="0"/>
+      </a:effectRef>
+      <a:fontRef idx="minor">
+        <a:schemeClr val="lt1"/>
+      </a:fontRef>
+    </dgm:style>
+  </dgm:styleLbl>
+  <dgm:styleLbl name="node1">
+    <dgm:scene3d>
+      <a:camera prst="orthographicFront"/>
+      <a:lightRig rig="threePt" dir="t"/>
+    </dgm:scene3d>
+    <dgm:sp3d/>
+    <dgm:txPr/>
+    <dgm:style>
+      <a:lnRef idx="0">
+        <a:scrgbClr r="0" g="0" b="0"/>
+      </a:lnRef>
+      <a:fillRef idx="3">
+        <a:scrgbClr r="0" g="0" b="0"/>
+      </a:fillRef>
+      <a:effectRef idx="3">
+        <a:scrgbClr r="0" g="0" b="0"/>
+      </a:effectRef>
+      <a:fontRef idx="minor">
+        <a:schemeClr val="lt1"/>
+      </a:fontRef>
+    </dgm:style>
+  </dgm:styleLbl>
+  <dgm:styleLbl name="node2">
+    <dgm:scene3d>
+      <a:camera prst="orthographicFront"/>
+      <a:lightRig rig="threePt" dir="t"/>
+    </dgm:scene3d>
+    <dgm:sp3d/>
+    <dgm:txPr/>
+    <dgm:style>
+      <a:lnRef idx="0">
+        <a:scrgbClr r="0" g="0" b="0"/>
+      </a:lnRef>
+      <a:fillRef idx="3">
+        <a:scrgbClr r="0" g="0" b="0"/>
+      </a:fillRef>
+      <a:effectRef idx="3">
+        <a:scrgbClr r="0" g="0" b="0"/>
+      </a:effectRef>
+      <a:fontRef idx="minor">
+        <a:schemeClr val="lt1"/>
+      </a:fontRef>
+    </dgm:style>
+  </dgm:styleLbl>
+  <dgm:styleLbl name="node3">
+    <dgm:scene3d>
+      <a:camera prst="orthographicFront"/>
+      <a:lightRig rig="threePt" dir="t"/>
+    </dgm:scene3d>
+    <dgm:sp3d/>
+    <dgm:txPr/>
+    <dgm:style>
+      <a:lnRef idx="0">
+        <a:scrgbClr r="0" g="0" b="0"/>
+      </a:lnRef>
+      <a:fillRef idx="3">
+        <a:scrgbClr r="0" g="0" b="0"/>
+      </a:fillRef>
+      <a:effectRef idx="3">
+        <a:scrgbClr r="0" g="0" b="0"/>
+      </a:effectRef>
+      <a:fontRef idx="minor">
+        <a:schemeClr val="lt1"/>
+      </a:fontRef>
+    </dgm:style>
+  </dgm:styleLbl>
+  <dgm:styleLbl name="node4">
+    <dgm:scene3d>
+      <a:camera prst="orthographicFront"/>
+      <a:lightRig rig="threePt" dir="t"/>
+    </dgm:scene3d>
+    <dgm:sp3d/>
+    <dgm:txPr/>
+    <dgm:style>
+      <a:lnRef idx="0">
+        <a:scrgbClr r="0" g="0" b="0"/>
+      </a:lnRef>
+      <a:fillRef idx="3">
+        <a:scrgbClr r="0" g="0" b="0"/>
+      </a:fillRef>
+      <a:effectRef idx="3">
+        <a:scrgbClr r="0" g="0" b="0"/>
+      </a:effectRef>
+      <a:fontRef idx="minor">
+        <a:schemeClr val="lt1"/>
+      </a:fontRef>
+    </dgm:style>
+  </dgm:styleLbl>
+  <dgm:styleLbl name="fgImgPlace1">
+    <dgm:scene3d>
+      <a:camera prst="orthographicFront"/>
+      <a:lightRig rig="threePt" dir="t"/>
+    </dgm:scene3d>
+    <dgm:sp3d/>
+    <dgm:txPr/>
+    <dgm:style>
+      <a:lnRef idx="0">
+        <a:scrgbClr r="0" g="0" b="0"/>
+      </a:lnRef>
+      <a:fillRef idx="1">
+        <a:scrgbClr r="0" g="0" b="0"/>
+      </a:fillRef>
+      <a:effectRef idx="3">
+        <a:scrgbClr r="0" g="0" b="0"/>
+      </a:effectRef>
+      <a:fontRef idx="minor"/>
+    </dgm:style>
+  </dgm:styleLbl>
+  <dgm:styleLbl name="alignImgPlace1">
+    <dgm:scene3d>
+      <a:camera prst="orthographicFront"/>
+      <a:lightRig rig="threePt" dir="t"/>
+    </dgm:scene3d>
+    <dgm:sp3d/>
+    <dgm:txPr/>
+    <dgm:style>
+      <a:lnRef idx="0">
+        <a:scrgbClr r="0" g="0" b="0"/>
+      </a:lnRef>
+      <a:fillRef idx="1">
+        <a:scrgbClr r="0" g="0" b="0"/>
+      </a:fillRef>
+      <a:effectRef idx="3">
+        <a:scrgbClr r="0" g="0" b="0"/>
+      </a:effectRef>
+      <a:fontRef idx="minor"/>
+    </dgm:style>
+  </dgm:styleLbl>
+  <dgm:styleLbl name="bgImgPlace1">
+    <dgm:scene3d>
+      <a:camera prst="orthographicFront"/>
+      <a:lightRig rig="threePt" dir="t"/>
+    </dgm:scene3d>
+    <dgm:sp3d/>
+    <dgm:txPr/>
+    <dgm:style>
+      <a:lnRef idx="0">
+        <a:scrgbClr r="0" g="0" b="0"/>
+      </a:lnRef>
+      <a:fillRef idx="1">
+        <a:scrgbClr r="0" g="0" b="0"/>
+      </a:fillRef>
+      <a:effectRef idx="3">
+        <a:scrgbClr r="0" g="0" b="0"/>
+      </a:effectRef>
+      <a:fontRef idx="minor"/>
+    </dgm:style>
+  </dgm:styleLbl>
+  <dgm:styleLbl name="sibTrans2D1">
+    <dgm:scene3d>
+      <a:camera prst="orthographicFront"/>
+      <a:lightRig rig="threePt" dir="t"/>
+    </dgm:scene3d>
+    <dgm:sp3d/>
+    <dgm:txPr/>
+    <dgm:style>
+      <a:lnRef idx="0">
+        <a:scrgbClr r="0" g="0" b="0"/>
+      </a:lnRef>
+      <a:fillRef idx="3">
+        <a:scrgbClr r="0" g="0" b="0"/>
+      </a:fillRef>
+      <a:effectRef idx="3">
+        <a:scrgbClr r="0" g="0" b="0"/>
+      </a:effectRef>
+      <a:fontRef idx="minor">
+        <a:schemeClr val="lt1"/>
+      </a:fontRef>
+    </dgm:style>
+  </dgm:styleLbl>
+  <dgm:styleLbl name="fgSibTrans2D1">
+    <dgm:scene3d>
+      <a:camera prst="orthographicFront"/>
+      <a:lightRig rig="threePt" dir="t"/>
+    </dgm:scene3d>
+    <dgm:sp3d/>
+    <dgm:txPr/>
+    <dgm:style>
+      <a:lnRef idx="0">
+        <a:scrgbClr r="0" g="0" b="0"/>
+      </a:lnRef>
+      <a:fillRef idx="3">
+        <a:scrgbClr r="0" g="0" b="0"/>
+      </a:fillRef>
+      <a:effectRef idx="3">
+        <a:scrgbClr r="0" g="0" b="0"/>
+      </a:effectRef>
+      <a:fontRef idx="minor">
+        <a:schemeClr val="lt1"/>
+      </a:fontRef>
+    </dgm:style>
+  </dgm:styleLbl>
+  <dgm:styleLbl name="bgSibTrans2D1">
+    <dgm:scene3d>
+      <a:camera prst="orthographicFront"/>
+      <a:lightRig rig="threePt" dir="t"/>
+    </dgm:scene3d>
+    <dgm:sp3d/>
+    <dgm:txPr/>
+    <dgm:style>
+      <a:lnRef idx="0">
+        <a:scrgbClr r="0" g="0" b="0"/>
+      </a:lnRef>
+      <a:fillRef idx="3">
+        <a:scrgbClr r="0" g="0" b="0"/>
+      </a:fillRef>
+      <a:effectRef idx="3">
+        <a:scrgbClr r="0" g="0" b="0"/>
+      </a:effectRef>
+      <a:fontRef idx="minor">
+        <a:schemeClr val="lt1"/>
+      </a:fontRef>
+    </dgm:style>
+  </dgm:styleLbl>
+  <dgm:styleLbl name="sibTrans1D1">
+    <dgm:scene3d>
+      <a:camera prst="orthographicFront"/>
+      <a:lightRig rig="threePt" dir="t"/>
+    </dgm:scene3d>
+    <dgm:sp3d/>
+    <dgm:txPr/>
+    <dgm:style>
+      <a:lnRef idx="1">
+        <a:scrgbClr r="0" g="0" b="0"/>
+      </a:lnRef>
+      <a:fillRef idx="0">
+        <a:scrgbClr r="0" g="0" b="0"/>
+      </a:fillRef>
+      <a:effectRef idx="0">
+        <a:scrgbClr r="0" g="0" b="0"/>
+      </a:effectRef>
+      <a:fontRef idx="minor"/>
+    </dgm:style>
+  </dgm:styleLbl>
+  <dgm:styleLbl name="callout">
+    <dgm:scene3d>
+      <a:camera prst="orthographicFront"/>
+      <a:lightRig rig="threePt" dir="t"/>
+    </dgm:scene3d>
+    <dgm:sp3d/>
+    <dgm:txPr/>
+    <dgm:style>
+      <a:lnRef idx="1">
+        <a:scrgbClr r="0" g="0" b="0"/>
+      </a:lnRef>
+      <a:fillRef idx="0">
+        <a:scrgbClr r="0" g="0" b="0"/>
+      </a:fillRef>
+      <a:effectRef idx="1">
+        <a:scrgbClr r="0" g="0" b="0"/>
+      </a:effectRef>
+      <a:fontRef idx="minor"/>
+    </dgm:style>
+  </dgm:styleLbl>
+  <dgm:styleLbl name="asst0">
+    <dgm:scene3d>
+      <a:camera prst="orthographicFront"/>
+      <a:lightRig rig="threePt" dir="t"/>
+    </dgm:scene3d>
+    <dgm:sp3d/>
+    <dgm:txPr/>
+    <dgm:style>
+      <a:lnRef idx="0">
+        <a:scrgbClr r="0" g="0" b="0"/>
+      </a:lnRef>
+      <a:fillRef idx="3">
+        <a:scrgbClr r="0" g="0" b="0"/>
+      </a:fillRef>
+      <a:effectRef idx="3">
+        <a:scrgbClr r="0" g="0" b="0"/>
+      </a:effectRef>
+      <a:fontRef idx="minor">
+        <a:schemeClr val="lt1"/>
+      </a:fontRef>
+    </dgm:style>
+  </dgm:styleLbl>
+  <dgm:styleLbl name="asst1">
+    <dgm:scene3d>
+      <a:camera prst="orthographicFront"/>
+      <a:lightRig rig="threePt" dir="t"/>
+    </dgm:scene3d>
+    <dgm:sp3d/>
+    <dgm:txPr/>
+    <dgm:style>
+      <a:lnRef idx="0">
+        <a:scrgbClr r="0" g="0" b="0"/>
+      </a:lnRef>
+      <a:fillRef idx="3">
+        <a:scrgbClr r="0" g="0" b="0"/>
+      </a:fillRef>
+      <a:effectRef idx="3">
+        <a:scrgbClr r="0" g="0" b="0"/>
+      </a:effectRef>
+      <a:fontRef idx="minor">
+        <a:schemeClr val="lt1"/>
+      </a:fontRef>
+    </dgm:style>
+  </dgm:styleLbl>
+  <dgm:styleLbl name="asst2">
+    <dgm:scene3d>
+      <a:camera prst="orthographicFront"/>
+      <a:lightRig rig="threePt" dir="t"/>
+    </dgm:scene3d>
+    <dgm:sp3d/>
+    <dgm:txPr/>
+    <dgm:style>
+      <a:lnRef idx="0">
+        <a:scrgbClr r="0" g="0" b="0"/>
+      </a:lnRef>
+      <a:fillRef idx="3">
+        <a:scrgbClr r="0" g="0" b="0"/>
+      </a:fillRef>
+      <a:effectRef idx="3">
+        <a:scrgbClr r="0" g="0" b="0"/>
+      </a:effectRef>
+      <a:fontRef idx="minor">
+        <a:schemeClr val="lt1"/>
+      </a:fontRef>
+    </dgm:style>
+  </dgm:styleLbl>
+  <dgm:styleLbl name="asst3">
+    <dgm:scene3d>
+      <a:camera prst="orthographicFront"/>
+      <a:lightRig rig="threePt" dir="t"/>
+    </dgm:scene3d>
+    <dgm:sp3d/>
+    <dgm:txPr/>
+    <dgm:style>
+      <a:lnRef idx="0">
+        <a:scrgbClr r="0" g="0" b="0"/>
+      </a:lnRef>
+      <a:fillRef idx="3">
+        <a:scrgbClr r="0" g="0" b="0"/>
+      </a:fillRef>
+      <a:effectRef idx="3">
+        <a:scrgbClr r="0" g="0" b="0"/>
+      </a:effectRef>
+      <a:fontRef idx="minor">
+        <a:schemeClr val="lt1"/>
+      </a:fontRef>
+    </dgm:style>
+  </dgm:styleLbl>
+  <dgm:styleLbl name="asst4">
+    <dgm:scene3d>
+      <a:camera prst="orthographicFront"/>
+      <a:lightRig rig="threePt" dir="t"/>
+    </dgm:scene3d>
+    <dgm:sp3d/>
+    <dgm:txPr/>
+    <dgm:style>
+      <a:lnRef idx="0">
+        <a:scrgbClr r="0" g="0" b="0"/>
+      </a:lnRef>
+      <a:fillRef idx="3">
+        <a:scrgbClr r="0" g="0" b="0"/>
+      </a:fillRef>
+      <a:effectRef idx="3">
+        <a:scrgbClr r="0" g="0" b="0"/>
+      </a:effectRef>
+      <a:fontRef idx="minor">
+        <a:schemeClr val="lt1"/>
+      </a:fontRef>
+    </dgm:style>
+  </dgm:styleLbl>
+  <dgm:styleLbl name="parChTrans2D1">
+    <dgm:scene3d>
+      <a:camera prst="orthographicFront"/>
+      <a:lightRig rig="threePt" dir="t"/>
+    </dgm:scene3d>
+    <dgm:sp3d/>
+    <dgm:txPr/>
+    <dgm:style>
+      <a:lnRef idx="0">
+        <a:scrgbClr r="0" g="0" b="0"/>
+      </a:lnRef>
+      <a:fillRef idx="3">
+        <a:scrgbClr r="0" g="0" b="0"/>
+      </a:fillRef>
+      <a:effectRef idx="3">
+        <a:scrgbClr r="0" g="0" b="0"/>
+      </a:effectRef>
+      <a:fontRef idx="minor">
+        <a:schemeClr val="lt1"/>
+      </a:fontRef>
+    </dgm:style>
+  </dgm:styleLbl>
+  <dgm:styleLbl name="parChTrans2D2">
+    <dgm:scene3d>
+      <a:camera prst="orthographicFront"/>
+      <a:lightRig rig="threePt" dir="t"/>
+    </dgm:scene3d>
+    <dgm:sp3d/>
+    <dgm:txPr/>
+    <dgm:style>
+      <a:lnRef idx="0">
+        <a:scrgbClr r="0" g="0" b="0"/>
+      </a:lnRef>
+      <a:fillRef idx="3">
+        <a:scrgbClr r="0" g="0" b="0"/>
+      </a:fillRef>
+      <a:effectRef idx="3">
+        <a:scrgbClr r="0" g="0" b="0"/>
+      </a:effectRef>
+      <a:fontRef idx="minor">
+        <a:schemeClr val="lt1"/>
+      </a:fontRef>
+    </dgm:style>
+  </dgm:styleLbl>
+  <dgm:styleLbl name="parChTrans2D3">
+    <dgm:scene3d>
+      <a:camera prst="orthographicFront"/>
+      <a:lightRig rig="threePt" dir="t"/>
+    </dgm:scene3d>
+    <dgm:sp3d/>
+    <dgm:txPr/>
+    <dgm:style>
+      <a:lnRef idx="0">
+        <a:scrgbClr r="0" g="0" b="0"/>
+      </a:lnRef>
+      <a:fillRef idx="3">
+        <a:scrgbClr r="0" g="0" b="0"/>
+      </a:fillRef>
+      <a:effectRef idx="3">
+        <a:scrgbClr r="0" g="0" b="0"/>
+      </a:effectRef>
+      <a:fontRef idx="minor">
+        <a:schemeClr val="lt1"/>
+      </a:fontRef>
+    </dgm:style>
+  </dgm:styleLbl>
+  <dgm:styleLbl name="parChTrans2D4">
+    <dgm:scene3d>
+      <a:camera prst="orthographicFront"/>
+      <a:lightRig rig="threePt" dir="t"/>
+    </dgm:scene3d>
+    <dgm:sp3d/>
+    <dgm:txPr/>
+    <dgm:style>
+      <a:lnRef idx="0">
+        <a:scrgbClr r="0" g="0" b="0"/>
+      </a:lnRef>
+      <a:fillRef idx="3">
+        <a:scrgbClr r="0" g="0" b="0"/>
+      </a:fillRef>
+      <a:effectRef idx="3">
+        <a:scrgbClr r="0" g="0" b="0"/>
+      </a:effectRef>
+      <a:fontRef idx="minor">
+        <a:schemeClr val="lt1"/>
+      </a:fontRef>
+    </dgm:style>
+  </dgm:styleLbl>
+  <dgm:styleLbl name="parChTrans1D1">
+    <dgm:scene3d>
+      <a:camera prst="orthographicFront"/>
+      <a:lightRig rig="threePt" dir="t"/>
+    </dgm:scene3d>
+    <dgm:sp3d/>
+    <dgm:txPr/>
+    <dgm:style>
+      <a:lnRef idx="2">
+        <a:scrgbClr r="0" g="0" b="0"/>
+      </a:lnRef>
+      <a:fillRef idx="0">
+        <a:scrgbClr r="0" g="0" b="0"/>
+      </a:fillRef>
+      <a:effectRef idx="0">
+        <a:scrgbClr r="0" g="0" b="0"/>
+      </a:effectRef>
+      <a:fontRef idx="minor"/>
+    </dgm:style>
+  </dgm:styleLbl>
+  <dgm:styleLbl name="parChTrans1D2">
+    <dgm:scene3d>
+      <a:camera prst="orthographicFront"/>
+      <a:lightRig rig="threePt" dir="t"/>
+    </dgm:scene3d>
+    <dgm:sp3d/>
+    <dgm:txPr/>
+    <dgm:style>
+      <a:lnRef idx="2">
+        <a:scrgbClr r="0" g="0" b="0"/>
+      </a:lnRef>
+      <a:fillRef idx="0">
+        <a:scrgbClr r="0" g="0" b="0"/>
+      </a:fillRef>
+      <a:effectRef idx="0">
+        <a:scrgbClr r="0" g="0" b="0"/>
+      </a:effectRef>
+      <a:fontRef idx="minor"/>
+    </dgm:style>
+  </dgm:styleLbl>
+  <dgm:styleLbl name="parChTrans1D3">
+    <dgm:scene3d>
+      <a:camera prst="orthographicFront"/>
+      <a:lightRig rig="threePt" dir="t"/>
+    </dgm:scene3d>
+    <dgm:sp3d/>
+    <dgm:txPr/>
+    <dgm:style>
+      <a:lnRef idx="2">
+        <a:scrgbClr r="0" g="0" b="0"/>
+      </a:lnRef>
+      <a:fillRef idx="0">
+        <a:scrgbClr r="0" g="0" b="0"/>
+      </a:fillRef>
+      <a:effectRef idx="0">
+        <a:scrgbClr r="0" g="0" b="0"/>
+      </a:effectRef>
+      <a:fontRef idx="minor"/>
+    </dgm:style>
+  </dgm:styleLbl>
+  <dgm:styleLbl name="parChTrans1D4">
+    <dgm:scene3d>
+      <a:camera prst="orthographicFront"/>
+      <a:lightRig rig="threePt" dir="t"/>
+    </dgm:scene3d>
+    <dgm:sp3d/>
+    <dgm:txPr/>
+    <dgm:style>
+      <a:lnRef idx="2">
+        <a:scrgbClr r="0" g="0" b="0"/>
+      </a:lnRef>
+      <a:fillRef idx="0">
+        <a:scrgbClr r="0" g="0" b="0"/>
+      </a:fillRef>
+      <a:effectRef idx="0">
+        <a:scrgbClr r="0" g="0" b="0"/>
+      </a:effectRef>
+      <a:fontRef idx="minor"/>
+    </dgm:style>
+  </dgm:styleLbl>
+  <dgm:styleLbl name="fgAcc1">
+    <dgm:scene3d>
+      <a:camera prst="orthographicFront"/>
+      <a:lightRig rig="threePt" dir="t"/>
+    </dgm:scene3d>
+    <dgm:sp3d/>
+    <dgm:txPr/>
+    <dgm:style>
+      <a:lnRef idx="1">
+        <a:scrgbClr r="0" g="0" b="0"/>
+      </a:lnRef>
+      <a:fillRef idx="1">
+        <a:scrgbClr r="0" g="0" b="0"/>
+      </a:fillRef>
+      <a:effectRef idx="2">
+        <a:scrgbClr r="0" g="0" b="0"/>
+      </a:effectRef>
+      <a:fontRef idx="minor"/>
+    </dgm:style>
+  </dgm:styleLbl>
+  <dgm:styleLbl name="conFgAcc1">
+    <dgm:scene3d>
+      <a:camera prst="orthographicFront"/>
+      <a:lightRig rig="threePt" dir="t"/>
+    </dgm:scene3d>
+    <dgm:sp3d/>
+    <dgm:txPr/>
+    <dgm:style>
+      <a:lnRef idx="1">
+        <a:scrgbClr r="0" g="0" b="0"/>
+      </a:lnRef>
+      <a:fillRef idx="1">
+        <a:scrgbClr r="0" g="0" b="0"/>
+      </a:fillRef>
+      <a:effectRef idx="2">
+        <a:scrgbClr r="0" g="0" b="0"/>
+      </a:effectRef>
+      <a:fontRef idx="minor"/>
+    </dgm:style>
+  </dgm:styleLbl>
+  <dgm:styleLbl name="alignAcc1">
+    <dgm:scene3d>
+      <a:camera prst="orthographicFront"/>
+      <a:lightRig rig="threePt" dir="t"/>
+    </dgm:scene3d>
+    <dgm:sp3d/>
+    <dgm:txPr/>
+    <dgm:style>
+      <a:lnRef idx="1">
+        <a:scrgbClr r="0" g="0" b="0"/>
+      </a:lnRef>
+      <a:fillRef idx="1">
+        <a:scrgbClr r="0" g="0" b="0"/>
+      </a:fillRef>
+      <a:effectRef idx="2">
+        <a:scrgbClr r="0" g="0" b="0"/>
+      </a:effectRef>
+      <a:fontRef idx="minor"/>
+    </dgm:style>
+  </dgm:styleLbl>
+  <dgm:styleLbl name="trAlignAcc1">
+    <dgm:scene3d>
+      <a:camera prst="orthographicFront"/>
+      <a:lightRig rig="threePt" dir="t"/>
+    </dgm:scene3d>
+    <dgm:sp3d/>
+    <dgm:txPr/>
+    <dgm:style>
+      <a:lnRef idx="1">
+        <a:scrgbClr r="0" g="0" b="0"/>
+      </a:lnRef>
+      <a:fillRef idx="1">
+        <a:scrgbClr r="0" g="0" b="0"/>
+      </a:fillRef>
+      <a:effectRef idx="0">
+        <a:scrgbClr r="0" g="0" b="0"/>
+      </a:effectRef>
+      <a:fontRef idx="minor"/>
+    </dgm:style>
+  </dgm:styleLbl>
+  <dgm:styleLbl name="bgAcc1">
+    <dgm:scene3d>
+      <a:camera prst="orthographicFront"/>
+      <a:lightRig rig="threePt" dir="t"/>
+    </dgm:scene3d>
+    <dgm:sp3d/>
+    <dgm:txPr/>
+    <dgm:style>
+      <a:lnRef idx="1">
+        <a:scrgbClr r="0" g="0" b="0"/>
+      </a:lnRef>
+      <a:fillRef idx="1">
+        <a:scrgbClr r="0" g="0" b="0"/>
+      </a:fillRef>
+      <a:effectRef idx="2">
+        <a:scrgbClr r="0" g="0" b="0"/>
+      </a:effectRef>
+      <a:fontRef idx="minor"/>
+    </dgm:style>
+  </dgm:styleLbl>
+  <dgm:styleLbl name="solidFgAcc1">
+    <dgm:scene3d>
+      <a:camera prst="orthographicFront"/>
+      <a:lightRig rig="threePt" dir="t"/>
+    </dgm:scene3d>
+    <dgm:sp3d/>
+    <dgm:txPr/>
+    <dgm:style>
+      <a:lnRef idx="1">
+        <a:scrgbClr r="0" g="0" b="0"/>
+      </a:lnRef>
+      <a:fillRef idx="1">
+        <a:scrgbClr r="0" g="0" b="0"/>
+      </a:fillRef>
+      <a:effectRef idx="2">
+        <a:scrgbClr r="0" g="0" b="0"/>
+      </a:effectRef>
+      <a:fontRef idx="minor"/>
+    </dgm:style>
+  </dgm:styleLbl>
+  <dgm:styleLbl name="solidAlignAcc1">
+    <dgm:scene3d>
+      <a:camera prst="orthographicFront"/>
+      <a:lightRig rig="threePt" dir="t"/>
+    </dgm:scene3d>
+    <dgm:sp3d/>
+    <dgm:txPr/>
+    <dgm:style>
+      <a:lnRef idx="1">
+        <a:scrgbClr r="0" g="0" b="0"/>
+      </a:lnRef>
+      <a:fillRef idx="1">
+        <a:scrgbClr r="0" g="0" b="0"/>
+      </a:fillRef>
+      <a:effectRef idx="3">
+        <a:scrgbClr r="0" g="0" b="0"/>
+      </a:effectRef>
+      <a:fontRef idx="minor"/>
+    </dgm:style>
+  </dgm:styleLbl>
+  <dgm:styleLbl name="solidBgAcc1">
+    <dgm:scene3d>
+      <a:camera prst="orthographicFront"/>
+      <a:lightRig rig="threePt" dir="t"/>
+    </dgm:scene3d>
+    <dgm:sp3d/>
+    <dgm:txPr/>
+    <dgm:style>
+      <a:lnRef idx="1">
+        <a:scrgbClr r="0" g="0" b="0"/>
+      </a:lnRef>
+      <a:fillRef idx="1">
+        <a:scrgbClr r="0" g="0" b="0"/>
+      </a:fillRef>
+      <a:effectRef idx="3">
+        <a:scrgbClr r="0" g="0" b="0"/>
+      </a:effectRef>
+      <a:fontRef idx="minor"/>
+    </dgm:style>
+  </dgm:styleLbl>
+  <dgm:styleLbl name="fgAccFollowNode1">
+    <dgm:scene3d>
+      <a:camera prst="orthographicFront"/>
+      <a:lightRig rig="threePt" dir="t"/>
+    </dgm:scene3d>
+    <dgm:sp3d/>
+    <dgm:txPr/>
+    <dgm:style>
+      <a:lnRef idx="1">
+        <a:scrgbClr r="0" g="0" b="0"/>
+      </a:lnRef>
+      <a:fillRef idx="1">
+        <a:scrgbClr r="0" g="0" b="0"/>
+      </a:fillRef>
+      <a:effectRef idx="2">
+        <a:scrgbClr r="0" g="0" b="0"/>
+      </a:effectRef>
+      <a:fontRef idx="minor"/>
+    </dgm:style>
+  </dgm:styleLbl>
+  <dgm:styleLbl name="alignAccFollowNode1">
+    <dgm:scene3d>
+      <a:camera prst="orthographicFront"/>
+      <a:lightRig rig="threePt" dir="t"/>
+    </dgm:scene3d>
+    <dgm:sp3d/>
+    <dgm:txPr/>
+    <dgm:style>
+      <a:lnRef idx="1">
+        <a:scrgbClr r="0" g="0" b="0"/>
+      </a:lnRef>
+      <a:fillRef idx="1">
+        <a:scrgbClr r="0" g="0" b="0"/>
+      </a:fillRef>
+      <a:effectRef idx="2">
+        <a:scrgbClr r="0" g="0" b="0"/>
+      </a:effectRef>
+      <a:fontRef idx="minor"/>
+    </dgm:style>
+  </dgm:styleLbl>
+  <dgm:styleLbl name="bgAccFollowNode1">
+    <dgm:scene3d>
+      <a:camera prst="orthographicFront"/>
+      <a:lightRig rig="threePt" dir="t"/>
+    </dgm:scene3d>
+    <dgm:sp3d/>
+    <dgm:txPr/>
+    <dgm:style>
+      <a:lnRef idx="1">
+        <a:scrgbClr r="0" g="0" b="0"/>
+      </a:lnRef>
+      <a:fillRef idx="1">
+        <a:scrgbClr r="0" g="0" b="0"/>
+      </a:fillRef>
+      <a:effectRef idx="2">
+        <a:scrgbClr r="0" g="0" b="0"/>
+      </a:effectRef>
+      <a:fontRef idx="minor"/>
+    </dgm:style>
+  </dgm:styleLbl>
+  <dgm:styleLbl name="fgAcc0">
+    <dgm:scene3d>
+      <a:camera prst="orthographicFront"/>
+      <a:lightRig rig="threePt" dir="t"/>
+    </dgm:scene3d>
+    <dgm:sp3d/>
+    <dgm:txPr/>
+    <dgm:style>
+      <a:lnRef idx="1">
+        <a:scrgbClr r="0" g="0" b="0"/>
+      </a:lnRef>
+      <a:fillRef idx="1">
+        <a:scrgbClr r="0" g="0" b="0"/>
+      </a:fillRef>
+      <a:effectRef idx="2">
+        <a:scrgbClr r="0" g="0" b="0"/>
+      </a:effectRef>
+      <a:fontRef idx="minor"/>
+    </dgm:style>
+  </dgm:styleLbl>
+  <dgm:styleLbl name="fgAcc2">
+    <dgm:scene3d>
+      <a:camera prst="orthographicFront"/>
+      <a:lightRig rig="threePt" dir="t"/>
+    </dgm:scene3d>
+    <dgm:sp3d/>
+    <dgm:txPr/>
+    <dgm:style>
+      <a:lnRef idx="1">
+        <a:scrgbClr r="0" g="0" b="0"/>
+      </a:lnRef>
+      <a:fillRef idx="1">
+        <a:scrgbClr r="0" g="0" b="0"/>
+      </a:fillRef>
+      <a:effectRef idx="2">
+        <a:scrgbClr r="0" g="0" b="0"/>
+      </a:effectRef>
+      <a:fontRef idx="minor"/>
+    </dgm:style>
+  </dgm:styleLbl>
+  <dgm:styleLbl name="fgAcc3">
+    <dgm:scene3d>
+      <a:camera prst="orthographicFront"/>
+      <a:lightRig rig="threePt" dir="t"/>
+    </dgm:scene3d>
+    <dgm:sp3d/>
+    <dgm:txPr/>
+    <dgm:style>
+      <a:lnRef idx="1">
+        <a:scrgbClr r="0" g="0" b="0"/>
+      </a:lnRef>
+      <a:fillRef idx="1">
+        <a:scrgbClr r="0" g="0" b="0"/>
+      </a:fillRef>
+      <a:effectRef idx="2">
+        <a:scrgbClr r="0" g="0" b="0"/>
+      </a:effectRef>
+      <a:fontRef idx="minor"/>
+    </dgm:style>
+  </dgm:styleLbl>
+  <dgm:styleLbl name="fgAcc4">
+    <dgm:scene3d>
+      <a:camera prst="orthographicFront"/>
+      <a:lightRig rig="threePt" dir="t"/>
+    </dgm:scene3d>
+    <dgm:sp3d/>
+    <dgm:txPr/>
+    <dgm:style>
+      <a:lnRef idx="1">
+        <a:scrgbClr r="0" g="0" b="0"/>
+      </a:lnRef>
+      <a:fillRef idx="1">
+        <a:scrgbClr r="0" g="0" b="0"/>
+      </a:fillRef>
+      <a:effectRef idx="2">
+        <a:scrgbClr r="0" g="0" b="0"/>
+      </a:effectRef>
+      <a:fontRef idx="minor"/>
+    </dgm:style>
+  </dgm:styleLbl>
+  <dgm:styleLbl name="bgShp">
+    <dgm:scene3d>
+      <a:camera prst="orthographicFront"/>
+      <a:lightRig rig="threePt" dir="t"/>
+    </dgm:scene3d>
+    <dgm:sp3d/>
+    <dgm:txPr/>
+    <dgm:style>
+      <a:lnRef idx="0">
+        <a:scrgbClr r="0" g="0" b="0"/>
+      </a:lnRef>
+      <a:fillRef idx="1">
+        <a:scrgbClr r="0" g="0" b="0"/>
+      </a:fillRef>
+      <a:effectRef idx="2">
+        <a:scrgbClr r="0" g="0" b="0"/>
+      </a:effectRef>
+      <a:fontRef idx="minor"/>
+    </dgm:style>
+  </dgm:styleLbl>
+  <dgm:styleLbl name="dkBgShp">
+    <dgm:scene3d>
+      <a:camera prst="orthographicFront"/>
+      <a:lightRig rig="threePt" dir="t"/>
+    </dgm:scene3d>
+    <dgm:sp3d/>
+    <dgm:txPr/>
+    <dgm:style>
+      <a:lnRef idx="0">
+        <a:scrgbClr r="0" g="0" b="0"/>
+      </a:lnRef>
+      <a:fillRef idx="1">
+        <a:scrgbClr r="0" g="0" b="0"/>
+      </a:fillRef>
+      <a:effectRef idx="3">
+        <a:scrgbClr r="0" g="0" b="0"/>
+      </a:effectRef>
+      <a:fontRef idx="minor"/>
+    </dgm:style>
+  </dgm:styleLbl>
+  <dgm:styleLbl name="trBgShp">
+    <dgm:scene3d>
+      <a:camera prst="orthographicFront"/>
+      <a:lightRig rig="threePt" dir="t"/>
+    </dgm:scene3d>
+    <dgm:sp3d/>
+    <dgm:txPr/>
+    <dgm:style>
+      <a:lnRef idx="0">
+        <a:scrgbClr r="0" g="0" b="0"/>
+      </a:lnRef>
+      <a:fillRef idx="1">
+        <a:scrgbClr r="0" g="0" b="0"/>
+      </a:fillRef>
+      <a:effectRef idx="0">
+        <a:scrgbClr r="0" g="0" b="0"/>
+      </a:effectRef>
+      <a:fontRef idx="minor"/>
+    </dgm:style>
+  </dgm:styleLbl>
+  <dgm:styleLbl name="fgShp">
+    <dgm:scene3d>
+      <a:camera prst="orthographicFront"/>
+      <a:lightRig rig="threePt" dir="t"/>
+    </dgm:scene3d>
+    <dgm:sp3d/>
+    <dgm:txPr/>
+    <dgm:style>
+      <a:lnRef idx="0">
+        <a:scrgbClr r="0" g="0" b="0"/>
+      </a:lnRef>
+      <a:fillRef idx="3">
+        <a:scrgbClr r="0" g="0" b="0"/>
+      </a:fillRef>
+      <a:effectRef idx="3">
+        <a:scrgbClr r="0" g="0" b="0"/>
+      </a:effectRef>
+      <a:fontRef idx="minor"/>
+    </dgm:style>
+  </dgm:styleLbl>
+  <dgm:styleLbl name="revTx">
+    <dgm:scene3d>
+      <a:camera prst="orthographicFront"/>
+      <a:lightRig rig="threePt" dir="t"/>
+    </dgm:scene3d>
+    <dgm:sp3d/>
+    <dgm:txPr/>
+    <dgm:style>
+      <a:lnRef idx="0">
+        <a:scrgbClr r="0" g="0" b="0"/>
+      </a:lnRef>
+      <a:fillRef idx="0">
+        <a:scrgbClr r="0" g="0" b="0"/>
+      </a:fillRef>
+      <a:effectRef idx="0">
+        <a:scrgbClr r="0" g="0" b="0"/>
+      </a:effectRef>
+      <a:fontRef idx="minor"/>
+    </dgm:style>
+  </dgm:styleLbl>
+</dgm:styleDef>
 </file>
 
 <file path=ppt/notesMasters/notesMaster1.xml><?xml version="1.0" encoding="utf-8"?>
@@ -1990,7 +7759,7 @@
           <a:p>
             <a:fld id="{603891C7-08FB-4F6B-AA14-130538F8EABB}" type="datetimeFigureOut">
               <a:rPr lang="en-GB" smtClean="0"/>
-              <a:t>06/07/2022</a:t>
+              <a:t>08/07/2022</a:t>
             </a:fld>
             <a:endParaRPr lang="en-GB"/>
           </a:p>
@@ -2170,7 +7939,7 @@
           <a:p>
             <a:fld id="{603891C7-08FB-4F6B-AA14-130538F8EABB}" type="datetimeFigureOut">
               <a:rPr lang="en-GB" smtClean="0"/>
-              <a:t>06/07/2022</a:t>
+              <a:t>08/07/2022</a:t>
             </a:fld>
             <a:endParaRPr lang="en-GB"/>
           </a:p>
@@ -2360,7 +8129,7 @@
           <a:p>
             <a:fld id="{603891C7-08FB-4F6B-AA14-130538F8EABB}" type="datetimeFigureOut">
               <a:rPr lang="en-GB" smtClean="0"/>
-              <a:t>06/07/2022</a:t>
+              <a:t>08/07/2022</a:t>
             </a:fld>
             <a:endParaRPr lang="en-GB"/>
           </a:p>
@@ -2552,7 +8321,7 @@
           <a:p>
             <a:fld id="{603891C7-08FB-4F6B-AA14-130538F8EABB}" type="datetimeFigureOut">
               <a:rPr lang="en-GB" smtClean="0"/>
-              <a:t>06/07/2022</a:t>
+              <a:t>08/07/2022</a:t>
             </a:fld>
             <a:endParaRPr lang="en-GB"/>
           </a:p>
@@ -2778,7 +8547,7 @@
           <a:p>
             <a:fld id="{603891C7-08FB-4F6B-AA14-130538F8EABB}" type="datetimeFigureOut">
               <a:rPr lang="en-GB" smtClean="0"/>
-              <a:t>06/07/2022</a:t>
+              <a:t>08/07/2022</a:t>
             </a:fld>
             <a:endParaRPr lang="en-GB"/>
           </a:p>
@@ -3030,7 +8799,7 @@
           <a:p>
             <a:fld id="{603891C7-08FB-4F6B-AA14-130538F8EABB}" type="datetimeFigureOut">
               <a:rPr lang="en-GB" smtClean="0"/>
-              <a:t>06/07/2022</a:t>
+              <a:t>08/07/2022</a:t>
             </a:fld>
             <a:endParaRPr lang="en-GB"/>
           </a:p>
@@ -3272,7 +9041,7 @@
           <a:p>
             <a:fld id="{603891C7-08FB-4F6B-AA14-130538F8EABB}" type="datetimeFigureOut">
               <a:rPr lang="en-GB" smtClean="0"/>
-              <a:t>06/07/2022</a:t>
+              <a:t>08/07/2022</a:t>
             </a:fld>
             <a:endParaRPr lang="en-GB"/>
           </a:p>
@@ -3639,7 +9408,7 @@
           <a:p>
             <a:fld id="{603891C7-08FB-4F6B-AA14-130538F8EABB}" type="datetimeFigureOut">
               <a:rPr lang="en-GB" smtClean="0"/>
-              <a:t>06/07/2022</a:t>
+              <a:t>08/07/2022</a:t>
             </a:fld>
             <a:endParaRPr lang="en-GB"/>
           </a:p>
@@ -3767,7 +9536,7 @@
           <a:p>
             <a:fld id="{603891C7-08FB-4F6B-AA14-130538F8EABB}" type="datetimeFigureOut">
               <a:rPr lang="en-GB" smtClean="0"/>
-              <a:t>06/07/2022</a:t>
+              <a:t>08/07/2022</a:t>
             </a:fld>
             <a:endParaRPr lang="en-GB"/>
           </a:p>
@@ -3862,7 +9631,7 @@
           <a:p>
             <a:fld id="{603891C7-08FB-4F6B-AA14-130538F8EABB}" type="datetimeFigureOut">
               <a:rPr lang="en-GB" smtClean="0"/>
-              <a:t>06/07/2022</a:t>
+              <a:t>08/07/2022</a:t>
             </a:fld>
             <a:endParaRPr lang="en-GB"/>
           </a:p>
@@ -4145,7 +9914,7 @@
           <a:p>
             <a:fld id="{603891C7-08FB-4F6B-AA14-130538F8EABB}" type="datetimeFigureOut">
               <a:rPr lang="en-GB" smtClean="0"/>
-              <a:t>06/07/2022</a:t>
+              <a:t>08/07/2022</a:t>
             </a:fld>
             <a:endParaRPr lang="en-GB"/>
           </a:p>
@@ -5775,7 +11544,7 @@
           <a:p>
             <a:fld id="{603891C7-08FB-4F6B-AA14-130538F8EABB}" type="datetimeFigureOut">
               <a:rPr lang="en-GB" smtClean="0"/>
-              <a:t>06/07/2022</a:t>
+              <a:t>08/07/2022</a:t>
             </a:fld>
             <a:endParaRPr lang="en-GB"/>
           </a:p>
@@ -6251,7 +12020,7 @@
                 </a:solidFill>
                 <a:latin typeface="Pontano Sans" panose="020B0604020202020204" charset="0"/>
               </a:rPr>
-              <a:t>GEOPSY COLLECT</a:t>
+              <a:t>Geopsy Research</a:t>
             </a:r>
             <a:endParaRPr b="1" dirty="0">
               <a:solidFill>
@@ -6545,7 +12314,7 @@
                 </a:solidFill>
                 <a:latin typeface="Pontano Sans" panose="020B0604020202020204" charset="0"/>
               </a:rPr>
-              <a:t>David </a:t>
+              <a:t>Francis </a:t>
             </a:r>
             <a:r>
               <a:rPr lang="en-US" sz="1800" dirty="0" err="1" smtClean="0">
@@ -6554,7 +12323,16 @@
                 </a:solidFill>
                 <a:latin typeface="Pontano Sans" panose="020B0604020202020204" charset="0"/>
               </a:rPr>
-              <a:t>Kitavi</a:t>
+              <a:t>Oloo</a:t>
+            </a:r>
+            <a:r>
+              <a:rPr lang="en-US" sz="1800" dirty="0" smtClean="0">
+                <a:solidFill>
+                  <a:schemeClr val="bg2"/>
+                </a:solidFill>
+                <a:latin typeface="Pontano Sans" panose="020B0604020202020204" charset="0"/>
+              </a:rPr>
+              <a:t>, PhD</a:t>
             </a:r>
             <a:endParaRPr lang="en-US" sz="1800" dirty="0">
               <a:solidFill>
@@ -6566,27 +12344,6 @@
           <a:p>
             <a:pPr algn="ctr"/>
             <a:r>
-              <a:rPr lang="en-US" sz="1800" dirty="0" err="1">
-                <a:solidFill>
-                  <a:schemeClr val="bg2"/>
-                </a:solidFill>
-                <a:latin typeface="Pontano Sans" panose="020B0604020202020204" charset="0"/>
-              </a:rPr>
-              <a:t>GeoPsy</a:t>
-            </a:r>
-            <a:r>
-              <a:rPr lang="en-US" sz="1800" dirty="0">
-                <a:solidFill>
-                  <a:schemeClr val="bg2"/>
-                </a:solidFill>
-                <a:latin typeface="Pontano Sans" panose="020B0604020202020204" charset="0"/>
-              </a:rPr>
-              <a:t> Research</a:t>
-            </a:r>
-          </a:p>
-          <a:p>
-            <a:pPr algn="ctr"/>
-            <a:r>
               <a:rPr lang="en-US" sz="1800" dirty="0" smtClean="0">
                 <a:solidFill>
                   <a:schemeClr val="bg2"/>
@@ -6594,7 +12351,7 @@
                 <a:latin typeface="Pontano Sans" panose="020B0604020202020204" charset="0"/>
                 <a:hlinkClick r:id="rId3"/>
               </a:rPr>
-              <a:t>david</a:t>
+              <a:t>oloo</a:t>
             </a:r>
             <a:r>
               <a:rPr lang="en-US" sz="1800" dirty="0" smtClean="0">
@@ -6639,7 +12396,409 @@
 </p:sld>
 </file>
 
-<file path=ppt/slides/slide10.xml><?xml version="1.0" encoding="utf-8"?>
+<file path=ppt/slides/slide2.xml><?xml version="1.0" encoding="utf-8"?>
+<p:sld xmlns:a="http://schemas.openxmlformats.org/drawingml/2006/main" xmlns:r="http://schemas.openxmlformats.org/officeDocument/2006/relationships" xmlns:p="http://schemas.openxmlformats.org/presentationml/2006/main">
+  <p:cSld>
+    <p:spTree>
+      <p:nvGrpSpPr>
+        <p:cNvPr id="1" name=""/>
+        <p:cNvGrpSpPr/>
+        <p:nvPr/>
+      </p:nvGrpSpPr>
+      <p:grpSpPr>
+        <a:xfrm>
+          <a:off x="0" y="0"/>
+          <a:ext cx="0" cy="0"/>
+          <a:chOff x="0" y="0"/>
+          <a:chExt cx="0" cy="0"/>
+        </a:xfrm>
+      </p:grpSpPr>
+      <p:sp>
+        <p:nvSpPr>
+          <p:cNvPr id="2" name="Title 1"/>
+          <p:cNvSpPr>
+            <a:spLocks noGrp="1"/>
+          </p:cNvSpPr>
+          <p:nvPr>
+            <p:ph type="title"/>
+          </p:nvPr>
+        </p:nvSpPr>
+        <p:spPr>
+          <a:xfrm>
+            <a:off x="5058381" y="2403580"/>
+            <a:ext cx="3198690" cy="994172"/>
+          </a:xfrm>
+        </p:spPr>
+        <p:txBody>
+          <a:bodyPr/>
+          <a:lstStyle/>
+          <a:p>
+            <a:r>
+              <a:rPr lang="en-US" dirty="0" smtClean="0"/>
+              <a:t>Mapping minds</a:t>
+            </a:r>
+            <a:endParaRPr lang="en-US" dirty="0"/>
+          </a:p>
+        </p:txBody>
+      </p:sp>
+      <p:pic>
+        <p:nvPicPr>
+          <p:cNvPr id="5" name="Picture 4"/>
+          <p:cNvPicPr>
+            <a:picLocks noChangeAspect="1"/>
+          </p:cNvPicPr>
+          <p:nvPr/>
+        </p:nvPicPr>
+        <p:blipFill>
+          <a:blip r:embed="rId2">
+            <a:extLst>
+              <a:ext uri="{28A0092B-C50C-407E-A947-70E740481C1C}">
+                <a14:useLocalDpi xmlns:a14="http://schemas.microsoft.com/office/drawing/2010/main" val="0"/>
+              </a:ext>
+            </a:extLst>
+          </a:blip>
+          <a:stretch>
+            <a:fillRect/>
+          </a:stretch>
+        </p:blipFill>
+        <p:spPr>
+          <a:xfrm>
+            <a:off x="490429" y="1031131"/>
+            <a:ext cx="4243292" cy="3739070"/>
+          </a:xfrm>
+          <a:prstGeom prst="rect">
+            <a:avLst/>
+          </a:prstGeom>
+        </p:spPr>
+      </p:pic>
+      <p:sp>
+        <p:nvSpPr>
+          <p:cNvPr id="6" name="Rectangle 5"/>
+          <p:cNvSpPr/>
+          <p:nvPr/>
+        </p:nvSpPr>
+        <p:spPr>
+          <a:xfrm>
+            <a:off x="4733720" y="1031131"/>
+            <a:ext cx="3884983" cy="3739070"/>
+          </a:xfrm>
+          <a:prstGeom prst="rect">
+            <a:avLst/>
+          </a:prstGeom>
+          <a:noFill/>
+        </p:spPr>
+        <p:style>
+          <a:lnRef idx="2">
+            <a:schemeClr val="accent1">
+              <a:shade val="50000"/>
+            </a:schemeClr>
+          </a:lnRef>
+          <a:fillRef idx="1">
+            <a:schemeClr val="accent1"/>
+          </a:fillRef>
+          <a:effectRef idx="0">
+            <a:schemeClr val="accent1"/>
+          </a:effectRef>
+          <a:fontRef idx="minor">
+            <a:schemeClr val="lt1"/>
+          </a:fontRef>
+        </p:style>
+        <p:txBody>
+          <a:bodyPr rtlCol="0" anchor="ctr"/>
+          <a:lstStyle/>
+          <a:p>
+            <a:pPr algn="ctr"/>
+            <a:endParaRPr lang="en-US"/>
+          </a:p>
+        </p:txBody>
+      </p:sp>
+    </p:spTree>
+    <p:extLst>
+      <p:ext uri="{BB962C8B-B14F-4D97-AF65-F5344CB8AC3E}">
+        <p14:creationId xmlns:p14="http://schemas.microsoft.com/office/powerpoint/2010/main" val="31702509"/>
+      </p:ext>
+    </p:extLst>
+  </p:cSld>
+  <p:clrMapOvr>
+    <a:masterClrMapping/>
+  </p:clrMapOvr>
+  <p:timing>
+    <p:tnLst>
+      <p:par>
+        <p:cTn id="1" dur="indefinite" restart="never" nodeType="tmRoot"/>
+      </p:par>
+    </p:tnLst>
+  </p:timing>
+</p:sld>
+</file>
+
+<file path=ppt/slides/slide3.xml><?xml version="1.0" encoding="utf-8"?>
+<p:sld xmlns:a="http://schemas.openxmlformats.org/drawingml/2006/main" xmlns:r="http://schemas.openxmlformats.org/officeDocument/2006/relationships" xmlns:p="http://schemas.openxmlformats.org/presentationml/2006/main">
+  <p:cSld>
+    <p:spTree>
+      <p:nvGrpSpPr>
+        <p:cNvPr id="1" name=""/>
+        <p:cNvGrpSpPr/>
+        <p:nvPr/>
+      </p:nvGrpSpPr>
+      <p:grpSpPr>
+        <a:xfrm>
+          <a:off x="0" y="0"/>
+          <a:ext cx="0" cy="0"/>
+          <a:chOff x="0" y="0"/>
+          <a:chExt cx="0" cy="0"/>
+        </a:xfrm>
+      </p:grpSpPr>
+      <p:graphicFrame>
+        <p:nvGraphicFramePr>
+          <p:cNvPr id="6" name="Diagram 5"/>
+          <p:cNvGraphicFramePr/>
+          <p:nvPr>
+            <p:extLst>
+              <p:ext uri="{D42A27DB-BD31-4B8C-83A1-F6EECF244321}">
+                <p14:modId xmlns:p14="http://schemas.microsoft.com/office/powerpoint/2010/main" val="3362778563"/>
+              </p:ext>
+            </p:extLst>
+          </p:nvPr>
+        </p:nvGraphicFramePr>
+        <p:xfrm>
+          <a:off x="1524000" y="539750"/>
+          <a:ext cx="6096000" cy="4064000"/>
+        </p:xfrm>
+        <a:graphic>
+          <a:graphicData uri="http://schemas.openxmlformats.org/drawingml/2006/diagram">
+            <dgm:relIds xmlns:dgm="http://schemas.openxmlformats.org/drawingml/2006/diagram" xmlns:r="http://schemas.openxmlformats.org/officeDocument/2006/relationships" r:dm="rId2" r:lo="rId3" r:qs="rId4" r:cs="rId5"/>
+          </a:graphicData>
+        </a:graphic>
+      </p:graphicFrame>
+    </p:spTree>
+    <p:extLst>
+      <p:ext uri="{BB962C8B-B14F-4D97-AF65-F5344CB8AC3E}">
+        <p14:creationId xmlns:p14="http://schemas.microsoft.com/office/powerpoint/2010/main" val="2232875704"/>
+      </p:ext>
+    </p:extLst>
+  </p:cSld>
+  <p:clrMapOvr>
+    <a:masterClrMapping/>
+  </p:clrMapOvr>
+  <p:timing>
+    <p:tnLst>
+      <p:par>
+        <p:cTn id="1" dur="indefinite" restart="never" nodeType="tmRoot"/>
+      </p:par>
+    </p:tnLst>
+  </p:timing>
+</p:sld>
+</file>
+
+<file path=ppt/slides/slide4.xml><?xml version="1.0" encoding="utf-8"?>
+<p:sld xmlns:a="http://schemas.openxmlformats.org/drawingml/2006/main" xmlns:r="http://schemas.openxmlformats.org/officeDocument/2006/relationships" xmlns:p="http://schemas.openxmlformats.org/presentationml/2006/main">
+  <p:cSld>
+    <p:spTree>
+      <p:nvGrpSpPr>
+        <p:cNvPr id="1" name=""/>
+        <p:cNvGrpSpPr/>
+        <p:nvPr/>
+      </p:nvGrpSpPr>
+      <p:grpSpPr>
+        <a:xfrm>
+          <a:off x="0" y="0"/>
+          <a:ext cx="0" cy="0"/>
+          <a:chOff x="0" y="0"/>
+          <a:chExt cx="0" cy="0"/>
+        </a:xfrm>
+      </p:grpSpPr>
+      <p:graphicFrame>
+        <p:nvGraphicFramePr>
+          <p:cNvPr id="6" name="Diagram 5"/>
+          <p:cNvGraphicFramePr/>
+          <p:nvPr>
+            <p:extLst>
+              <p:ext uri="{D42A27DB-BD31-4B8C-83A1-F6EECF244321}">
+                <p14:modId xmlns:p14="http://schemas.microsoft.com/office/powerpoint/2010/main" val="1417601928"/>
+              </p:ext>
+            </p:extLst>
+          </p:nvPr>
+        </p:nvGraphicFramePr>
+        <p:xfrm>
+          <a:off x="1524000" y="539750"/>
+          <a:ext cx="6096000" cy="4064000"/>
+        </p:xfrm>
+        <a:graphic>
+          <a:graphicData uri="http://schemas.openxmlformats.org/drawingml/2006/diagram">
+            <dgm:relIds xmlns:dgm="http://schemas.openxmlformats.org/drawingml/2006/diagram" xmlns:r="http://schemas.openxmlformats.org/officeDocument/2006/relationships" r:dm="rId2" r:lo="rId3" r:qs="rId4" r:cs="rId5"/>
+          </a:graphicData>
+        </a:graphic>
+      </p:graphicFrame>
+    </p:spTree>
+    <p:extLst>
+      <p:ext uri="{BB962C8B-B14F-4D97-AF65-F5344CB8AC3E}">
+        <p14:creationId xmlns:p14="http://schemas.microsoft.com/office/powerpoint/2010/main" val="3951127661"/>
+      </p:ext>
+    </p:extLst>
+  </p:cSld>
+  <p:clrMapOvr>
+    <a:masterClrMapping/>
+  </p:clrMapOvr>
+  <p:timing>
+    <p:tnLst>
+      <p:par>
+        <p:cTn id="1" dur="indefinite" restart="never" nodeType="tmRoot"/>
+      </p:par>
+    </p:tnLst>
+  </p:timing>
+</p:sld>
+</file>
+
+<file path=ppt/slides/slide5.xml><?xml version="1.0" encoding="utf-8"?>
+<p:sld xmlns:a="http://schemas.openxmlformats.org/drawingml/2006/main" xmlns:r="http://schemas.openxmlformats.org/officeDocument/2006/relationships" xmlns:p="http://schemas.openxmlformats.org/presentationml/2006/main">
+  <p:cSld>
+    <p:spTree>
+      <p:nvGrpSpPr>
+        <p:cNvPr id="1" name=""/>
+        <p:cNvGrpSpPr/>
+        <p:nvPr/>
+      </p:nvGrpSpPr>
+      <p:grpSpPr>
+        <a:xfrm>
+          <a:off x="0" y="0"/>
+          <a:ext cx="0" cy="0"/>
+          <a:chOff x="0" y="0"/>
+          <a:chExt cx="0" cy="0"/>
+        </a:xfrm>
+      </p:grpSpPr>
+      <p:sp>
+        <p:nvSpPr>
+          <p:cNvPr id="2" name="Title 1"/>
+          <p:cNvSpPr>
+            <a:spLocks noGrp="1"/>
+          </p:cNvSpPr>
+          <p:nvPr>
+            <p:ph type="title"/>
+          </p:nvPr>
+        </p:nvSpPr>
+        <p:spPr/>
+        <p:txBody>
+          <a:bodyPr/>
+          <a:lstStyle/>
+          <a:p>
+            <a:r>
+              <a:rPr lang="en-US" dirty="0" smtClean="0"/>
+              <a:t>Examples of our projects</a:t>
+            </a:r>
+            <a:endParaRPr lang="en-US" dirty="0"/>
+          </a:p>
+        </p:txBody>
+      </p:sp>
+      <p:sp>
+        <p:nvSpPr>
+          <p:cNvPr id="9" name="Content Placeholder 8"/>
+          <p:cNvSpPr>
+            <a:spLocks noGrp="1"/>
+          </p:cNvSpPr>
+          <p:nvPr>
+            <p:ph idx="1"/>
+          </p:nvPr>
+        </p:nvSpPr>
+        <p:spPr/>
+        <p:txBody>
+          <a:bodyPr/>
+          <a:lstStyle/>
+          <a:p>
+            <a:r>
+              <a:rPr lang="en-US" dirty="0" smtClean="0">
+                <a:hlinkClick r:id="rId2"/>
+              </a:rPr>
+              <a:t>Erosion Risk Dashboard (</a:t>
+            </a:r>
+            <a:r>
+              <a:rPr lang="en-US" dirty="0" err="1" smtClean="0">
+                <a:hlinkClick r:id="rId2"/>
+              </a:rPr>
+              <a:t>Baringo</a:t>
+            </a:r>
+            <a:r>
+              <a:rPr lang="en-US" dirty="0" smtClean="0">
+                <a:hlinkClick r:id="rId2"/>
+              </a:rPr>
+              <a:t>)</a:t>
+            </a:r>
+            <a:endParaRPr lang="en-US" dirty="0" smtClean="0"/>
+          </a:p>
+          <a:p>
+            <a:r>
+              <a:rPr lang="en-US" dirty="0" smtClean="0">
+                <a:hlinkClick r:id="rId3"/>
+              </a:rPr>
+              <a:t>SME Mapping</a:t>
+            </a:r>
+            <a:endParaRPr lang="en-US" dirty="0" smtClean="0"/>
+          </a:p>
+          <a:p>
+            <a:r>
+              <a:rPr lang="en-US" dirty="0" smtClean="0">
+                <a:hlinkClick r:id="rId4"/>
+              </a:rPr>
+              <a:t>Child Protection Maps</a:t>
+            </a:r>
+            <a:endParaRPr lang="en-US" dirty="0" smtClean="0"/>
+          </a:p>
+          <a:p>
+            <a:r>
+              <a:rPr lang="en-US" dirty="0" smtClean="0">
+                <a:hlinkClick r:id="rId5"/>
+              </a:rPr>
+              <a:t>GeoPsy Collect</a:t>
+            </a:r>
+            <a:endParaRPr lang="en-US" dirty="0" smtClean="0"/>
+          </a:p>
+          <a:p>
+            <a:r>
+              <a:rPr lang="en-US" dirty="0" smtClean="0">
+                <a:hlinkClick r:id="rId6"/>
+              </a:rPr>
+              <a:t>GeoPsy </a:t>
+            </a:r>
+            <a:r>
+              <a:rPr lang="en-US" dirty="0" err="1" smtClean="0">
+                <a:hlinkClick r:id="rId6"/>
+              </a:rPr>
+              <a:t>GroundTruth</a:t>
+            </a:r>
+            <a:endParaRPr lang="en-US" dirty="0" smtClean="0"/>
+          </a:p>
+          <a:p>
+            <a:r>
+              <a:rPr lang="en-US" dirty="0" smtClean="0">
+                <a:hlinkClick r:id="rId7"/>
+              </a:rPr>
+              <a:t>Kenya Vaccination Maps</a:t>
+            </a:r>
+            <a:endParaRPr lang="en-US" dirty="0"/>
+          </a:p>
+        </p:txBody>
+      </p:sp>
+    </p:spTree>
+    <p:extLst>
+      <p:ext uri="{BB962C8B-B14F-4D97-AF65-F5344CB8AC3E}">
+        <p14:creationId xmlns:p14="http://schemas.microsoft.com/office/powerpoint/2010/main" val="2082321214"/>
+      </p:ext>
+    </p:extLst>
+  </p:cSld>
+  <p:clrMapOvr>
+    <a:masterClrMapping/>
+  </p:clrMapOvr>
+  <p:timing>
+    <p:tnLst>
+      <p:par>
+        <p:cTn id="1" dur="indefinite" restart="never" nodeType="tmRoot"/>
+      </p:par>
+    </p:tnLst>
+  </p:timing>
+</p:sld>
+</file>
+
+<file path=ppt/slides/slide6.xml><?xml version="1.0" encoding="utf-8"?>
 <p:sld xmlns:a="http://schemas.openxmlformats.org/drawingml/2006/main" xmlns:r="http://schemas.openxmlformats.org/officeDocument/2006/relationships" xmlns:p="http://schemas.openxmlformats.org/presentationml/2006/main">
   <p:cSld>
     <p:spTree>
@@ -6715,888 +12874,6 @@
     <p:extLst>
       <p:ext uri="{BB962C8B-B14F-4D97-AF65-F5344CB8AC3E}">
         <p14:creationId xmlns:p14="http://schemas.microsoft.com/office/powerpoint/2010/main" val="3065511730"/>
-      </p:ext>
-    </p:extLst>
-  </p:cSld>
-  <p:clrMapOvr>
-    <a:masterClrMapping/>
-  </p:clrMapOvr>
-  <p:timing>
-    <p:tnLst>
-      <p:par>
-        <p:cTn id="1" dur="indefinite" restart="never" nodeType="tmRoot"/>
-      </p:par>
-    </p:tnLst>
-  </p:timing>
-</p:sld>
-</file>
-
-<file path=ppt/slides/slide2.xml><?xml version="1.0" encoding="utf-8"?>
-<p:sld xmlns:a="http://schemas.openxmlformats.org/drawingml/2006/main" xmlns:r="http://schemas.openxmlformats.org/officeDocument/2006/relationships" xmlns:p="http://schemas.openxmlformats.org/presentationml/2006/main">
-  <p:cSld>
-    <p:spTree>
-      <p:nvGrpSpPr>
-        <p:cNvPr id="1" name=""/>
-        <p:cNvGrpSpPr/>
-        <p:nvPr/>
-      </p:nvGrpSpPr>
-      <p:grpSpPr>
-        <a:xfrm>
-          <a:off x="0" y="0"/>
-          <a:ext cx="0" cy="0"/>
-          <a:chOff x="0" y="0"/>
-          <a:chExt cx="0" cy="0"/>
-        </a:xfrm>
-      </p:grpSpPr>
-      <p:sp>
-        <p:nvSpPr>
-          <p:cNvPr id="2" name="Title 1"/>
-          <p:cNvSpPr>
-            <a:spLocks noGrp="1"/>
-          </p:cNvSpPr>
-          <p:nvPr>
-            <p:ph type="title"/>
-          </p:nvPr>
-        </p:nvSpPr>
-        <p:spPr/>
-        <p:txBody>
-          <a:bodyPr/>
-          <a:lstStyle/>
-          <a:p>
-            <a:r>
-              <a:rPr lang="en-US" dirty="0" smtClean="0"/>
-              <a:t>What is it?</a:t>
-            </a:r>
-            <a:endParaRPr lang="en-US" dirty="0"/>
-          </a:p>
-        </p:txBody>
-      </p:sp>
-      <p:sp>
-        <p:nvSpPr>
-          <p:cNvPr id="3" name="Content Placeholder 2"/>
-          <p:cNvSpPr>
-            <a:spLocks noGrp="1"/>
-          </p:cNvSpPr>
-          <p:nvPr>
-            <p:ph idx="1"/>
-          </p:nvPr>
-        </p:nvSpPr>
-        <p:spPr/>
-        <p:txBody>
-          <a:bodyPr/>
-          <a:lstStyle/>
-          <a:p>
-            <a:r>
-              <a:rPr lang="en-US" dirty="0" err="1" smtClean="0"/>
-              <a:t>GeoPsy</a:t>
-            </a:r>
-            <a:r>
-              <a:rPr lang="en-US" dirty="0" smtClean="0"/>
-              <a:t> Collect is an intuitive spatial data collection toolkit. </a:t>
-            </a:r>
-          </a:p>
-          <a:p>
-            <a:r>
-              <a:rPr lang="en-US" dirty="0" smtClean="0"/>
-              <a:t>It combines the simplicity of Google Forms and the complexity of GIS to make data collection easy for beginners and professionals</a:t>
-            </a:r>
-            <a:endParaRPr lang="en-US" dirty="0"/>
-          </a:p>
-        </p:txBody>
-      </p:sp>
-    </p:spTree>
-    <p:extLst>
-      <p:ext uri="{BB962C8B-B14F-4D97-AF65-F5344CB8AC3E}">
-        <p14:creationId xmlns:p14="http://schemas.microsoft.com/office/powerpoint/2010/main" val="31702509"/>
-      </p:ext>
-    </p:extLst>
-  </p:cSld>
-  <p:clrMapOvr>
-    <a:masterClrMapping/>
-  </p:clrMapOvr>
-  <p:timing>
-    <p:tnLst>
-      <p:par>
-        <p:cTn id="1" dur="indefinite" restart="never" nodeType="tmRoot"/>
-      </p:par>
-    </p:tnLst>
-  </p:timing>
-</p:sld>
-</file>
-
-<file path=ppt/slides/slide3.xml><?xml version="1.0" encoding="utf-8"?>
-<p:sld xmlns:a="http://schemas.openxmlformats.org/drawingml/2006/main" xmlns:r="http://schemas.openxmlformats.org/officeDocument/2006/relationships" xmlns:p="http://schemas.openxmlformats.org/presentationml/2006/main">
-  <p:cSld>
-    <p:spTree>
-      <p:nvGrpSpPr>
-        <p:cNvPr id="1" name=""/>
-        <p:cNvGrpSpPr/>
-        <p:nvPr/>
-      </p:nvGrpSpPr>
-      <p:grpSpPr>
-        <a:xfrm>
-          <a:off x="0" y="0"/>
-          <a:ext cx="0" cy="0"/>
-          <a:chOff x="0" y="0"/>
-          <a:chExt cx="0" cy="0"/>
-        </a:xfrm>
-      </p:grpSpPr>
-      <p:sp>
-        <p:nvSpPr>
-          <p:cNvPr id="3" name="Title 2">
-            <a:extLst>
-              <a:ext uri="{FF2B5EF4-FFF2-40B4-BE49-F238E27FC236}">
-                <a16:creationId xmlns:a16="http://schemas.microsoft.com/office/drawing/2014/main" id="{8149BC3C-A86C-9E4E-2DB3-0AF9B877714E}"/>
-              </a:ext>
-            </a:extLst>
-          </p:cNvPr>
-          <p:cNvSpPr>
-            <a:spLocks noGrp="1"/>
-          </p:cNvSpPr>
-          <p:nvPr>
-            <p:ph type="title"/>
-          </p:nvPr>
-        </p:nvSpPr>
-        <p:spPr>
-          <a:xfrm>
-            <a:off x="628650" y="259444"/>
-            <a:ext cx="7886700" cy="994172"/>
-          </a:xfrm>
-        </p:spPr>
-        <p:txBody>
-          <a:bodyPr/>
-          <a:lstStyle/>
-          <a:p>
-            <a:r>
-              <a:rPr lang="en-US" dirty="0" smtClean="0"/>
-              <a:t>Features</a:t>
-            </a:r>
-            <a:endParaRPr lang="en-KE" dirty="0"/>
-          </a:p>
-        </p:txBody>
-      </p:sp>
-      <p:sp>
-        <p:nvSpPr>
-          <p:cNvPr id="4" name="Content Placeholder 3">
-            <a:extLst>
-              <a:ext uri="{FF2B5EF4-FFF2-40B4-BE49-F238E27FC236}">
-                <a16:creationId xmlns:a16="http://schemas.microsoft.com/office/drawing/2014/main" id="{A561C83C-144A-6227-EB18-92C86DF277E4}"/>
-              </a:ext>
-            </a:extLst>
-          </p:cNvPr>
-          <p:cNvSpPr>
-            <a:spLocks noGrp="1"/>
-          </p:cNvSpPr>
-          <p:nvPr>
-            <p:ph idx="1"/>
-          </p:nvPr>
-        </p:nvSpPr>
-        <p:spPr/>
-        <p:txBody>
-          <a:bodyPr/>
-          <a:lstStyle/>
-          <a:p>
-            <a:r>
-              <a:rPr lang="en-US" dirty="0" smtClean="0"/>
-              <a:t>State-of-art features that include:</a:t>
-            </a:r>
-          </a:p>
-          <a:p>
-            <a:pPr marL="457200" indent="-457200">
-              <a:buFont typeface="+mj-lt"/>
-              <a:buAutoNum type="arabicPeriod"/>
-            </a:pPr>
-            <a:r>
-              <a:rPr lang="en-US" dirty="0" smtClean="0"/>
-              <a:t>Spatially linked questions.</a:t>
-            </a:r>
-          </a:p>
-          <a:p>
-            <a:pPr marL="457200" indent="-457200">
-              <a:buFont typeface="+mj-lt"/>
-              <a:buAutoNum type="arabicPeriod"/>
-            </a:pPr>
-            <a:r>
-              <a:rPr lang="en-US" dirty="0" smtClean="0"/>
-              <a:t>Embeddable statistical charts.</a:t>
-            </a:r>
-          </a:p>
-          <a:p>
-            <a:pPr marL="457200" indent="-457200">
-              <a:buFont typeface="+mj-lt"/>
-              <a:buAutoNum type="arabicPeriod"/>
-            </a:pPr>
-            <a:r>
-              <a:rPr lang="en-US" dirty="0" smtClean="0"/>
-              <a:t>Custom dashboard auto-creation.</a:t>
-            </a:r>
-          </a:p>
-          <a:p>
-            <a:pPr marL="457200" indent="-457200">
-              <a:buFont typeface="+mj-lt"/>
-              <a:buAutoNum type="arabicPeriod"/>
-            </a:pPr>
-            <a:r>
-              <a:rPr lang="en-US" dirty="0" smtClean="0"/>
-              <a:t>Real-time response data</a:t>
-            </a:r>
-          </a:p>
-          <a:p>
-            <a:pPr marL="457200" indent="-457200">
-              <a:buFont typeface="+mj-lt"/>
-              <a:buAutoNum type="arabicPeriod"/>
-            </a:pPr>
-            <a:r>
-              <a:rPr lang="en-US" dirty="0" smtClean="0"/>
-              <a:t>Form reads, writes, connections analysis.</a:t>
-            </a:r>
-          </a:p>
-          <a:p>
-            <a:pPr marL="457200" indent="-457200">
-              <a:buFont typeface="+mj-lt"/>
-              <a:buAutoNum type="arabicPeriod"/>
-            </a:pPr>
-            <a:r>
-              <a:rPr lang="en-US" dirty="0" smtClean="0"/>
-              <a:t>Offline-first, easy-to-use mobile application</a:t>
-            </a:r>
-            <a:endParaRPr lang="en-KE" dirty="0"/>
-          </a:p>
-        </p:txBody>
-      </p:sp>
-    </p:spTree>
-    <p:extLst>
-      <p:ext uri="{BB962C8B-B14F-4D97-AF65-F5344CB8AC3E}">
-        <p14:creationId xmlns:p14="http://schemas.microsoft.com/office/powerpoint/2010/main" val="2232875704"/>
-      </p:ext>
-    </p:extLst>
-  </p:cSld>
-  <p:clrMapOvr>
-    <a:masterClrMapping/>
-  </p:clrMapOvr>
-  <p:timing>
-    <p:tnLst>
-      <p:par>
-        <p:cTn id="1" dur="indefinite" restart="never" nodeType="tmRoot"/>
-      </p:par>
-    </p:tnLst>
-  </p:timing>
-</p:sld>
-</file>
-
-<file path=ppt/slides/slide4.xml><?xml version="1.0" encoding="utf-8"?>
-<p:sld xmlns:a="http://schemas.openxmlformats.org/drawingml/2006/main" xmlns:r="http://schemas.openxmlformats.org/officeDocument/2006/relationships" xmlns:p="http://schemas.openxmlformats.org/presentationml/2006/main">
-  <p:cSld>
-    <p:spTree>
-      <p:nvGrpSpPr>
-        <p:cNvPr id="1" name=""/>
-        <p:cNvGrpSpPr/>
-        <p:nvPr/>
-      </p:nvGrpSpPr>
-      <p:grpSpPr>
-        <a:xfrm>
-          <a:off x="0" y="0"/>
-          <a:ext cx="0" cy="0"/>
-          <a:chOff x="0" y="0"/>
-          <a:chExt cx="0" cy="0"/>
-        </a:xfrm>
-      </p:grpSpPr>
-      <p:sp>
-        <p:nvSpPr>
-          <p:cNvPr id="2" name="Title 1"/>
-          <p:cNvSpPr>
-            <a:spLocks noGrp="1"/>
-          </p:cNvSpPr>
-          <p:nvPr>
-            <p:ph type="title"/>
-          </p:nvPr>
-        </p:nvSpPr>
-        <p:spPr/>
-        <p:txBody>
-          <a:bodyPr/>
-          <a:lstStyle/>
-          <a:p>
-            <a:r>
-              <a:rPr lang="en-US" dirty="0" smtClean="0"/>
-              <a:t>Distinctive features</a:t>
-            </a:r>
-            <a:endParaRPr lang="en-US" dirty="0"/>
-          </a:p>
-        </p:txBody>
-      </p:sp>
-      <p:sp>
-        <p:nvSpPr>
-          <p:cNvPr id="3" name="Content Placeholder 2"/>
-          <p:cNvSpPr>
-            <a:spLocks noGrp="1"/>
-          </p:cNvSpPr>
-          <p:nvPr>
-            <p:ph idx="1"/>
-          </p:nvPr>
-        </p:nvSpPr>
-        <p:spPr/>
-        <p:txBody>
-          <a:bodyPr/>
-          <a:lstStyle/>
-          <a:p>
-            <a:r>
-              <a:rPr lang="en-US" dirty="0" smtClean="0"/>
-              <a:t>Location fused service providers.</a:t>
-            </a:r>
-          </a:p>
-          <a:p>
-            <a:r>
-              <a:rPr lang="en-US" dirty="0" err="1" smtClean="0"/>
-              <a:t>Integretable</a:t>
-            </a:r>
-            <a:r>
-              <a:rPr lang="en-US" dirty="0" smtClean="0"/>
-              <a:t> mobile application with smart devices such as smart total station.</a:t>
-            </a:r>
-          </a:p>
-          <a:p>
-            <a:endParaRPr lang="en-US" dirty="0"/>
-          </a:p>
-        </p:txBody>
-      </p:sp>
-    </p:spTree>
-    <p:extLst>
-      <p:ext uri="{BB962C8B-B14F-4D97-AF65-F5344CB8AC3E}">
-        <p14:creationId xmlns:p14="http://schemas.microsoft.com/office/powerpoint/2010/main" val="3951127661"/>
-      </p:ext>
-    </p:extLst>
-  </p:cSld>
-  <p:clrMapOvr>
-    <a:masterClrMapping/>
-  </p:clrMapOvr>
-  <p:timing>
-    <p:tnLst>
-      <p:par>
-        <p:cTn id="1" dur="indefinite" restart="never" nodeType="tmRoot"/>
-      </p:par>
-    </p:tnLst>
-  </p:timing>
-</p:sld>
-</file>
-
-<file path=ppt/slides/slide5.xml><?xml version="1.0" encoding="utf-8"?>
-<p:sld xmlns:a="http://schemas.openxmlformats.org/drawingml/2006/main" xmlns:r="http://schemas.openxmlformats.org/officeDocument/2006/relationships" xmlns:p="http://schemas.openxmlformats.org/presentationml/2006/main">
-  <p:cSld>
-    <p:spTree>
-      <p:nvGrpSpPr>
-        <p:cNvPr id="1" name=""/>
-        <p:cNvGrpSpPr/>
-        <p:nvPr/>
-      </p:nvGrpSpPr>
-      <p:grpSpPr>
-        <a:xfrm>
-          <a:off x="0" y="0"/>
-          <a:ext cx="0" cy="0"/>
-          <a:chOff x="0" y="0"/>
-          <a:chExt cx="0" cy="0"/>
-        </a:xfrm>
-      </p:grpSpPr>
-      <p:sp>
-        <p:nvSpPr>
-          <p:cNvPr id="2" name="Title 1"/>
-          <p:cNvSpPr>
-            <a:spLocks noGrp="1"/>
-          </p:cNvSpPr>
-          <p:nvPr>
-            <p:ph type="title"/>
-          </p:nvPr>
-        </p:nvSpPr>
-        <p:spPr/>
-        <p:txBody>
-          <a:bodyPr/>
-          <a:lstStyle/>
-          <a:p>
-            <a:r>
-              <a:rPr lang="en-US" dirty="0" smtClean="0"/>
-              <a:t>Usage Steps:</a:t>
-            </a:r>
-            <a:endParaRPr lang="en-US" dirty="0"/>
-          </a:p>
-        </p:txBody>
-      </p:sp>
-      <p:sp>
-        <p:nvSpPr>
-          <p:cNvPr id="3" name="Content Placeholder 2"/>
-          <p:cNvSpPr>
-            <a:spLocks noGrp="1"/>
-          </p:cNvSpPr>
-          <p:nvPr>
-            <p:ph idx="1"/>
-          </p:nvPr>
-        </p:nvSpPr>
-        <p:spPr/>
-        <p:txBody>
-          <a:bodyPr/>
-          <a:lstStyle/>
-          <a:p>
-            <a:r>
-              <a:rPr lang="en-US" dirty="0" smtClean="0"/>
-              <a:t>Sign in/up to the </a:t>
-            </a:r>
-            <a:r>
-              <a:rPr lang="en-US" dirty="0" err="1" smtClean="0"/>
-              <a:t>GeoPsy</a:t>
-            </a:r>
-            <a:r>
-              <a:rPr lang="en-US" dirty="0" smtClean="0"/>
-              <a:t> Collect.</a:t>
-            </a:r>
-          </a:p>
-          <a:p>
-            <a:r>
-              <a:rPr lang="en-US" dirty="0" smtClean="0"/>
-              <a:t>Create a new form in the form builder.</a:t>
-            </a:r>
-          </a:p>
-          <a:p>
-            <a:r>
-              <a:rPr lang="en-US" dirty="0" smtClean="0"/>
-              <a:t>Deploy the created form. </a:t>
-            </a:r>
-          </a:p>
-          <a:p>
-            <a:r>
-              <a:rPr lang="en-US" dirty="0" smtClean="0"/>
-              <a:t>View form response in your dashboard.</a:t>
-            </a:r>
-            <a:endParaRPr lang="en-US" dirty="0"/>
-          </a:p>
-          <a:p>
-            <a:endParaRPr lang="en-US" dirty="0"/>
-          </a:p>
-        </p:txBody>
-      </p:sp>
-    </p:spTree>
-    <p:extLst>
-      <p:ext uri="{BB962C8B-B14F-4D97-AF65-F5344CB8AC3E}">
-        <p14:creationId xmlns:p14="http://schemas.microsoft.com/office/powerpoint/2010/main" val="2082321214"/>
-      </p:ext>
-    </p:extLst>
-  </p:cSld>
-  <p:clrMapOvr>
-    <a:masterClrMapping/>
-  </p:clrMapOvr>
-  <p:timing>
-    <p:tnLst>
-      <p:par>
-        <p:cTn id="1" dur="indefinite" restart="never" nodeType="tmRoot"/>
-      </p:par>
-    </p:tnLst>
-  </p:timing>
-</p:sld>
-</file>
-
-<file path=ppt/slides/slide6.xml><?xml version="1.0" encoding="utf-8"?>
-<p:sld xmlns:a="http://schemas.openxmlformats.org/drawingml/2006/main" xmlns:r="http://schemas.openxmlformats.org/officeDocument/2006/relationships" xmlns:p="http://schemas.openxmlformats.org/presentationml/2006/main">
-  <p:cSld>
-    <p:spTree>
-      <p:nvGrpSpPr>
-        <p:cNvPr id="1" name=""/>
-        <p:cNvGrpSpPr/>
-        <p:nvPr/>
-      </p:nvGrpSpPr>
-      <p:grpSpPr>
-        <a:xfrm>
-          <a:off x="0" y="0"/>
-          <a:ext cx="0" cy="0"/>
-          <a:chOff x="0" y="0"/>
-          <a:chExt cx="0" cy="0"/>
-        </a:xfrm>
-      </p:grpSpPr>
-      <p:sp>
-        <p:nvSpPr>
-          <p:cNvPr id="2" name="Title 1"/>
-          <p:cNvSpPr>
-            <a:spLocks noGrp="1"/>
-          </p:cNvSpPr>
-          <p:nvPr>
-            <p:ph type="title"/>
-          </p:nvPr>
-        </p:nvSpPr>
-        <p:spPr/>
-        <p:txBody>
-          <a:bodyPr/>
-          <a:lstStyle/>
-          <a:p>
-            <a:r>
-              <a:rPr lang="en-US" dirty="0" smtClean="0"/>
-              <a:t>Embeddable charts</a:t>
-            </a:r>
-            <a:endParaRPr lang="en-US" dirty="0"/>
-          </a:p>
-        </p:txBody>
-      </p:sp>
-      <p:sp>
-        <p:nvSpPr>
-          <p:cNvPr id="3" name="Content Placeholder 2"/>
-          <p:cNvSpPr>
-            <a:spLocks noGrp="1"/>
-          </p:cNvSpPr>
-          <p:nvPr>
-            <p:ph idx="1"/>
-          </p:nvPr>
-        </p:nvSpPr>
-        <p:spPr/>
-        <p:txBody>
-          <a:bodyPr/>
-          <a:lstStyle/>
-          <a:p>
-            <a:r>
-              <a:rPr lang="en-US" dirty="0" smtClean="0"/>
-              <a:t>Steps to create charts from your data.</a:t>
-            </a:r>
-          </a:p>
-          <a:p>
-            <a:pPr>
-              <a:buFont typeface="Wingdings" panose="05000000000000000000" pitchFamily="2" charset="2"/>
-              <a:buChar char="ü"/>
-            </a:pPr>
-            <a:r>
-              <a:rPr lang="en-US" dirty="0" smtClean="0"/>
-              <a:t>Select the form to generate data from.</a:t>
-            </a:r>
-          </a:p>
-          <a:p>
-            <a:pPr>
-              <a:buFont typeface="Wingdings" panose="05000000000000000000" pitchFamily="2" charset="2"/>
-              <a:buChar char="ü"/>
-            </a:pPr>
-            <a:r>
-              <a:rPr lang="en-US" dirty="0" smtClean="0"/>
-              <a:t>Select the columns to use in charts.</a:t>
-            </a:r>
-          </a:p>
-          <a:p>
-            <a:pPr>
-              <a:buFont typeface="Wingdings" panose="05000000000000000000" pitchFamily="2" charset="2"/>
-              <a:buChar char="ü"/>
-            </a:pPr>
-            <a:r>
-              <a:rPr lang="en-US" dirty="0" smtClean="0"/>
-              <a:t>Choose type of chart.</a:t>
-            </a:r>
-          </a:p>
-          <a:p>
-            <a:pPr>
-              <a:buFont typeface="Wingdings" panose="05000000000000000000" pitchFamily="2" charset="2"/>
-              <a:buChar char="ü"/>
-            </a:pPr>
-            <a:r>
-              <a:rPr lang="en-US" dirty="0" smtClean="0"/>
-              <a:t>Finish, share your real-time charts</a:t>
-            </a:r>
-            <a:endParaRPr lang="en-US" dirty="0"/>
-          </a:p>
-        </p:txBody>
-      </p:sp>
-    </p:spTree>
-    <p:extLst>
-      <p:ext uri="{BB962C8B-B14F-4D97-AF65-F5344CB8AC3E}">
-        <p14:creationId xmlns:p14="http://schemas.microsoft.com/office/powerpoint/2010/main" val="1401326765"/>
-      </p:ext>
-    </p:extLst>
-  </p:cSld>
-  <p:clrMapOvr>
-    <a:masterClrMapping/>
-  </p:clrMapOvr>
-  <p:timing>
-    <p:tnLst>
-      <p:par>
-        <p:cTn id="1" dur="indefinite" restart="never" nodeType="tmRoot"/>
-      </p:par>
-    </p:tnLst>
-  </p:timing>
-</p:sld>
-</file>
-
-<file path=ppt/slides/slide7.xml><?xml version="1.0" encoding="utf-8"?>
-<p:sld xmlns:a="http://schemas.openxmlformats.org/drawingml/2006/main" xmlns:r="http://schemas.openxmlformats.org/officeDocument/2006/relationships" xmlns:p="http://schemas.openxmlformats.org/presentationml/2006/main">
-  <p:cSld>
-    <p:spTree>
-      <p:nvGrpSpPr>
-        <p:cNvPr id="1" name=""/>
-        <p:cNvGrpSpPr/>
-        <p:nvPr/>
-      </p:nvGrpSpPr>
-      <p:grpSpPr>
-        <a:xfrm>
-          <a:off x="0" y="0"/>
-          <a:ext cx="0" cy="0"/>
-          <a:chOff x="0" y="0"/>
-          <a:chExt cx="0" cy="0"/>
-        </a:xfrm>
-      </p:grpSpPr>
-      <p:sp>
-        <p:nvSpPr>
-          <p:cNvPr id="2" name="Title 1"/>
-          <p:cNvSpPr>
-            <a:spLocks noGrp="1"/>
-          </p:cNvSpPr>
-          <p:nvPr>
-            <p:ph type="title"/>
-          </p:nvPr>
-        </p:nvSpPr>
-        <p:spPr/>
-        <p:txBody>
-          <a:bodyPr/>
-          <a:lstStyle/>
-          <a:p>
-            <a:r>
-              <a:rPr lang="en-US" dirty="0" smtClean="0"/>
-              <a:t>Dashboards</a:t>
-            </a:r>
-            <a:endParaRPr lang="en-US" dirty="0"/>
-          </a:p>
-        </p:txBody>
-      </p:sp>
-      <p:sp>
-        <p:nvSpPr>
-          <p:cNvPr id="3" name="Content Placeholder 2"/>
-          <p:cNvSpPr>
-            <a:spLocks noGrp="1"/>
-          </p:cNvSpPr>
-          <p:nvPr>
-            <p:ph idx="1"/>
-          </p:nvPr>
-        </p:nvSpPr>
-        <p:spPr/>
-        <p:txBody>
-          <a:bodyPr/>
-          <a:lstStyle/>
-          <a:p>
-            <a:r>
-              <a:rPr lang="en-US" dirty="0" smtClean="0"/>
-              <a:t>Display your form response data in an intuitive way:</a:t>
-            </a:r>
-          </a:p>
-          <a:p>
-            <a:pPr>
-              <a:buFont typeface="Wingdings" panose="05000000000000000000" pitchFamily="2" charset="2"/>
-              <a:buChar char="v"/>
-            </a:pPr>
-            <a:r>
-              <a:rPr lang="en-US" dirty="0" smtClean="0"/>
-              <a:t>Select the form to use.</a:t>
-            </a:r>
-          </a:p>
-          <a:p>
-            <a:pPr>
-              <a:buFont typeface="Wingdings" panose="05000000000000000000" pitchFamily="2" charset="2"/>
-              <a:buChar char="v"/>
-            </a:pPr>
-            <a:r>
-              <a:rPr lang="en-US" dirty="0" smtClean="0"/>
-              <a:t>Add/remove dashboard panels.</a:t>
-            </a:r>
-          </a:p>
-          <a:p>
-            <a:pPr>
-              <a:buFont typeface="Wingdings" panose="05000000000000000000" pitchFamily="2" charset="2"/>
-              <a:buChar char="v"/>
-            </a:pPr>
-            <a:r>
-              <a:rPr lang="en-US" dirty="0" smtClean="0"/>
-              <a:t>Add more dashboard customizations.</a:t>
-            </a:r>
-            <a:endParaRPr lang="en-US" dirty="0"/>
-          </a:p>
-        </p:txBody>
-      </p:sp>
-    </p:spTree>
-    <p:extLst>
-      <p:ext uri="{BB962C8B-B14F-4D97-AF65-F5344CB8AC3E}">
-        <p14:creationId xmlns:p14="http://schemas.microsoft.com/office/powerpoint/2010/main" val="1249362367"/>
-      </p:ext>
-    </p:extLst>
-  </p:cSld>
-  <p:clrMapOvr>
-    <a:masterClrMapping/>
-  </p:clrMapOvr>
-  <p:timing>
-    <p:tnLst>
-      <p:par>
-        <p:cTn id="1" dur="indefinite" restart="never" nodeType="tmRoot"/>
-      </p:par>
-    </p:tnLst>
-  </p:timing>
-</p:sld>
-</file>
-
-<file path=ppt/slides/slide8.xml><?xml version="1.0" encoding="utf-8"?>
-<p:sld xmlns:a="http://schemas.openxmlformats.org/drawingml/2006/main" xmlns:r="http://schemas.openxmlformats.org/officeDocument/2006/relationships" xmlns:p="http://schemas.openxmlformats.org/presentationml/2006/main">
-  <p:cSld>
-    <p:spTree>
-      <p:nvGrpSpPr>
-        <p:cNvPr id="1" name=""/>
-        <p:cNvGrpSpPr/>
-        <p:nvPr/>
-      </p:nvGrpSpPr>
-      <p:grpSpPr>
-        <a:xfrm>
-          <a:off x="0" y="0"/>
-          <a:ext cx="0" cy="0"/>
-          <a:chOff x="0" y="0"/>
-          <a:chExt cx="0" cy="0"/>
-        </a:xfrm>
-      </p:grpSpPr>
-      <p:sp>
-        <p:nvSpPr>
-          <p:cNvPr id="2" name="Title 1"/>
-          <p:cNvSpPr>
-            <a:spLocks noGrp="1"/>
-          </p:cNvSpPr>
-          <p:nvPr>
-            <p:ph type="title"/>
-          </p:nvPr>
-        </p:nvSpPr>
-        <p:spPr/>
-        <p:txBody>
-          <a:bodyPr/>
-          <a:lstStyle/>
-          <a:p>
-            <a:r>
-              <a:rPr lang="en-US" dirty="0" smtClean="0"/>
-              <a:t>Sandbox</a:t>
-            </a:r>
-            <a:endParaRPr lang="en-US" dirty="0"/>
-          </a:p>
-        </p:txBody>
-      </p:sp>
-      <p:sp>
-        <p:nvSpPr>
-          <p:cNvPr id="3" name="Content Placeholder 2"/>
-          <p:cNvSpPr>
-            <a:spLocks noGrp="1"/>
-          </p:cNvSpPr>
-          <p:nvPr>
-            <p:ph idx="1"/>
-          </p:nvPr>
-        </p:nvSpPr>
-        <p:spPr/>
-        <p:txBody>
-          <a:bodyPr/>
-          <a:lstStyle/>
-          <a:p>
-            <a:r>
-              <a:rPr lang="en-US" dirty="0" smtClean="0"/>
-              <a:t>Programmatically design and deploy forms in our sandbox</a:t>
-            </a:r>
-          </a:p>
-          <a:p>
-            <a:r>
-              <a:rPr lang="en-US" dirty="0" smtClean="0"/>
-              <a:t>No </a:t>
-            </a:r>
-            <a:r>
-              <a:rPr lang="en-US" dirty="0" err="1" smtClean="0"/>
-              <a:t>api</a:t>
-            </a:r>
-            <a:r>
-              <a:rPr lang="en-US" dirty="0" smtClean="0"/>
-              <a:t> key or access key required.</a:t>
-            </a:r>
-            <a:endParaRPr lang="en-US" dirty="0"/>
-          </a:p>
-        </p:txBody>
-      </p:sp>
-    </p:spTree>
-    <p:extLst>
-      <p:ext uri="{BB962C8B-B14F-4D97-AF65-F5344CB8AC3E}">
-        <p14:creationId xmlns:p14="http://schemas.microsoft.com/office/powerpoint/2010/main" val="558629321"/>
-      </p:ext>
-    </p:extLst>
-  </p:cSld>
-  <p:clrMapOvr>
-    <a:masterClrMapping/>
-  </p:clrMapOvr>
-  <p:timing>
-    <p:tnLst>
-      <p:par>
-        <p:cTn id="1" dur="indefinite" restart="never" nodeType="tmRoot"/>
-      </p:par>
-    </p:tnLst>
-  </p:timing>
-</p:sld>
-</file>
-
-<file path=ppt/slides/slide9.xml><?xml version="1.0" encoding="utf-8"?>
-<p:sld xmlns:a="http://schemas.openxmlformats.org/drawingml/2006/main" xmlns:r="http://schemas.openxmlformats.org/officeDocument/2006/relationships" xmlns:p="http://schemas.openxmlformats.org/presentationml/2006/main">
-  <p:cSld>
-    <p:spTree>
-      <p:nvGrpSpPr>
-        <p:cNvPr id="1" name=""/>
-        <p:cNvGrpSpPr/>
-        <p:nvPr/>
-      </p:nvGrpSpPr>
-      <p:grpSpPr>
-        <a:xfrm>
-          <a:off x="0" y="0"/>
-          <a:ext cx="0" cy="0"/>
-          <a:chOff x="0" y="0"/>
-          <a:chExt cx="0" cy="0"/>
-        </a:xfrm>
-      </p:grpSpPr>
-      <p:sp>
-        <p:nvSpPr>
-          <p:cNvPr id="2" name="Title 1"/>
-          <p:cNvSpPr>
-            <a:spLocks noGrp="1"/>
-          </p:cNvSpPr>
-          <p:nvPr>
-            <p:ph type="title"/>
-          </p:nvPr>
-        </p:nvSpPr>
-        <p:spPr/>
-        <p:txBody>
-          <a:bodyPr/>
-          <a:lstStyle/>
-          <a:p>
-            <a:r>
-              <a:rPr lang="en-US" dirty="0" smtClean="0"/>
-              <a:t>QGIS Plugin</a:t>
-            </a:r>
-            <a:endParaRPr lang="en-US" dirty="0"/>
-          </a:p>
-        </p:txBody>
-      </p:sp>
-      <p:sp>
-        <p:nvSpPr>
-          <p:cNvPr id="3" name="Content Placeholder 2"/>
-          <p:cNvSpPr>
-            <a:spLocks noGrp="1"/>
-          </p:cNvSpPr>
-          <p:nvPr>
-            <p:ph idx="1"/>
-          </p:nvPr>
-        </p:nvSpPr>
-        <p:spPr/>
-        <p:txBody>
-          <a:bodyPr/>
-          <a:lstStyle/>
-          <a:p>
-            <a:r>
-              <a:rPr lang="en-US" dirty="0" smtClean="0"/>
-              <a:t>View your response data in QGIS.</a:t>
-            </a:r>
-          </a:p>
-          <a:p>
-            <a:r>
-              <a:rPr lang="en-US" dirty="0" smtClean="0"/>
-              <a:t>(Progress)</a:t>
-            </a:r>
-            <a:endParaRPr lang="en-US" dirty="0"/>
-          </a:p>
-        </p:txBody>
-      </p:sp>
-    </p:spTree>
-    <p:extLst>
-      <p:ext uri="{BB962C8B-B14F-4D97-AF65-F5344CB8AC3E}">
-        <p14:creationId xmlns:p14="http://schemas.microsoft.com/office/powerpoint/2010/main" val="2759646585"/>
       </p:ext>
     </p:extLst>
   </p:cSld>
